--- a/common_script/part1and2.pptx
+++ b/common_script/part1and2.pptx
@@ -15129,8 +15129,8 @@
         </p:nvSpPr>
         <p:spPr>
           <a:xfrm>
-            <a:off x="2042160" y="2346960"/>
-            <a:ext cx="7894320" cy="1754326"/>
+            <a:off x="1989261" y="1997839"/>
+            <a:ext cx="7894320" cy="2862322"/>
           </a:xfrm>
           <a:prstGeom prst="rect">
             <a:avLst/>
@@ -15146,12 +15146,26 @@
             <a:pPr algn="ctr"/>
             <a:r>
               <a:rPr lang="en-US" sz="3600" dirty="0"/>
-              <a:t>Heuristic 2</a:t>
+              <a:t>Heuristic 1 </a:t>
+            </a:r>
+          </a:p>
+          <a:p>
+            <a:pPr algn="ctr"/>
+            <a:r>
+              <a:rPr lang="en-US" sz="3600" dirty="0"/>
+              <a:t> Bottom up approach</a:t>
             </a:r>
           </a:p>
           <a:p>
             <a:pPr algn="ctr"/>
             <a:endParaRPr lang="en-US" sz="3600" dirty="0"/>
+          </a:p>
+          <a:p>
+            <a:pPr algn="ctr"/>
+            <a:r>
+              <a:rPr lang="en-US" sz="3600" dirty="0"/>
+              <a:t>Heuristic 2</a:t>
+            </a:r>
           </a:p>
           <a:p>
             <a:pPr algn="ctr"/>
@@ -16354,8 +16368,22 @@
               <a:t>If majority of </a:t>
             </a:r>
             <a:r>
-              <a:rPr lang="en-US" b="0" dirty="0" err="1"/>
-              <a:t>u_i</a:t>
+              <a:rPr lang="en" sz="1800" dirty="0">
+                <a:latin typeface="Arial" panose="020B0604020202020204" pitchFamily="34" charset="0"/>
+                <a:ea typeface="Roboto"/>
+                <a:cs typeface="Arial" panose="020B0604020202020204" pitchFamily="34" charset="0"/>
+                <a:sym typeface="Roboto"/>
+              </a:rPr>
+              <a:t>u</a:t>
+            </a:r>
+            <a:r>
+              <a:rPr lang="en" sz="1800" baseline="-25000" dirty="0">
+                <a:latin typeface="Arial" panose="020B0604020202020204" pitchFamily="34" charset="0"/>
+                <a:ea typeface="Roboto"/>
+                <a:cs typeface="Arial" panose="020B0604020202020204" pitchFamily="34" charset="0"/>
+                <a:sym typeface="Roboto"/>
+              </a:rPr>
+              <a:t>i</a:t>
             </a:r>
             <a:r>
               <a:rPr lang="en-US" b="0" dirty="0"/>
@@ -16378,10 +16406,24 @@
             </a:pPr>
             <a:r>
               <a:rPr lang="en-US" b="0" dirty="0"/>
-              <a:t>If not,  sum(all flow of user </a:t>
-            </a:r>
-            <a:r>
-              <a:rPr lang="en-US" b="0" dirty="0" err="1"/>
+              <a:t>If not,  sum(all flow of </a:t>
+            </a:r>
+            <a:r>
+              <a:rPr lang="en" sz="2000" dirty="0">
+                <a:latin typeface="Arial" panose="020B0604020202020204" pitchFamily="34" charset="0"/>
+                <a:ea typeface="Roboto"/>
+                <a:cs typeface="Arial" panose="020B0604020202020204" pitchFamily="34" charset="0"/>
+                <a:sym typeface="Roboto"/>
+              </a:rPr>
+              <a:t>u</a:t>
+            </a:r>
+            <a:r>
+              <a:rPr lang="en" sz="2000" baseline="-25000" dirty="0">
+                <a:latin typeface="Arial" panose="020B0604020202020204" pitchFamily="34" charset="0"/>
+                <a:ea typeface="Roboto"/>
+                <a:cs typeface="Arial" panose="020B0604020202020204" pitchFamily="34" charset="0"/>
+                <a:sym typeface="Roboto"/>
+              </a:rPr>
               <a:t>i</a:t>
             </a:r>
             <a:r>
@@ -16769,7 +16811,27 @@
             </a:r>
             <a:r>
               <a:rPr lang="en-US" sz="1200" b="0" dirty="0"/>
-              <a:t> = min{V_n1}</a:t>
+              <a:t> = min{</a:t>
+            </a:r>
+            <a:r>
+              <a:rPr lang="en" sz="1200" b="0" dirty="0">
+                <a:latin typeface="Arial" panose="020B0604020202020204" pitchFamily="34" charset="0"/>
+                <a:cs typeface="Arial" panose="020B0604020202020204" pitchFamily="34" charset="0"/>
+                <a:sym typeface="Roboto"/>
+              </a:rPr>
+              <a:t>V</a:t>
+            </a:r>
+            <a:r>
+              <a:rPr lang="en" sz="1200" b="0" baseline="-25000" dirty="0">
+                <a:latin typeface="Arial" panose="020B0604020202020204" pitchFamily="34" charset="0"/>
+                <a:cs typeface="Arial" panose="020B0604020202020204" pitchFamily="34" charset="0"/>
+                <a:sym typeface="Roboto"/>
+              </a:rPr>
+              <a:t>n1</a:t>
+            </a:r>
+            <a:r>
+              <a:rPr lang="en-US" sz="1200" b="0" dirty="0"/>
+              <a:t>}</a:t>
             </a:r>
           </a:p>
           <a:p>
@@ -16834,7 +16896,27 @@
             </a:r>
             <a:r>
               <a:rPr lang="en-US" sz="1200" b="0" dirty="0"/>
-              <a:t> = min{V_n2}</a:t>
+              <a:t> = min{</a:t>
+            </a:r>
+            <a:r>
+              <a:rPr lang="en" sz="1200" b="0" dirty="0">
+                <a:latin typeface="Arial" panose="020B0604020202020204" pitchFamily="34" charset="0"/>
+                <a:cs typeface="Arial" panose="020B0604020202020204" pitchFamily="34" charset="0"/>
+                <a:sym typeface="Roboto"/>
+              </a:rPr>
+              <a:t>V</a:t>
+            </a:r>
+            <a:r>
+              <a:rPr lang="en" sz="1200" b="0" baseline="-25000" dirty="0">
+                <a:latin typeface="Arial" panose="020B0604020202020204" pitchFamily="34" charset="0"/>
+                <a:cs typeface="Arial" panose="020B0604020202020204" pitchFamily="34" charset="0"/>
+                <a:sym typeface="Roboto"/>
+              </a:rPr>
+              <a:t>n2</a:t>
+            </a:r>
+            <a:r>
+              <a:rPr lang="en-US" sz="1200" b="0" dirty="0"/>
+              <a:t>}</a:t>
             </a:r>
           </a:p>
           <a:p>
@@ -16849,7 +16931,27 @@
             </a:r>
             <a:r>
               <a:rPr lang="en-US" sz="1200" b="0" dirty="0"/>
-              <a:t> = max{V_n1}</a:t>
+              <a:t> = max{</a:t>
+            </a:r>
+            <a:r>
+              <a:rPr lang="en" sz="1200" b="0" dirty="0">
+                <a:latin typeface="Arial" panose="020B0604020202020204" pitchFamily="34" charset="0"/>
+                <a:cs typeface="Arial" panose="020B0604020202020204" pitchFamily="34" charset="0"/>
+                <a:sym typeface="Roboto"/>
+              </a:rPr>
+              <a:t>V</a:t>
+            </a:r>
+            <a:r>
+              <a:rPr lang="en" sz="1200" b="0" baseline="-25000" dirty="0">
+                <a:latin typeface="Arial" panose="020B0604020202020204" pitchFamily="34" charset="0"/>
+                <a:cs typeface="Arial" panose="020B0604020202020204" pitchFamily="34" charset="0"/>
+                <a:sym typeface="Roboto"/>
+              </a:rPr>
+              <a:t>n1</a:t>
+            </a:r>
+            <a:r>
+              <a:rPr lang="en-US" sz="1200" b="0" dirty="0"/>
+              <a:t>}</a:t>
             </a:r>
           </a:p>
           <a:p>
@@ -16885,7 +16987,27 @@
             </a:r>
             <a:r>
               <a:rPr lang="en-US" sz="1200" b="0" dirty="0"/>
-              <a:t> = min{V_n1}</a:t>
+              <a:t> = min{</a:t>
+            </a:r>
+            <a:r>
+              <a:rPr lang="en" sz="1200" b="0" dirty="0">
+                <a:latin typeface="Arial" panose="020B0604020202020204" pitchFamily="34" charset="0"/>
+                <a:cs typeface="Arial" panose="020B0604020202020204" pitchFamily="34" charset="0"/>
+                <a:sym typeface="Roboto"/>
+              </a:rPr>
+              <a:t>V</a:t>
+            </a:r>
+            <a:r>
+              <a:rPr lang="en" sz="1200" b="0" baseline="-25000" dirty="0">
+                <a:latin typeface="Arial" panose="020B0604020202020204" pitchFamily="34" charset="0"/>
+                <a:cs typeface="Arial" panose="020B0604020202020204" pitchFamily="34" charset="0"/>
+                <a:sym typeface="Roboto"/>
+              </a:rPr>
+              <a:t>n1</a:t>
+            </a:r>
+            <a:r>
+              <a:rPr lang="en-US" sz="1200" b="0" dirty="0"/>
+              <a:t>}</a:t>
             </a:r>
           </a:p>
           <a:p>
@@ -17017,7 +17139,27 @@
             </a:r>
             <a:r>
               <a:rPr lang="en-US" sz="1200" b="0" dirty="0"/>
-              <a:t> = min{V_n1}</a:t>
+              <a:t> = min{</a:t>
+            </a:r>
+            <a:r>
+              <a:rPr lang="en" sz="1200" b="0" dirty="0">
+                <a:latin typeface="Arial" panose="020B0604020202020204" pitchFamily="34" charset="0"/>
+                <a:cs typeface="Arial" panose="020B0604020202020204" pitchFamily="34" charset="0"/>
+                <a:sym typeface="Roboto"/>
+              </a:rPr>
+              <a:t>V</a:t>
+            </a:r>
+            <a:r>
+              <a:rPr lang="en" sz="1200" b="0" baseline="-25000" dirty="0">
+                <a:latin typeface="Arial" panose="020B0604020202020204" pitchFamily="34" charset="0"/>
+                <a:cs typeface="Arial" panose="020B0604020202020204" pitchFamily="34" charset="0"/>
+                <a:sym typeface="Roboto"/>
+              </a:rPr>
+              <a:t>n1</a:t>
+            </a:r>
+            <a:r>
+              <a:rPr lang="en-US" sz="1200" b="0" dirty="0"/>
+              <a:t>}</a:t>
             </a:r>
             <a:r>
               <a:rPr lang="en-US" sz="1200" b="0" dirty="0">

--- a/common_script/part1and2.pptx
+++ b/common_script/part1and2.pptx
@@ -5,31 +5,32 @@
     <p:sldMasterId id="2147483661" r:id="rId1"/>
   </p:sldMasterIdLst>
   <p:notesMasterIdLst>
-    <p:notesMasterId r:id="rId24"/>
+    <p:notesMasterId r:id="rId25"/>
   </p:notesMasterIdLst>
   <p:sldIdLst>
-    <p:sldId id="257" r:id="rId2"/>
-    <p:sldId id="258" r:id="rId3"/>
-    <p:sldId id="259" r:id="rId4"/>
-    <p:sldId id="262" r:id="rId5"/>
-    <p:sldId id="265" r:id="rId6"/>
-    <p:sldId id="324" r:id="rId7"/>
-    <p:sldId id="325" r:id="rId8"/>
-    <p:sldId id="326" r:id="rId9"/>
-    <p:sldId id="327" r:id="rId10"/>
-    <p:sldId id="328" r:id="rId11"/>
-    <p:sldId id="329" r:id="rId12"/>
-    <p:sldId id="330" r:id="rId13"/>
-    <p:sldId id="272" r:id="rId14"/>
-    <p:sldId id="309" r:id="rId15"/>
-    <p:sldId id="310" r:id="rId16"/>
-    <p:sldId id="312" r:id="rId17"/>
-    <p:sldId id="320" r:id="rId18"/>
-    <p:sldId id="314" r:id="rId19"/>
-    <p:sldId id="321" r:id="rId20"/>
-    <p:sldId id="316" r:id="rId21"/>
-    <p:sldId id="315" r:id="rId22"/>
-    <p:sldId id="319" r:id="rId23"/>
+    <p:sldId id="331" r:id="rId2"/>
+    <p:sldId id="257" r:id="rId3"/>
+    <p:sldId id="258" r:id="rId4"/>
+    <p:sldId id="259" r:id="rId5"/>
+    <p:sldId id="262" r:id="rId6"/>
+    <p:sldId id="265" r:id="rId7"/>
+    <p:sldId id="324" r:id="rId8"/>
+    <p:sldId id="325" r:id="rId9"/>
+    <p:sldId id="326" r:id="rId10"/>
+    <p:sldId id="327" r:id="rId11"/>
+    <p:sldId id="328" r:id="rId12"/>
+    <p:sldId id="329" r:id="rId13"/>
+    <p:sldId id="330" r:id="rId14"/>
+    <p:sldId id="272" r:id="rId15"/>
+    <p:sldId id="309" r:id="rId16"/>
+    <p:sldId id="310" r:id="rId17"/>
+    <p:sldId id="312" r:id="rId18"/>
+    <p:sldId id="320" r:id="rId19"/>
+    <p:sldId id="314" r:id="rId20"/>
+    <p:sldId id="321" r:id="rId21"/>
+    <p:sldId id="316" r:id="rId22"/>
+    <p:sldId id="315" r:id="rId23"/>
+    <p:sldId id="319" r:id="rId24"/>
   </p:sldIdLst>
   <p:sldSz cx="12192000" cy="6858000"/>
   <p:notesSz cx="6858000" cy="9144000"/>
@@ -666,7 +667,7 @@
           <a:p>
             <a:fld id="{93FCFBB3-3EC1-43AB-9BEA-0E856CA65AA1}" type="slidenum">
               <a:rPr lang="en-US" smtClean="0"/>
-              <a:t>10</a:t>
+              <a:t>11</a:t>
             </a:fld>
             <a:endParaRPr lang="en-US"/>
           </a:p>
@@ -750,7 +751,7 @@
           <a:p>
             <a:fld id="{93FCFBB3-3EC1-43AB-9BEA-0E856CA65AA1}" type="slidenum">
               <a:rPr lang="en-US" smtClean="0"/>
-              <a:t>11</a:t>
+              <a:t>12</a:t>
             </a:fld>
             <a:endParaRPr lang="en-US"/>
           </a:p>
@@ -834,7 +835,7 @@
           <a:p>
             <a:fld id="{93FCFBB3-3EC1-43AB-9BEA-0E856CA65AA1}" type="slidenum">
               <a:rPr lang="en-US" smtClean="0"/>
-              <a:t>12</a:t>
+              <a:t>13</a:t>
             </a:fld>
             <a:endParaRPr lang="en-US"/>
           </a:p>
@@ -1022,7 +1023,7 @@
           <a:p>
             <a:fld id="{93FCFBB3-3EC1-43AB-9BEA-0E856CA65AA1}" type="slidenum">
               <a:rPr lang="en-US" smtClean="0"/>
-              <a:t>14</a:t>
+              <a:t>15</a:t>
             </a:fld>
             <a:endParaRPr lang="en-US"/>
           </a:p>
@@ -1110,7 +1111,7 @@
           <a:p>
             <a:fld id="{93FCFBB3-3EC1-43AB-9BEA-0E856CA65AA1}" type="slidenum">
               <a:rPr lang="en-US" smtClean="0"/>
-              <a:t>15</a:t>
+              <a:t>16</a:t>
             </a:fld>
             <a:endParaRPr lang="en-US"/>
           </a:p>
@@ -1194,7 +1195,7 @@
           <a:p>
             <a:fld id="{93FCFBB3-3EC1-43AB-9BEA-0E856CA65AA1}" type="slidenum">
               <a:rPr lang="en-US" smtClean="0"/>
-              <a:t>16</a:t>
+              <a:t>17</a:t>
             </a:fld>
             <a:endParaRPr lang="en-US"/>
           </a:p>
@@ -1281,7 +1282,7 @@
           <a:p>
             <a:fld id="{93FCFBB3-3EC1-43AB-9BEA-0E856CA65AA1}" type="slidenum">
               <a:rPr lang="en-US" smtClean="0"/>
-              <a:t>17</a:t>
+              <a:t>18</a:t>
             </a:fld>
             <a:endParaRPr lang="en-US"/>
           </a:p>
@@ -1365,7 +1366,7 @@
           <a:p>
             <a:fld id="{93FCFBB3-3EC1-43AB-9BEA-0E856CA65AA1}" type="slidenum">
               <a:rPr lang="en-US" smtClean="0"/>
-              <a:t>18</a:t>
+              <a:t>19</a:t>
             </a:fld>
             <a:endParaRPr lang="en-US"/>
           </a:p>
@@ -1449,7 +1450,7 @@
           <a:p>
             <a:fld id="{93FCFBB3-3EC1-43AB-9BEA-0E856CA65AA1}" type="slidenum">
               <a:rPr lang="en-US" smtClean="0"/>
-              <a:t>20</a:t>
+              <a:t>21</a:t>
             </a:fld>
             <a:endParaRPr lang="en-US"/>
           </a:p>
@@ -1637,7 +1638,7 @@
           <a:p>
             <a:fld id="{93FCFBB3-3EC1-43AB-9BEA-0E856CA65AA1}" type="slidenum">
               <a:rPr lang="en-US" smtClean="0"/>
-              <a:t>21</a:t>
+              <a:t>22</a:t>
             </a:fld>
             <a:endParaRPr lang="en-US"/>
           </a:p>
@@ -2033,7 +2034,7 @@
           <a:p>
             <a:fld id="{93FCFBB3-3EC1-43AB-9BEA-0E856CA65AA1}" type="slidenum">
               <a:rPr lang="en-US" smtClean="0"/>
-              <a:t>6</a:t>
+              <a:t>7</a:t>
             </a:fld>
             <a:endParaRPr lang="en-US"/>
           </a:p>
@@ -2117,7 +2118,7 @@
           <a:p>
             <a:fld id="{93FCFBB3-3EC1-43AB-9BEA-0E856CA65AA1}" type="slidenum">
               <a:rPr lang="en-US" smtClean="0"/>
-              <a:t>7</a:t>
+              <a:t>8</a:t>
             </a:fld>
             <a:endParaRPr lang="en-US"/>
           </a:p>
@@ -2201,7 +2202,7 @@
           <a:p>
             <a:fld id="{93FCFBB3-3EC1-43AB-9BEA-0E856CA65AA1}" type="slidenum">
               <a:rPr lang="en-US" smtClean="0"/>
-              <a:t>8</a:t>
+              <a:t>9</a:t>
             </a:fld>
             <a:endParaRPr lang="en-US"/>
           </a:p>
@@ -2285,7 +2286,7 @@
           <a:p>
             <a:fld id="{93FCFBB3-3EC1-43AB-9BEA-0E856CA65AA1}" type="slidenum">
               <a:rPr lang="en-US" smtClean="0"/>
-              <a:t>9</a:t>
+              <a:t>10</a:t>
             </a:fld>
             <a:endParaRPr lang="en-US"/>
           </a:p>
@@ -2305,834 +2306,6 @@
 </file>
 
 <file path=ppt/slideLayouts/slideLayout1.xml><?xml version="1.0" encoding="utf-8"?>
-<p:sldLayout xmlns:a="http://schemas.openxmlformats.org/drawingml/2006/main" xmlns:r="http://schemas.openxmlformats.org/officeDocument/2006/relationships" xmlns:p="http://schemas.openxmlformats.org/presentationml/2006/main" showMasterSp="0" matchingName="Title Slide">
-  <p:cSld name="Title Slide">
-    <p:spTree>
-      <p:nvGrpSpPr>
-        <p:cNvPr id="1" name="Shape 15"/>
-        <p:cNvGrpSpPr/>
-        <p:nvPr/>
-      </p:nvGrpSpPr>
-      <p:grpSpPr>
-        <a:xfrm>
-          <a:off x="0" y="0"/>
-          <a:ext cx="0" cy="0"/>
-          <a:chOff x="0" y="0"/>
-          <a:chExt cx="0" cy="0"/>
-        </a:xfrm>
-      </p:grpSpPr>
-      <p:sp>
-        <p:nvSpPr>
-          <p:cNvPr id="16" name="Google Shape;16;p2"/>
-          <p:cNvSpPr>
-            <a:spLocks noGrp="1"/>
-          </p:cNvSpPr>
-          <p:nvPr>
-            <p:ph type="pic" idx="2"/>
-          </p:nvPr>
-        </p:nvSpPr>
-        <p:spPr>
-          <a:xfrm>
-            <a:off x="-12192" y="0"/>
-            <a:ext cx="12204192" cy="6858000"/>
-          </a:xfrm>
-          <a:prstGeom prst="rect">
-            <a:avLst/>
-          </a:prstGeom>
-          <a:noFill/>
-          <a:ln>
-            <a:noFill/>
-          </a:ln>
-        </p:spPr>
-        <p:txBody>
-          <a:bodyPr spcFirstLastPara="1" wrap="square" lIns="91425" tIns="91425" rIns="91425" bIns="91425" anchor="t" anchorCtr="0"/>
-          <a:lstStyle>
-            <a:lvl1pPr marR="0" lvl="0" algn="l" rtl="0">
-              <a:lnSpc>
-                <a:spcPct val="100000"/>
-              </a:lnSpc>
-              <a:spcBef>
-                <a:spcPts val="640"/>
-              </a:spcBef>
-              <a:spcAft>
-                <a:spcPts val="0"/>
-              </a:spcAft>
-              <a:buClr>
-                <a:srgbClr val="000000"/>
-              </a:buClr>
-              <a:buSzPts val="1400"/>
-              <a:buFont typeface="Arial"/>
-              <a:buNone/>
-              <a:defRPr sz="3200" b="0" i="0" u="none" strike="noStrike" cap="none">
-                <a:solidFill>
-                  <a:schemeClr val="dk1"/>
-                </a:solidFill>
-                <a:latin typeface="Arial"/>
-                <a:ea typeface="Arial"/>
-                <a:cs typeface="Arial"/>
-                <a:sym typeface="Arial"/>
-              </a:defRPr>
-            </a:lvl1pPr>
-            <a:lvl2pPr marR="0" lvl="1" algn="l" rtl="0">
-              <a:lnSpc>
-                <a:spcPct val="100000"/>
-              </a:lnSpc>
-              <a:spcBef>
-                <a:spcPts val="373"/>
-              </a:spcBef>
-              <a:spcAft>
-                <a:spcPts val="0"/>
-              </a:spcAft>
-              <a:buClr>
-                <a:schemeClr val="dk1"/>
-              </a:buClr>
-              <a:buSzPts val="1400"/>
-              <a:buFont typeface="Arial"/>
-              <a:buChar char="•"/>
-              <a:defRPr sz="1867" b="0" i="0" u="none" strike="noStrike" cap="none">
-                <a:solidFill>
-                  <a:schemeClr val="dk1"/>
-                </a:solidFill>
-                <a:latin typeface="Arial"/>
-                <a:ea typeface="Arial"/>
-                <a:cs typeface="Arial"/>
-                <a:sym typeface="Arial"/>
-              </a:defRPr>
-            </a:lvl2pPr>
-            <a:lvl3pPr marR="0" lvl="2" algn="l" rtl="0">
-              <a:lnSpc>
-                <a:spcPct val="100000"/>
-              </a:lnSpc>
-              <a:spcBef>
-                <a:spcPts val="373"/>
-              </a:spcBef>
-              <a:spcAft>
-                <a:spcPts val="0"/>
-              </a:spcAft>
-              <a:buClr>
-                <a:schemeClr val="dk1"/>
-              </a:buClr>
-              <a:buSzPts val="1400"/>
-              <a:buFont typeface="Arial"/>
-              <a:buChar char="•"/>
-              <a:defRPr sz="1867" b="0" i="0" u="none" strike="noStrike" cap="none">
-                <a:solidFill>
-                  <a:schemeClr val="dk1"/>
-                </a:solidFill>
-                <a:latin typeface="Arial"/>
-                <a:ea typeface="Arial"/>
-                <a:cs typeface="Arial"/>
-                <a:sym typeface="Arial"/>
-              </a:defRPr>
-            </a:lvl3pPr>
-            <a:lvl4pPr marR="0" lvl="3" algn="l" rtl="0">
-              <a:lnSpc>
-                <a:spcPct val="100000"/>
-              </a:lnSpc>
-              <a:spcBef>
-                <a:spcPts val="373"/>
-              </a:spcBef>
-              <a:spcAft>
-                <a:spcPts val="0"/>
-              </a:spcAft>
-              <a:buClr>
-                <a:schemeClr val="dk1"/>
-              </a:buClr>
-              <a:buSzPts val="1400"/>
-              <a:buFont typeface="Courier New"/>
-              <a:buChar char="o"/>
-              <a:defRPr sz="1867" b="0" i="0" u="none" strike="noStrike" cap="none">
-                <a:solidFill>
-                  <a:schemeClr val="dk1"/>
-                </a:solidFill>
-                <a:latin typeface="Arial"/>
-                <a:ea typeface="Arial"/>
-                <a:cs typeface="Arial"/>
-                <a:sym typeface="Arial"/>
-              </a:defRPr>
-            </a:lvl4pPr>
-            <a:lvl5pPr marR="0" lvl="4" algn="l" rtl="0">
-              <a:lnSpc>
-                <a:spcPct val="100000"/>
-              </a:lnSpc>
-              <a:spcBef>
-                <a:spcPts val="373"/>
-              </a:spcBef>
-              <a:spcAft>
-                <a:spcPts val="0"/>
-              </a:spcAft>
-              <a:buClr>
-                <a:schemeClr val="dk1"/>
-              </a:buClr>
-              <a:buSzPts val="1400"/>
-              <a:buFont typeface="Noto Sans Symbols"/>
-              <a:buChar char="➢"/>
-              <a:defRPr sz="1867" b="0" i="0" u="none" strike="noStrike" cap="none">
-                <a:solidFill>
-                  <a:schemeClr val="dk1"/>
-                </a:solidFill>
-                <a:latin typeface="Arial"/>
-                <a:ea typeface="Arial"/>
-                <a:cs typeface="Arial"/>
-                <a:sym typeface="Arial"/>
-              </a:defRPr>
-            </a:lvl5pPr>
-            <a:lvl6pPr marR="0" lvl="5" algn="l" rtl="0">
-              <a:lnSpc>
-                <a:spcPct val="100000"/>
-              </a:lnSpc>
-              <a:spcBef>
-                <a:spcPts val="533"/>
-              </a:spcBef>
-              <a:spcAft>
-                <a:spcPts val="0"/>
-              </a:spcAft>
-              <a:buClr>
-                <a:schemeClr val="dk1"/>
-              </a:buClr>
-              <a:buSzPts val="2000"/>
-              <a:buFont typeface="Arial"/>
-              <a:buChar char="•"/>
-              <a:defRPr sz="2667" b="0" i="0" u="none" strike="noStrike" cap="none">
-                <a:solidFill>
-                  <a:schemeClr val="dk1"/>
-                </a:solidFill>
-                <a:latin typeface="Arial"/>
-                <a:ea typeface="Arial"/>
-                <a:cs typeface="Arial"/>
-                <a:sym typeface="Arial"/>
-              </a:defRPr>
-            </a:lvl6pPr>
-            <a:lvl7pPr marR="0" lvl="6" algn="l" rtl="0">
-              <a:lnSpc>
-                <a:spcPct val="100000"/>
-              </a:lnSpc>
-              <a:spcBef>
-                <a:spcPts val="533"/>
-              </a:spcBef>
-              <a:spcAft>
-                <a:spcPts val="0"/>
-              </a:spcAft>
-              <a:buClr>
-                <a:schemeClr val="dk1"/>
-              </a:buClr>
-              <a:buSzPts val="2000"/>
-              <a:buFont typeface="Arial"/>
-              <a:buChar char="•"/>
-              <a:defRPr sz="2667" b="0" i="0" u="none" strike="noStrike" cap="none">
-                <a:solidFill>
-                  <a:schemeClr val="dk1"/>
-                </a:solidFill>
-                <a:latin typeface="Arial"/>
-                <a:ea typeface="Arial"/>
-                <a:cs typeface="Arial"/>
-                <a:sym typeface="Arial"/>
-              </a:defRPr>
-            </a:lvl7pPr>
-            <a:lvl8pPr marR="0" lvl="7" algn="l" rtl="0">
-              <a:lnSpc>
-                <a:spcPct val="100000"/>
-              </a:lnSpc>
-              <a:spcBef>
-                <a:spcPts val="533"/>
-              </a:spcBef>
-              <a:spcAft>
-                <a:spcPts val="0"/>
-              </a:spcAft>
-              <a:buClr>
-                <a:schemeClr val="dk1"/>
-              </a:buClr>
-              <a:buSzPts val="2000"/>
-              <a:buFont typeface="Arial"/>
-              <a:buChar char="•"/>
-              <a:defRPr sz="2667" b="0" i="0" u="none" strike="noStrike" cap="none">
-                <a:solidFill>
-                  <a:schemeClr val="dk1"/>
-                </a:solidFill>
-                <a:latin typeface="Arial"/>
-                <a:ea typeface="Arial"/>
-                <a:cs typeface="Arial"/>
-                <a:sym typeface="Arial"/>
-              </a:defRPr>
-            </a:lvl8pPr>
-            <a:lvl9pPr marR="0" lvl="8" algn="l" rtl="0">
-              <a:lnSpc>
-                <a:spcPct val="100000"/>
-              </a:lnSpc>
-              <a:spcBef>
-                <a:spcPts val="533"/>
-              </a:spcBef>
-              <a:spcAft>
-                <a:spcPts val="0"/>
-              </a:spcAft>
-              <a:buClr>
-                <a:schemeClr val="dk1"/>
-              </a:buClr>
-              <a:buSzPts val="2000"/>
-              <a:buFont typeface="Arial"/>
-              <a:buChar char="•"/>
-              <a:defRPr sz="2667" b="0" i="0" u="none" strike="noStrike" cap="none">
-                <a:solidFill>
-                  <a:schemeClr val="dk1"/>
-                </a:solidFill>
-                <a:latin typeface="Arial"/>
-                <a:ea typeface="Arial"/>
-                <a:cs typeface="Arial"/>
-                <a:sym typeface="Arial"/>
-              </a:defRPr>
-            </a:lvl9pPr>
-          </a:lstStyle>
-          <a:p>
-            <a:endParaRPr/>
-          </a:p>
-        </p:txBody>
-      </p:sp>
-      <p:sp>
-        <p:nvSpPr>
-          <p:cNvPr id="17" name="Google Shape;17;p2"/>
-          <p:cNvSpPr txBox="1">
-            <a:spLocks noGrp="1"/>
-          </p:cNvSpPr>
-          <p:nvPr>
-            <p:ph type="body" idx="1"/>
-          </p:nvPr>
-        </p:nvSpPr>
-        <p:spPr>
-          <a:xfrm>
-            <a:off x="303670" y="2043258"/>
-            <a:ext cx="4849681" cy="2415052"/>
-          </a:xfrm>
-          <a:prstGeom prst="rect">
-            <a:avLst/>
-          </a:prstGeom>
-          <a:noFill/>
-          <a:ln>
-            <a:noFill/>
-          </a:ln>
-        </p:spPr>
-        <p:txBody>
-          <a:bodyPr spcFirstLastPara="1" wrap="square" lIns="91425" tIns="91425" rIns="91425" bIns="91425" anchor="ctr" anchorCtr="0"/>
-          <a:lstStyle>
-            <a:lvl1pPr marL="609585" marR="0" lvl="0" indent="-304792" algn="l" rtl="0">
-              <a:lnSpc>
-                <a:spcPct val="100000"/>
-              </a:lnSpc>
-              <a:spcBef>
-                <a:spcPts val="0"/>
-              </a:spcBef>
-              <a:spcAft>
-                <a:spcPts val="0"/>
-              </a:spcAft>
-              <a:buClr>
-                <a:srgbClr val="000000"/>
-              </a:buClr>
-              <a:buSzPts val="1400"/>
-              <a:buFont typeface="Arial"/>
-              <a:buNone/>
-              <a:defRPr sz="4000" b="1" i="0" u="none" strike="noStrike" cap="none">
-                <a:solidFill>
-                  <a:schemeClr val="lt1"/>
-                </a:solidFill>
-                <a:latin typeface="Arial"/>
-                <a:ea typeface="Arial"/>
-                <a:cs typeface="Arial"/>
-                <a:sym typeface="Arial"/>
-              </a:defRPr>
-            </a:lvl1pPr>
-            <a:lvl2pPr marL="1219170" marR="0" lvl="1" indent="-423323" algn="l" rtl="0">
-              <a:lnSpc>
-                <a:spcPct val="100000"/>
-              </a:lnSpc>
-              <a:spcBef>
-                <a:spcPts val="373"/>
-              </a:spcBef>
-              <a:spcAft>
-                <a:spcPts val="0"/>
-              </a:spcAft>
-              <a:buClr>
-                <a:schemeClr val="lt1"/>
-              </a:buClr>
-              <a:buSzPts val="1400"/>
-              <a:buFont typeface="Arial"/>
-              <a:buChar char="•"/>
-              <a:defRPr sz="1867" b="0" i="0" u="none" strike="noStrike" cap="none">
-                <a:solidFill>
-                  <a:schemeClr val="lt1"/>
-                </a:solidFill>
-                <a:latin typeface="Arial"/>
-                <a:ea typeface="Arial"/>
-                <a:cs typeface="Arial"/>
-                <a:sym typeface="Arial"/>
-              </a:defRPr>
-            </a:lvl2pPr>
-            <a:lvl3pPr marL="1828754" marR="0" lvl="2" indent="-423323" algn="l" rtl="0">
-              <a:lnSpc>
-                <a:spcPct val="100000"/>
-              </a:lnSpc>
-              <a:spcBef>
-                <a:spcPts val="373"/>
-              </a:spcBef>
-              <a:spcAft>
-                <a:spcPts val="0"/>
-              </a:spcAft>
-              <a:buClr>
-                <a:schemeClr val="lt1"/>
-              </a:buClr>
-              <a:buSzPts val="1400"/>
-              <a:buFont typeface="Arial"/>
-              <a:buChar char="•"/>
-              <a:defRPr sz="1867" b="0" i="0" u="none" strike="noStrike" cap="none">
-                <a:solidFill>
-                  <a:schemeClr val="lt1"/>
-                </a:solidFill>
-                <a:latin typeface="Arial"/>
-                <a:ea typeface="Arial"/>
-                <a:cs typeface="Arial"/>
-                <a:sym typeface="Arial"/>
-              </a:defRPr>
-            </a:lvl3pPr>
-            <a:lvl4pPr marL="2438339" marR="0" lvl="3" indent="-423323" algn="l" rtl="0">
-              <a:lnSpc>
-                <a:spcPct val="100000"/>
-              </a:lnSpc>
-              <a:spcBef>
-                <a:spcPts val="373"/>
-              </a:spcBef>
-              <a:spcAft>
-                <a:spcPts val="0"/>
-              </a:spcAft>
-              <a:buClr>
-                <a:schemeClr val="lt1"/>
-              </a:buClr>
-              <a:buSzPts val="1400"/>
-              <a:buFont typeface="Courier New"/>
-              <a:buChar char="o"/>
-              <a:defRPr sz="1867" b="0" i="0" u="none" strike="noStrike" cap="none">
-                <a:solidFill>
-                  <a:schemeClr val="lt1"/>
-                </a:solidFill>
-                <a:latin typeface="Arial"/>
-                <a:ea typeface="Arial"/>
-                <a:cs typeface="Arial"/>
-                <a:sym typeface="Arial"/>
-              </a:defRPr>
-            </a:lvl4pPr>
-            <a:lvl5pPr marL="3047924" marR="0" lvl="4" indent="-423323" algn="l" rtl="0">
-              <a:lnSpc>
-                <a:spcPct val="100000"/>
-              </a:lnSpc>
-              <a:spcBef>
-                <a:spcPts val="373"/>
-              </a:spcBef>
-              <a:spcAft>
-                <a:spcPts val="0"/>
-              </a:spcAft>
-              <a:buClr>
-                <a:schemeClr val="lt1"/>
-              </a:buClr>
-              <a:buSzPts val="1400"/>
-              <a:buFont typeface="Noto Sans Symbols"/>
-              <a:buChar char="➢"/>
-              <a:defRPr sz="1867" b="0" i="0" u="none" strike="noStrike" cap="none">
-                <a:solidFill>
-                  <a:schemeClr val="lt1"/>
-                </a:solidFill>
-                <a:latin typeface="Arial"/>
-                <a:ea typeface="Arial"/>
-                <a:cs typeface="Arial"/>
-                <a:sym typeface="Arial"/>
-              </a:defRPr>
-            </a:lvl5pPr>
-            <a:lvl6pPr marL="3657509" marR="0" lvl="5" indent="-474121" algn="l" rtl="0">
-              <a:lnSpc>
-                <a:spcPct val="100000"/>
-              </a:lnSpc>
-              <a:spcBef>
-                <a:spcPts val="533"/>
-              </a:spcBef>
-              <a:spcAft>
-                <a:spcPts val="0"/>
-              </a:spcAft>
-              <a:buClr>
-                <a:schemeClr val="dk1"/>
-              </a:buClr>
-              <a:buSzPts val="2000"/>
-              <a:buFont typeface="Arial"/>
-              <a:buChar char="•"/>
-              <a:defRPr sz="2667" b="0" i="0" u="none" strike="noStrike" cap="none">
-                <a:solidFill>
-                  <a:schemeClr val="dk1"/>
-                </a:solidFill>
-                <a:latin typeface="Arial"/>
-                <a:ea typeface="Arial"/>
-                <a:cs typeface="Arial"/>
-                <a:sym typeface="Arial"/>
-              </a:defRPr>
-            </a:lvl6pPr>
-            <a:lvl7pPr marL="4267093" marR="0" lvl="6" indent="-474121" algn="l" rtl="0">
-              <a:lnSpc>
-                <a:spcPct val="100000"/>
-              </a:lnSpc>
-              <a:spcBef>
-                <a:spcPts val="533"/>
-              </a:spcBef>
-              <a:spcAft>
-                <a:spcPts val="0"/>
-              </a:spcAft>
-              <a:buClr>
-                <a:schemeClr val="dk1"/>
-              </a:buClr>
-              <a:buSzPts val="2000"/>
-              <a:buFont typeface="Arial"/>
-              <a:buChar char="•"/>
-              <a:defRPr sz="2667" b="0" i="0" u="none" strike="noStrike" cap="none">
-                <a:solidFill>
-                  <a:schemeClr val="dk1"/>
-                </a:solidFill>
-                <a:latin typeface="Arial"/>
-                <a:ea typeface="Arial"/>
-                <a:cs typeface="Arial"/>
-                <a:sym typeface="Arial"/>
-              </a:defRPr>
-            </a:lvl7pPr>
-            <a:lvl8pPr marL="4876678" marR="0" lvl="7" indent="-474121" algn="l" rtl="0">
-              <a:lnSpc>
-                <a:spcPct val="100000"/>
-              </a:lnSpc>
-              <a:spcBef>
-                <a:spcPts val="533"/>
-              </a:spcBef>
-              <a:spcAft>
-                <a:spcPts val="0"/>
-              </a:spcAft>
-              <a:buClr>
-                <a:schemeClr val="dk1"/>
-              </a:buClr>
-              <a:buSzPts val="2000"/>
-              <a:buFont typeface="Arial"/>
-              <a:buChar char="•"/>
-              <a:defRPr sz="2667" b="0" i="0" u="none" strike="noStrike" cap="none">
-                <a:solidFill>
-                  <a:schemeClr val="dk1"/>
-                </a:solidFill>
-                <a:latin typeface="Arial"/>
-                <a:ea typeface="Arial"/>
-                <a:cs typeface="Arial"/>
-                <a:sym typeface="Arial"/>
-              </a:defRPr>
-            </a:lvl8pPr>
-            <a:lvl9pPr marL="5486263" marR="0" lvl="8" indent="-474121" algn="l" rtl="0">
-              <a:lnSpc>
-                <a:spcPct val="100000"/>
-              </a:lnSpc>
-              <a:spcBef>
-                <a:spcPts val="533"/>
-              </a:spcBef>
-              <a:spcAft>
-                <a:spcPts val="0"/>
-              </a:spcAft>
-              <a:buClr>
-                <a:schemeClr val="dk1"/>
-              </a:buClr>
-              <a:buSzPts val="2000"/>
-              <a:buFont typeface="Arial"/>
-              <a:buChar char="•"/>
-              <a:defRPr sz="2667" b="0" i="0" u="none" strike="noStrike" cap="none">
-                <a:solidFill>
-                  <a:schemeClr val="dk1"/>
-                </a:solidFill>
-                <a:latin typeface="Arial"/>
-                <a:ea typeface="Arial"/>
-                <a:cs typeface="Arial"/>
-                <a:sym typeface="Arial"/>
-              </a:defRPr>
-            </a:lvl9pPr>
-          </a:lstStyle>
-          <a:p>
-            <a:endParaRPr/>
-          </a:p>
-        </p:txBody>
-      </p:sp>
-      <p:sp>
-        <p:nvSpPr>
-          <p:cNvPr id="18" name="Google Shape;18;p2"/>
-          <p:cNvSpPr txBox="1">
-            <a:spLocks noGrp="1"/>
-          </p:cNvSpPr>
-          <p:nvPr>
-            <p:ph type="body" idx="3"/>
-          </p:nvPr>
-        </p:nvSpPr>
-        <p:spPr>
-          <a:xfrm>
-            <a:off x="302684" y="4958531"/>
-            <a:ext cx="2377545" cy="482600"/>
-          </a:xfrm>
-          <a:prstGeom prst="rect">
-            <a:avLst/>
-          </a:prstGeom>
-          <a:noFill/>
-          <a:ln>
-            <a:noFill/>
-          </a:ln>
-        </p:spPr>
-        <p:txBody>
-          <a:bodyPr spcFirstLastPara="1" wrap="square" lIns="91425" tIns="91425" rIns="91425" bIns="91425" anchor="t" anchorCtr="0"/>
-          <a:lstStyle>
-            <a:lvl1pPr marL="609585" marR="0" lvl="0" indent="-304792" algn="l" rtl="0">
-              <a:lnSpc>
-                <a:spcPct val="100000"/>
-              </a:lnSpc>
-              <a:spcBef>
-                <a:spcPts val="0"/>
-              </a:spcBef>
-              <a:spcAft>
-                <a:spcPts val="0"/>
-              </a:spcAft>
-              <a:buClr>
-                <a:srgbClr val="000000"/>
-              </a:buClr>
-              <a:buSzPts val="1400"/>
-              <a:buFont typeface="Arial"/>
-              <a:buNone/>
-              <a:defRPr sz="1333" b="0" i="0" u="none" strike="noStrike" cap="none">
-                <a:solidFill>
-                  <a:srgbClr val="FFFFFF"/>
-                </a:solidFill>
-                <a:latin typeface="Arial"/>
-                <a:ea typeface="Arial"/>
-                <a:cs typeface="Arial"/>
-                <a:sym typeface="Arial"/>
-              </a:defRPr>
-            </a:lvl1pPr>
-            <a:lvl2pPr marL="1219170" marR="0" lvl="1" indent="-304792" algn="l" rtl="0">
-              <a:lnSpc>
-                <a:spcPct val="100000"/>
-              </a:lnSpc>
-              <a:spcBef>
-                <a:spcPts val="373"/>
-              </a:spcBef>
-              <a:spcAft>
-                <a:spcPts val="0"/>
-              </a:spcAft>
-              <a:buClr>
-                <a:schemeClr val="dk1"/>
-              </a:buClr>
-              <a:buSzPts val="1400"/>
-              <a:buFont typeface="Arial"/>
-              <a:buNone/>
-              <a:defRPr sz="1867" b="0" i="0" u="none" strike="noStrike" cap="none">
-                <a:solidFill>
-                  <a:schemeClr val="dk1"/>
-                </a:solidFill>
-                <a:latin typeface="Arial"/>
-                <a:ea typeface="Arial"/>
-                <a:cs typeface="Arial"/>
-                <a:sym typeface="Arial"/>
-              </a:defRPr>
-            </a:lvl2pPr>
-            <a:lvl3pPr marL="1828754" marR="0" lvl="2" indent="-304792" algn="l" rtl="0">
-              <a:lnSpc>
-                <a:spcPct val="100000"/>
-              </a:lnSpc>
-              <a:spcBef>
-                <a:spcPts val="373"/>
-              </a:spcBef>
-              <a:spcAft>
-                <a:spcPts val="0"/>
-              </a:spcAft>
-              <a:buClr>
-                <a:schemeClr val="dk1"/>
-              </a:buClr>
-              <a:buSzPts val="1400"/>
-              <a:buFont typeface="Arial"/>
-              <a:buNone/>
-              <a:defRPr sz="1867" b="0" i="0" u="none" strike="noStrike" cap="none">
-                <a:solidFill>
-                  <a:schemeClr val="dk1"/>
-                </a:solidFill>
-                <a:latin typeface="Arial"/>
-                <a:ea typeface="Arial"/>
-                <a:cs typeface="Arial"/>
-                <a:sym typeface="Arial"/>
-              </a:defRPr>
-            </a:lvl3pPr>
-            <a:lvl4pPr marL="2438339" marR="0" lvl="3" indent="-423323" algn="l" rtl="0">
-              <a:lnSpc>
-                <a:spcPct val="100000"/>
-              </a:lnSpc>
-              <a:spcBef>
-                <a:spcPts val="373"/>
-              </a:spcBef>
-              <a:spcAft>
-                <a:spcPts val="0"/>
-              </a:spcAft>
-              <a:buClr>
-                <a:schemeClr val="dk1"/>
-              </a:buClr>
-              <a:buSzPts val="1400"/>
-              <a:buFont typeface="Courier New"/>
-              <a:buChar char="o"/>
-              <a:defRPr sz="1867" b="0" i="0" u="none" strike="noStrike" cap="none">
-                <a:solidFill>
-                  <a:schemeClr val="dk1"/>
-                </a:solidFill>
-                <a:latin typeface="Arial"/>
-                <a:ea typeface="Arial"/>
-                <a:cs typeface="Arial"/>
-                <a:sym typeface="Arial"/>
-              </a:defRPr>
-            </a:lvl4pPr>
-            <a:lvl5pPr marL="3047924" marR="0" lvl="4" indent="-423323" algn="l" rtl="0">
-              <a:lnSpc>
-                <a:spcPct val="100000"/>
-              </a:lnSpc>
-              <a:spcBef>
-                <a:spcPts val="373"/>
-              </a:spcBef>
-              <a:spcAft>
-                <a:spcPts val="0"/>
-              </a:spcAft>
-              <a:buClr>
-                <a:schemeClr val="dk1"/>
-              </a:buClr>
-              <a:buSzPts val="1400"/>
-              <a:buFont typeface="Noto Sans Symbols"/>
-              <a:buChar char="➢"/>
-              <a:defRPr sz="1867" b="0" i="0" u="none" strike="noStrike" cap="none">
-                <a:solidFill>
-                  <a:schemeClr val="dk1"/>
-                </a:solidFill>
-                <a:latin typeface="Arial"/>
-                <a:ea typeface="Arial"/>
-                <a:cs typeface="Arial"/>
-                <a:sym typeface="Arial"/>
-              </a:defRPr>
-            </a:lvl5pPr>
-            <a:lvl6pPr marL="3657509" marR="0" lvl="5" indent="-474121" algn="l" rtl="0">
-              <a:lnSpc>
-                <a:spcPct val="100000"/>
-              </a:lnSpc>
-              <a:spcBef>
-                <a:spcPts val="533"/>
-              </a:spcBef>
-              <a:spcAft>
-                <a:spcPts val="0"/>
-              </a:spcAft>
-              <a:buClr>
-                <a:schemeClr val="dk1"/>
-              </a:buClr>
-              <a:buSzPts val="2000"/>
-              <a:buFont typeface="Arial"/>
-              <a:buChar char="•"/>
-              <a:defRPr sz="2667" b="0" i="0" u="none" strike="noStrike" cap="none">
-                <a:solidFill>
-                  <a:schemeClr val="dk1"/>
-                </a:solidFill>
-                <a:latin typeface="Arial"/>
-                <a:ea typeface="Arial"/>
-                <a:cs typeface="Arial"/>
-                <a:sym typeface="Arial"/>
-              </a:defRPr>
-            </a:lvl6pPr>
-            <a:lvl7pPr marL="4267093" marR="0" lvl="6" indent="-474121" algn="l" rtl="0">
-              <a:lnSpc>
-                <a:spcPct val="100000"/>
-              </a:lnSpc>
-              <a:spcBef>
-                <a:spcPts val="533"/>
-              </a:spcBef>
-              <a:spcAft>
-                <a:spcPts val="0"/>
-              </a:spcAft>
-              <a:buClr>
-                <a:schemeClr val="dk1"/>
-              </a:buClr>
-              <a:buSzPts val="2000"/>
-              <a:buFont typeface="Arial"/>
-              <a:buChar char="•"/>
-              <a:defRPr sz="2667" b="0" i="0" u="none" strike="noStrike" cap="none">
-                <a:solidFill>
-                  <a:schemeClr val="dk1"/>
-                </a:solidFill>
-                <a:latin typeface="Arial"/>
-                <a:ea typeface="Arial"/>
-                <a:cs typeface="Arial"/>
-                <a:sym typeface="Arial"/>
-              </a:defRPr>
-            </a:lvl7pPr>
-            <a:lvl8pPr marL="4876678" marR="0" lvl="7" indent="-474121" algn="l" rtl="0">
-              <a:lnSpc>
-                <a:spcPct val="100000"/>
-              </a:lnSpc>
-              <a:spcBef>
-                <a:spcPts val="533"/>
-              </a:spcBef>
-              <a:spcAft>
-                <a:spcPts val="0"/>
-              </a:spcAft>
-              <a:buClr>
-                <a:schemeClr val="dk1"/>
-              </a:buClr>
-              <a:buSzPts val="2000"/>
-              <a:buFont typeface="Arial"/>
-              <a:buChar char="•"/>
-              <a:defRPr sz="2667" b="0" i="0" u="none" strike="noStrike" cap="none">
-                <a:solidFill>
-                  <a:schemeClr val="dk1"/>
-                </a:solidFill>
-                <a:latin typeface="Arial"/>
-                <a:ea typeface="Arial"/>
-                <a:cs typeface="Arial"/>
-                <a:sym typeface="Arial"/>
-              </a:defRPr>
-            </a:lvl8pPr>
-            <a:lvl9pPr marL="5486263" marR="0" lvl="8" indent="-474121" algn="l" rtl="0">
-              <a:lnSpc>
-                <a:spcPct val="100000"/>
-              </a:lnSpc>
-              <a:spcBef>
-                <a:spcPts val="533"/>
-              </a:spcBef>
-              <a:spcAft>
-                <a:spcPts val="0"/>
-              </a:spcAft>
-              <a:buClr>
-                <a:schemeClr val="dk1"/>
-              </a:buClr>
-              <a:buSzPts val="2000"/>
-              <a:buFont typeface="Arial"/>
-              <a:buChar char="•"/>
-              <a:defRPr sz="2667" b="0" i="0" u="none" strike="noStrike" cap="none">
-                <a:solidFill>
-                  <a:schemeClr val="dk1"/>
-                </a:solidFill>
-                <a:latin typeface="Arial"/>
-                <a:ea typeface="Arial"/>
-                <a:cs typeface="Arial"/>
-                <a:sym typeface="Arial"/>
-              </a:defRPr>
-            </a:lvl9pPr>
-          </a:lstStyle>
-          <a:p>
-            <a:endParaRPr/>
-          </a:p>
-        </p:txBody>
-      </p:sp>
-    </p:spTree>
-    <p:extLst>
-      <p:ext uri="{BB962C8B-B14F-4D97-AF65-F5344CB8AC3E}">
-        <p14:creationId xmlns:p14="http://schemas.microsoft.com/office/powerpoint/2010/main" val="2205839124"/>
-      </p:ext>
-    </p:extLst>
-  </p:cSld>
-  <p:clrMapOvr>
-    <a:masterClrMapping/>
-  </p:clrMapOvr>
-</p:sldLayout>
-</file>
-
-<file path=ppt/slideLayouts/slideLayout2.xml><?xml version="1.0" encoding="utf-8"?>
 <p:sldLayout xmlns:a="http://schemas.openxmlformats.org/drawingml/2006/main" xmlns:r="http://schemas.openxmlformats.org/officeDocument/2006/relationships" xmlns:p="http://schemas.openxmlformats.org/presentationml/2006/main" matchingName="Content and Image">
   <p:cSld name="Content and Image">
     <p:spTree>
@@ -4499,7 +3672,7 @@
 </p:sldLayout>
 </file>
 
-<file path=ppt/slideLayouts/slideLayout3.xml><?xml version="1.0" encoding="utf-8"?>
+<file path=ppt/slideLayouts/slideLayout2.xml><?xml version="1.0" encoding="utf-8"?>
 <p:sldLayout xmlns:a="http://schemas.openxmlformats.org/drawingml/2006/main" xmlns:r="http://schemas.openxmlformats.org/officeDocument/2006/relationships" xmlns:p="http://schemas.openxmlformats.org/presentationml/2006/main" matchingName="Content">
   <p:cSld name="Content">
     <p:spTree>
@@ -5600,7 +4773,7 @@
 </p:sldLayout>
 </file>
 
-<file path=ppt/slideLayouts/slideLayout4.xml><?xml version="1.0" encoding="utf-8"?>
+<file path=ppt/slideLayouts/slideLayout3.xml><?xml version="1.0" encoding="utf-8"?>
 <p:sldLayout xmlns:a="http://schemas.openxmlformats.org/drawingml/2006/main" xmlns:r="http://schemas.openxmlformats.org/officeDocument/2006/relationships" xmlns:p="http://schemas.openxmlformats.org/presentationml/2006/main" matchingName="Title and Content" type="obj">
   <p:cSld name="Title and Content">
     <p:spTree>
@@ -6967,7 +6140,7 @@
 </p:sldLayout>
 </file>
 
-<file path=ppt/slideLayouts/slideLayout5.xml><?xml version="1.0" encoding="utf-8"?>
+<file path=ppt/slideLayouts/slideLayout4.xml><?xml version="1.0" encoding="utf-8"?>
 <p:sldLayout xmlns:a="http://schemas.openxmlformats.org/drawingml/2006/main" xmlns:r="http://schemas.openxmlformats.org/officeDocument/2006/relationships" xmlns:p="http://schemas.openxmlformats.org/presentationml/2006/main" showMasterSp="0" matchingName="Section Title Content">
   <p:cSld name="Section Title Content">
     <p:spTree>
@@ -7666,7 +6839,7 @@
 </p:sldLayout>
 </file>
 
-<file path=ppt/slideLayouts/slideLayout6.xml><?xml version="1.0" encoding="utf-8"?>
+<file path=ppt/slideLayouts/slideLayout5.xml><?xml version="1.0" encoding="utf-8"?>
 <p:sldLayout xmlns:a="http://schemas.openxmlformats.org/drawingml/2006/main" xmlns:r="http://schemas.openxmlformats.org/officeDocument/2006/relationships" xmlns:p="http://schemas.openxmlformats.org/presentationml/2006/main" matchingName="Content">
   <p:cSld name="1_Content">
     <p:spTree>
@@ -8267,7 +7440,7 @@
 </p:sldLayout>
 </file>
 
-<file path=ppt/slideLayouts/slideLayout7.xml><?xml version="1.0" encoding="utf-8"?>
+<file path=ppt/slideLayouts/slideLayout6.xml><?xml version="1.0" encoding="utf-8"?>
 <p:sldLayout xmlns:a="http://schemas.openxmlformats.org/drawingml/2006/main" xmlns:r="http://schemas.openxmlformats.org/officeDocument/2006/relationships" xmlns:p="http://schemas.openxmlformats.org/presentationml/2006/main" matchingName="Title and two columns" type="twoColTx">
   <p:cSld name="Title and two columns">
     <p:spTree>
@@ -8881,7 +8054,7 @@
           <p:nvPr/>
         </p:nvPicPr>
         <p:blipFill rotWithShape="1">
-          <a:blip r:embed="rId9">
+          <a:blip r:embed="rId8">
             <a:alphaModFix/>
           </a:blip>
           <a:srcRect/>
@@ -8964,7 +8137,7 @@
           <p:nvPr/>
         </p:nvPicPr>
         <p:blipFill rotWithShape="1">
-          <a:blip r:embed="rId10">
+          <a:blip r:embed="rId9">
             <a:alphaModFix/>
           </a:blip>
           <a:srcRect/>
@@ -9532,13 +8705,12 @@
   </p:cSld>
   <p:clrMap bg1="lt1" tx1="dk1" bg2="dk2" tx2="lt2" accent1="accent1" accent2="accent2" accent3="accent3" accent4="accent4" accent5="accent5" accent6="accent6" hlink="hlink" folHlink="folHlink"/>
   <p:sldLayoutIdLst>
-    <p:sldLayoutId id="2147483662" r:id="rId1"/>
-    <p:sldLayoutId id="2147483663" r:id="rId2"/>
-    <p:sldLayoutId id="2147483664" r:id="rId3"/>
-    <p:sldLayoutId id="2147483665" r:id="rId4"/>
-    <p:sldLayoutId id="2147483666" r:id="rId5"/>
-    <p:sldLayoutId id="2147483667" r:id="rId6"/>
-    <p:sldLayoutId id="2147483668" r:id="rId7"/>
+    <p:sldLayoutId id="2147483663" r:id="rId1"/>
+    <p:sldLayoutId id="2147483664" r:id="rId2"/>
+    <p:sldLayoutId id="2147483665" r:id="rId3"/>
+    <p:sldLayoutId id="2147483666" r:id="rId4"/>
+    <p:sldLayoutId id="2147483667" r:id="rId5"/>
+    <p:sldLayoutId id="2147483668" r:id="rId6"/>
   </p:sldLayoutIdLst>
   <p:hf hdr="0" ftr="0" dt="0"/>
   <p:txStyles>
@@ -10238,7 +9410,7 @@
   <p:cSld>
     <p:spTree>
       <p:nvGrpSpPr>
-        <p:cNvPr id="1" name="Shape 71"/>
+        <p:cNvPr id="1" name=""/>
         <p:cNvGrpSpPr/>
         <p:nvPr/>
       </p:nvGrpSpPr>
@@ -10252,442 +9424,190 @@
       </p:grpSpPr>
       <p:sp>
         <p:nvSpPr>
-          <p:cNvPr id="72" name="Google Shape;72;p9"/>
-          <p:cNvSpPr txBox="1">
-            <a:spLocks noGrp="1"/>
-          </p:cNvSpPr>
-          <p:nvPr>
-            <p:ph type="body" idx="1"/>
-          </p:nvPr>
-        </p:nvSpPr>
-        <p:spPr>
-          <a:xfrm>
-            <a:off x="331193" y="932318"/>
-            <a:ext cx="11776952" cy="5400333"/>
-          </a:xfrm>
-          <a:prstGeom prst="rect">
-            <a:avLst/>
-          </a:prstGeom>
-          <a:noFill/>
-          <a:ln>
-            <a:noFill/>
-          </a:ln>
-        </p:spPr>
-        <p:txBody>
-          <a:bodyPr spcFirstLastPara="1" wrap="square" lIns="0" tIns="0" rIns="0" bIns="0" anchor="t" anchorCtr="0">
-            <a:noAutofit/>
-          </a:bodyPr>
-          <a:lstStyle/>
-          <a:p>
-            <a:pPr marL="0" indent="0">
-              <a:buClr>
-                <a:schemeClr val="dk1"/>
-              </a:buClr>
-              <a:buSzPts val="1800"/>
-              <a:buFont typeface="Arial"/>
-              <a:buChar char="•"/>
-            </a:pPr>
-            <a:r>
-              <a:rPr lang="en-US" sz="2800" dirty="0"/>
-              <a:t>Motivation</a:t>
-            </a:r>
-            <a:endParaRPr sz="2800" dirty="0"/>
-          </a:p>
-          <a:p>
-            <a:pPr marL="838179" lvl="1" indent="-228594">
-              <a:buChar char="•"/>
-            </a:pPr>
-            <a:r>
-              <a:rPr lang="en-US" sz="2000" dirty="0"/>
-              <a:t>Achieving </a:t>
-            </a:r>
-            <a:r>
-              <a:rPr lang="en-US" sz="2000" b="1" dirty="0"/>
-              <a:t>U</a:t>
-            </a:r>
-            <a:r>
-              <a:rPr lang="en-US" sz="2000" dirty="0"/>
-              <a:t>ltra </a:t>
-            </a:r>
-            <a:r>
-              <a:rPr lang="en-US" sz="2000" b="1" dirty="0"/>
-              <a:t>R</a:t>
-            </a:r>
-            <a:r>
-              <a:rPr lang="en-US" sz="2000" dirty="0"/>
-              <a:t>eliable </a:t>
-            </a:r>
-            <a:r>
-              <a:rPr lang="en-US" sz="2000" b="1" dirty="0"/>
-              <a:t>L</a:t>
-            </a:r>
-            <a:r>
-              <a:rPr lang="en-US" sz="2000" dirty="0"/>
-              <a:t>ow </a:t>
-            </a:r>
-            <a:r>
-              <a:rPr lang="en-US" sz="2000" b="1" dirty="0"/>
-              <a:t>L</a:t>
-            </a:r>
-            <a:r>
-              <a:rPr lang="en-US" sz="2000" dirty="0"/>
-              <a:t>atency </a:t>
-            </a:r>
-            <a:r>
-              <a:rPr lang="en-US" sz="2000" b="1" dirty="0"/>
-              <a:t>C</a:t>
-            </a:r>
-            <a:r>
-              <a:rPr lang="en-US" sz="2000" dirty="0"/>
-              <a:t>ommunications (URLLC)</a:t>
-            </a:r>
-            <a:endParaRPr sz="2000" dirty="0"/>
-          </a:p>
-          <a:p>
-            <a:pPr indent="-609585">
-              <a:buClr>
-                <a:schemeClr val="dk1"/>
-              </a:buClr>
-              <a:buSzPts val="1800"/>
-              <a:buChar char="•"/>
-            </a:pPr>
-            <a:r>
-              <a:rPr lang="en-US" sz="2400" dirty="0"/>
-              <a:t>Key enablers of 5G networking</a:t>
-            </a:r>
-            <a:endParaRPr sz="2400" dirty="0"/>
-          </a:p>
-          <a:p>
-            <a:pPr marL="838179" lvl="1" indent="-228594">
-              <a:buChar char="•"/>
-            </a:pPr>
-            <a:r>
-              <a:rPr lang="en-US" sz="2000" b="1" dirty="0"/>
-              <a:t>M</a:t>
-            </a:r>
-            <a:r>
-              <a:rPr lang="en-US" sz="2000" dirty="0"/>
-              <a:t>obile </a:t>
-            </a:r>
-            <a:r>
-              <a:rPr lang="en-US" sz="2000" b="1" dirty="0"/>
-              <a:t>E</a:t>
-            </a:r>
-            <a:r>
-              <a:rPr lang="en-US" sz="2000" dirty="0"/>
-              <a:t>dge </a:t>
-            </a:r>
-            <a:r>
-              <a:rPr lang="en-US" sz="2000" b="1" dirty="0"/>
-              <a:t>C</a:t>
-            </a:r>
-            <a:r>
-              <a:rPr lang="en-US" sz="2000" dirty="0"/>
-              <a:t>omputing (MEC)</a:t>
-            </a:r>
-            <a:endParaRPr sz="2000" dirty="0"/>
-          </a:p>
-          <a:p>
-            <a:pPr marL="838179" lvl="1" indent="-228594">
-              <a:buChar char="•"/>
-            </a:pPr>
-            <a:r>
-              <a:rPr lang="en-US" sz="2000" b="1" dirty="0"/>
-              <a:t>N</a:t>
-            </a:r>
-            <a:r>
-              <a:rPr lang="en-US" sz="2000" dirty="0"/>
-              <a:t>etwork </a:t>
-            </a:r>
-            <a:r>
-              <a:rPr lang="en-US" sz="2000" b="1" dirty="0"/>
-              <a:t>F</a:t>
-            </a:r>
-            <a:r>
-              <a:rPr lang="en-US" sz="2000" dirty="0"/>
-              <a:t>unction </a:t>
-            </a:r>
-            <a:r>
-              <a:rPr lang="en-US" sz="2000" b="1" dirty="0"/>
-              <a:t>V</a:t>
-            </a:r>
-            <a:r>
-              <a:rPr lang="en-US" sz="2000" dirty="0"/>
-              <a:t>irtualization (NFV)</a:t>
-            </a:r>
-            <a:endParaRPr sz="2000" dirty="0"/>
-          </a:p>
-          <a:p>
-            <a:pPr marL="838179" lvl="1" indent="-228594">
-              <a:buChar char="•"/>
-            </a:pPr>
-            <a:r>
-              <a:rPr lang="en-US" sz="2000" b="1" dirty="0"/>
-              <a:t>S</a:t>
-            </a:r>
-            <a:r>
-              <a:rPr lang="en-US" sz="2000" dirty="0"/>
-              <a:t>oftware </a:t>
-            </a:r>
-            <a:r>
-              <a:rPr lang="en-US" sz="2000" b="1" dirty="0"/>
-              <a:t>D</a:t>
-            </a:r>
-            <a:r>
-              <a:rPr lang="en-US" sz="2000" dirty="0"/>
-              <a:t>efined </a:t>
-            </a:r>
-            <a:r>
-              <a:rPr lang="en-US" sz="2000" b="1" dirty="0"/>
-              <a:t>N</a:t>
-            </a:r>
-            <a:r>
-              <a:rPr lang="en-US" sz="2000" dirty="0"/>
-              <a:t>etworks (SDN) </a:t>
-            </a:r>
-            <a:endParaRPr sz="2000" dirty="0"/>
-          </a:p>
-          <a:p>
-            <a:pPr indent="-609585">
-              <a:buClr>
-                <a:schemeClr val="dk1"/>
-              </a:buClr>
-              <a:buSzPts val="1800"/>
-              <a:buChar char="•"/>
-            </a:pPr>
-            <a:r>
-              <a:rPr lang="en-US" sz="2400" dirty="0"/>
-              <a:t>Issues, Problems</a:t>
-            </a:r>
-            <a:endParaRPr sz="2400" dirty="0"/>
-          </a:p>
-          <a:p>
-            <a:pPr marL="838179" lvl="1" indent="-228594">
-              <a:buChar char="•"/>
-            </a:pPr>
-            <a:r>
-              <a:rPr lang="en-US" sz="2000" dirty="0"/>
-              <a:t>MEC resources are limited, distributed -&gt; constraints on storage, computational power, bandwidth</a:t>
-            </a:r>
-            <a:endParaRPr sz="2000" dirty="0"/>
-          </a:p>
-          <a:p>
-            <a:pPr marL="838179" lvl="1" indent="-228594">
-              <a:buChar char="•"/>
-            </a:pPr>
-            <a:r>
-              <a:rPr lang="en-US" sz="2000" dirty="0"/>
-              <a:t>Varying wireless links</a:t>
-            </a:r>
-            <a:endParaRPr sz="2000" dirty="0"/>
-          </a:p>
-          <a:p>
-            <a:pPr marL="838179" lvl="1" indent="-228594">
-              <a:buChar char="•"/>
-            </a:pPr>
-            <a:r>
-              <a:rPr lang="en-US" sz="2000" dirty="0"/>
-              <a:t>Coupled functions</a:t>
-            </a:r>
-          </a:p>
-          <a:p>
-            <a:pPr marL="838179" lvl="1" indent="-228594">
-              <a:buChar char="•"/>
-            </a:pPr>
-            <a:r>
-              <a:rPr lang="en-US" sz="2000" dirty="0"/>
-              <a:t>Delay Limited Services</a:t>
-            </a:r>
-          </a:p>
-          <a:p>
-            <a:pPr indent="-609585">
-              <a:buClr>
-                <a:schemeClr val="dk1"/>
-              </a:buClr>
-              <a:buSzPts val="1800"/>
-              <a:buChar char="•"/>
-            </a:pPr>
-            <a:r>
-              <a:rPr lang="en-US" sz="2400" dirty="0"/>
-              <a:t>Possible Solutions</a:t>
-            </a:r>
-            <a:endParaRPr sz="2400" dirty="0"/>
-          </a:p>
-          <a:p>
-            <a:pPr marL="838179" lvl="1" indent="-228594">
-              <a:buChar char="•"/>
-            </a:pPr>
-            <a:r>
-              <a:rPr lang="en-US" sz="2000" dirty="0"/>
-              <a:t>Optimization framework to allocate services and functionalities while satisfying service requirements </a:t>
-            </a:r>
-            <a:endParaRPr sz="2000" dirty="0"/>
-          </a:p>
-          <a:p>
-            <a:pPr marL="1447764" lvl="2" indent="-228594"/>
-            <a:r>
-              <a:rPr lang="en-US" sz="2000" dirty="0"/>
-              <a:t>virtualization of network functions based on physical constraints of the network.</a:t>
-            </a:r>
-            <a:endParaRPr sz="2000" dirty="0"/>
-          </a:p>
-          <a:p>
-            <a:pPr indent="-609585">
-              <a:buClr>
-                <a:schemeClr val="dk1"/>
-              </a:buClr>
-              <a:buSzPts val="1800"/>
-              <a:buChar char="•"/>
-            </a:pPr>
-            <a:r>
-              <a:rPr lang="en-US" sz="2400" dirty="0"/>
-              <a:t>Benefits</a:t>
-            </a:r>
-            <a:endParaRPr sz="2400" dirty="0"/>
-          </a:p>
-          <a:p>
-            <a:pPr marL="838179" lvl="1" indent="-228594">
-              <a:buChar char="•"/>
-            </a:pPr>
-            <a:r>
-              <a:rPr lang="en-US" sz="2000" dirty="0"/>
-              <a:t>Proof of achievability of services with tight quality of service (QoS) requirements</a:t>
-            </a:r>
-            <a:endParaRPr sz="2000" dirty="0"/>
-          </a:p>
-          <a:p>
-            <a:pPr marL="0" indent="0"/>
-            <a:endParaRPr sz="1800" dirty="0"/>
-          </a:p>
-          <a:p>
-            <a:pPr marL="838179" indent="0">
-              <a:buClr>
-                <a:schemeClr val="dk1"/>
-              </a:buClr>
-              <a:buSzPts val="1100"/>
-            </a:pPr>
-            <a:endParaRPr sz="1600" dirty="0"/>
-          </a:p>
-          <a:p>
-            <a:pPr marL="838179" indent="0"/>
-            <a:endParaRPr sz="1600" dirty="0"/>
-          </a:p>
-        </p:txBody>
-      </p:sp>
-      <p:sp>
-        <p:nvSpPr>
-          <p:cNvPr id="73" name="Google Shape;73;p9"/>
-          <p:cNvSpPr txBox="1">
+          <p:cNvPr id="3" name="Slide Number Placeholder 2">
+            <a:extLst>
+              <a:ext uri="{FF2B5EF4-FFF2-40B4-BE49-F238E27FC236}">
+                <a16:creationId xmlns:a16="http://schemas.microsoft.com/office/drawing/2014/main" id="{826448CB-8630-45BC-B912-8E730F52B4BA}"/>
+              </a:ext>
+            </a:extLst>
+          </p:cNvPr>
+          <p:cNvSpPr>
             <a:spLocks noGrp="1"/>
           </p:cNvSpPr>
           <p:nvPr>
             <p:ph type="sldNum" idx="12"/>
           </p:nvPr>
         </p:nvSpPr>
+        <p:spPr/>
+        <p:txBody>
+          <a:bodyPr/>
+          <a:lstStyle/>
+          <a:p>
+            <a:fld id="{00000000-1234-1234-1234-123412341234}" type="slidenum">
+              <a:rPr lang="en-US" smtClean="0"/>
+              <a:pPr/>
+              <a:t>1</a:t>
+            </a:fld>
+            <a:endParaRPr lang="en-US"/>
+          </a:p>
+        </p:txBody>
+      </p:sp>
+      <p:sp>
+        <p:nvSpPr>
+          <p:cNvPr id="5" name="Rectangle 4">
+            <a:extLst>
+              <a:ext uri="{FF2B5EF4-FFF2-40B4-BE49-F238E27FC236}">
+                <a16:creationId xmlns:a16="http://schemas.microsoft.com/office/drawing/2014/main" id="{BC79EA5E-3889-4226-B587-35A25A9ECF36}"/>
+              </a:ext>
+            </a:extLst>
+          </p:cNvPr>
+          <p:cNvSpPr/>
+          <p:nvPr/>
+        </p:nvSpPr>
         <p:spPr>
+          <a:xfrm>
+            <a:off x="1929345" y="2073166"/>
+            <a:ext cx="8333309" cy="1569660"/>
+          </a:xfrm>
           <a:prstGeom prst="rect">
             <a:avLst/>
           </a:prstGeom>
           <a:noFill/>
-          <a:ln>
-            <a:noFill/>
-          </a:ln>
         </p:spPr>
         <p:txBody>
-          <a:bodyPr spcFirstLastPara="1" wrap="square" lIns="121900" tIns="60933" rIns="121900" bIns="60933" anchor="ctr" anchorCtr="0">
-            <a:noAutofit/>
+          <a:bodyPr wrap="square" lIns="91440" tIns="45720" rIns="91440" bIns="45720">
+            <a:spAutoFit/>
           </a:bodyPr>
           <a:lstStyle/>
           <a:p>
-            <a:fld id="{00000000-1234-1234-1234-123412341234}" type="slidenum">
-              <a:rPr lang="en-US"/>
-              <a:pPr/>
-              <a:t>1</a:t>
-            </a:fld>
-            <a:endParaRPr/>
+            <a:pPr algn="ctr"/>
+            <a:r>
+              <a:rPr lang="en-US" sz="3200" b="0" cap="none" spc="0" dirty="0">
+                <a:ln w="0"/>
+                <a:solidFill>
+                  <a:schemeClr val="accent1"/>
+                </a:solidFill>
+                <a:effectLst>
+                  <a:outerShdw blurRad="38100" dist="25400" dir="5400000" algn="ctr" rotWithShape="0">
+                    <a:srgbClr val="6E747A">
+                      <a:alpha val="43000"/>
+                    </a:srgbClr>
+                  </a:outerShdw>
+                </a:effectLst>
+              </a:rPr>
+              <a:t>Latency Focused Function Placement and Request Routing in Multi Access Mobile Edge Computing Networks</a:t>
+            </a:r>
           </a:p>
         </p:txBody>
       </p:sp>
       <p:sp>
         <p:nvSpPr>
-          <p:cNvPr id="75" name="Google Shape;75;p9"/>
-          <p:cNvSpPr txBox="1">
-            <a:spLocks noGrp="1"/>
-          </p:cNvSpPr>
-          <p:nvPr>
-            <p:ph type="title"/>
-          </p:nvPr>
-        </p:nvSpPr>
-        <p:spPr>
-          <a:prstGeom prst="rect">
-            <a:avLst/>
-          </a:prstGeom>
-          <a:noFill/>
-          <a:ln>
-            <a:noFill/>
-          </a:ln>
-        </p:spPr>
-        <p:txBody>
-          <a:bodyPr spcFirstLastPara="1" wrap="square" lIns="121900" tIns="60933" rIns="121900" bIns="60933" anchor="ctr" anchorCtr="0">
-            <a:noAutofit/>
-          </a:bodyPr>
-          <a:lstStyle/>
-          <a:p>
-            <a:r>
-              <a:rPr lang="en-US" sz="3200" b="1" dirty="0">
-                <a:solidFill>
-                  <a:schemeClr val="bg1"/>
-                </a:solidFill>
-              </a:rPr>
-              <a:t>Overview</a:t>
-            </a:r>
-            <a:endParaRPr sz="3200" b="1" dirty="0">
-              <a:solidFill>
-                <a:schemeClr val="bg1"/>
-              </a:solidFill>
-            </a:endParaRPr>
-          </a:p>
-        </p:txBody>
-      </p:sp>
-      <p:sp>
-        <p:nvSpPr>
-          <p:cNvPr id="74" name="Google Shape;74;p9"/>
+          <p:cNvPr id="7" name="TextBox 6">
+            <a:extLst>
+              <a:ext uri="{FF2B5EF4-FFF2-40B4-BE49-F238E27FC236}">
+                <a16:creationId xmlns:a16="http://schemas.microsoft.com/office/drawing/2014/main" id="{FEBDA590-C189-4241-B87C-9B463F41AF15}"/>
+              </a:ext>
+            </a:extLst>
+          </p:cNvPr>
           <p:cNvSpPr txBox="1"/>
           <p:nvPr/>
         </p:nvSpPr>
         <p:spPr>
           <a:xfrm>
-            <a:off x="2560515" y="190269"/>
-            <a:ext cx="7318308" cy="551780"/>
+            <a:off x="8209920" y="4503987"/>
+            <a:ext cx="2844799" cy="1477328"/>
           </a:xfrm>
           <a:prstGeom prst="rect">
             <a:avLst/>
           </a:prstGeom>
           <a:noFill/>
-          <a:ln>
-            <a:noFill/>
-          </a:ln>
         </p:spPr>
         <p:txBody>
-          <a:bodyPr spcFirstLastPara="1" wrap="square" lIns="121900" tIns="60933" rIns="121900" bIns="60933" anchor="ctr" anchorCtr="0">
-            <a:noAutofit/>
+          <a:bodyPr wrap="square" rtlCol="0">
+            <a:spAutoFit/>
           </a:bodyPr>
           <a:lstStyle/>
           <a:p>
-            <a:pPr algn="ctr"/>
-            <a:endParaRPr sz="2667" b="1">
+            <a:pPr algn="r"/>
+            <a:r>
+              <a:rPr lang="en-US" dirty="0">
+                <a:solidFill>
+                  <a:srgbClr val="202124"/>
+                </a:solidFill>
+                <a:latin typeface="Google Sans"/>
+              </a:rPr>
+              <a:t>Mustafa F. </a:t>
+            </a:r>
+            <a:r>
+              <a:rPr lang="en-US" dirty="0" err="1">
+                <a:solidFill>
+                  <a:srgbClr val="202124"/>
+                </a:solidFill>
+                <a:latin typeface="Google Sans"/>
+              </a:rPr>
+              <a:t>Ozkoc</a:t>
+            </a:r>
+            <a:r>
+              <a:rPr lang="en-US" dirty="0">
+                <a:solidFill>
+                  <a:srgbClr val="202124"/>
+                </a:solidFill>
+                <a:latin typeface="Google Sans"/>
+              </a:rPr>
+              <a:t>(mfo254)</a:t>
+            </a:r>
+          </a:p>
+          <a:p>
+            <a:pPr algn="r"/>
+            <a:endParaRPr lang="en-US" dirty="0">
               <a:solidFill>
-                <a:schemeClr val="lt1"/>
+                <a:srgbClr val="202124"/>
               </a:solidFill>
-              <a:latin typeface="Arial"/>
-              <a:ea typeface="Arial"/>
-              <a:cs typeface="Arial"/>
-              <a:sym typeface="Arial"/>
+              <a:latin typeface="Google Sans"/>
             </a:endParaRPr>
+          </a:p>
+          <a:p>
+            <a:pPr algn="r"/>
+            <a:r>
+              <a:rPr lang="en-US" dirty="0">
+                <a:solidFill>
+                  <a:srgbClr val="202124"/>
+                </a:solidFill>
+                <a:latin typeface="Google Sans"/>
+              </a:rPr>
+              <a:t>Chen Li (cl5089)</a:t>
+            </a:r>
+          </a:p>
+          <a:p>
+            <a:pPr algn="r"/>
+            <a:endParaRPr lang="en-US" dirty="0">
+              <a:solidFill>
+                <a:srgbClr val="202124"/>
+              </a:solidFill>
+              <a:latin typeface="Google Sans"/>
+            </a:endParaRPr>
+          </a:p>
+          <a:p>
+            <a:pPr algn="r"/>
+            <a:r>
+              <a:rPr lang="en-US" dirty="0">
+                <a:solidFill>
+                  <a:srgbClr val="202124"/>
+                </a:solidFill>
+                <a:latin typeface="Google Sans"/>
+              </a:rPr>
+              <a:t>May 19th</a:t>
+            </a:r>
+            <a:endParaRPr lang="en-US" dirty="0"/>
           </a:p>
         </p:txBody>
       </p:sp>
     </p:spTree>
+    <p:extLst>
+      <p:ext uri="{BB962C8B-B14F-4D97-AF65-F5344CB8AC3E}">
+        <p14:creationId xmlns:p14="http://schemas.microsoft.com/office/powerpoint/2010/main" val="3825328200"/>
+      </p:ext>
+    </p:extLst>
   </p:cSld>
   <p:clrMapOvr>
     <a:masterClrMapping/>
@@ -10738,6 +9658,1201 @@
               <a:rPr lang="en-US" kern="0"/>
               <a:pPr defTabSz="1219170"/>
               <a:t>10</a:t>
+            </a:fld>
+            <a:endParaRPr lang="en-US" kern="0" dirty="0"/>
+          </a:p>
+        </p:txBody>
+      </p:sp>
+      <p:sp>
+        <p:nvSpPr>
+          <p:cNvPr id="3" name="Google Shape;133;p23">
+            <a:extLst>
+              <a:ext uri="{FF2B5EF4-FFF2-40B4-BE49-F238E27FC236}">
+                <a16:creationId xmlns:a16="http://schemas.microsoft.com/office/drawing/2014/main" id="{AB16ADAF-6C9B-4117-9F0A-F912437DDE02}"/>
+              </a:ext>
+            </a:extLst>
+          </p:cNvPr>
+          <p:cNvSpPr txBox="1">
+            <a:spLocks/>
+          </p:cNvSpPr>
+          <p:nvPr/>
+        </p:nvSpPr>
+        <p:spPr>
+          <a:xfrm>
+            <a:off x="2885377" y="-139848"/>
+            <a:ext cx="3522595" cy="970156"/>
+          </a:xfrm>
+          <a:prstGeom prst="rect">
+            <a:avLst/>
+          </a:prstGeom>
+        </p:spPr>
+        <p:txBody>
+          <a:bodyPr spcFirstLastPara="1" wrap="square" lIns="121900" tIns="121900" rIns="121900" bIns="121900" anchor="b" anchorCtr="0">
+            <a:noAutofit/>
+          </a:bodyPr>
+          <a:lstStyle>
+            <a:defPPr marR="0" lvl="0" algn="l" rtl="0">
+              <a:lnSpc>
+                <a:spcPct val="100000"/>
+              </a:lnSpc>
+              <a:spcBef>
+                <a:spcPts val="0"/>
+              </a:spcBef>
+              <a:spcAft>
+                <a:spcPts val="0"/>
+              </a:spcAft>
+            </a:defPPr>
+            <a:lvl1pPr marR="0" lvl="0" algn="l" rtl="0">
+              <a:lnSpc>
+                <a:spcPct val="100000"/>
+              </a:lnSpc>
+              <a:spcBef>
+                <a:spcPts val="0"/>
+              </a:spcBef>
+              <a:spcAft>
+                <a:spcPts val="0"/>
+              </a:spcAft>
+              <a:buClr>
+                <a:srgbClr val="000000"/>
+              </a:buClr>
+              <a:buFont typeface="Arial"/>
+              <a:defRPr sz="1867" b="0" i="0" u="none" strike="noStrike" cap="none">
+                <a:solidFill>
+                  <a:srgbClr val="000000"/>
+                </a:solidFill>
+                <a:latin typeface="Arial"/>
+                <a:ea typeface="Arial"/>
+                <a:cs typeface="Arial"/>
+                <a:sym typeface="Arial"/>
+              </a:defRPr>
+            </a:lvl1pPr>
+            <a:lvl2pPr marR="0" lvl="1" algn="l" rtl="0">
+              <a:lnSpc>
+                <a:spcPct val="100000"/>
+              </a:lnSpc>
+              <a:spcBef>
+                <a:spcPts val="0"/>
+              </a:spcBef>
+              <a:spcAft>
+                <a:spcPts val="0"/>
+              </a:spcAft>
+              <a:buClr>
+                <a:srgbClr val="000000"/>
+              </a:buClr>
+              <a:buFont typeface="Arial"/>
+              <a:defRPr sz="1867" b="0" i="0" u="none" strike="noStrike" cap="none">
+                <a:solidFill>
+                  <a:srgbClr val="000000"/>
+                </a:solidFill>
+                <a:latin typeface="Arial"/>
+                <a:ea typeface="Arial"/>
+                <a:cs typeface="Arial"/>
+                <a:sym typeface="Arial"/>
+              </a:defRPr>
+            </a:lvl2pPr>
+            <a:lvl3pPr marR="0" lvl="2" algn="l" rtl="0">
+              <a:lnSpc>
+                <a:spcPct val="100000"/>
+              </a:lnSpc>
+              <a:spcBef>
+                <a:spcPts val="0"/>
+              </a:spcBef>
+              <a:spcAft>
+                <a:spcPts val="0"/>
+              </a:spcAft>
+              <a:buClr>
+                <a:srgbClr val="000000"/>
+              </a:buClr>
+              <a:buFont typeface="Arial"/>
+              <a:defRPr sz="1867" b="0" i="0" u="none" strike="noStrike" cap="none">
+                <a:solidFill>
+                  <a:srgbClr val="000000"/>
+                </a:solidFill>
+                <a:latin typeface="Arial"/>
+                <a:ea typeface="Arial"/>
+                <a:cs typeface="Arial"/>
+                <a:sym typeface="Arial"/>
+              </a:defRPr>
+            </a:lvl3pPr>
+            <a:lvl4pPr marR="0" lvl="3" algn="l" rtl="0">
+              <a:lnSpc>
+                <a:spcPct val="100000"/>
+              </a:lnSpc>
+              <a:spcBef>
+                <a:spcPts val="0"/>
+              </a:spcBef>
+              <a:spcAft>
+                <a:spcPts val="0"/>
+              </a:spcAft>
+              <a:buClr>
+                <a:srgbClr val="000000"/>
+              </a:buClr>
+              <a:buFont typeface="Arial"/>
+              <a:defRPr sz="1867" b="0" i="0" u="none" strike="noStrike" cap="none">
+                <a:solidFill>
+                  <a:srgbClr val="000000"/>
+                </a:solidFill>
+                <a:latin typeface="Arial"/>
+                <a:ea typeface="Arial"/>
+                <a:cs typeface="Arial"/>
+                <a:sym typeface="Arial"/>
+              </a:defRPr>
+            </a:lvl4pPr>
+            <a:lvl5pPr marR="0" lvl="4" algn="l" rtl="0">
+              <a:lnSpc>
+                <a:spcPct val="100000"/>
+              </a:lnSpc>
+              <a:spcBef>
+                <a:spcPts val="0"/>
+              </a:spcBef>
+              <a:spcAft>
+                <a:spcPts val="0"/>
+              </a:spcAft>
+              <a:buClr>
+                <a:srgbClr val="000000"/>
+              </a:buClr>
+              <a:buFont typeface="Arial"/>
+              <a:defRPr sz="1867" b="0" i="0" u="none" strike="noStrike" cap="none">
+                <a:solidFill>
+                  <a:srgbClr val="000000"/>
+                </a:solidFill>
+                <a:latin typeface="Arial"/>
+                <a:ea typeface="Arial"/>
+                <a:cs typeface="Arial"/>
+                <a:sym typeface="Arial"/>
+              </a:defRPr>
+            </a:lvl5pPr>
+            <a:lvl6pPr marR="0" lvl="5" algn="l" rtl="0">
+              <a:lnSpc>
+                <a:spcPct val="100000"/>
+              </a:lnSpc>
+              <a:spcBef>
+                <a:spcPts val="0"/>
+              </a:spcBef>
+              <a:spcAft>
+                <a:spcPts val="0"/>
+              </a:spcAft>
+              <a:buClr>
+                <a:srgbClr val="000000"/>
+              </a:buClr>
+              <a:buFont typeface="Arial"/>
+              <a:defRPr sz="1867" b="0" i="0" u="none" strike="noStrike" cap="none">
+                <a:solidFill>
+                  <a:srgbClr val="000000"/>
+                </a:solidFill>
+                <a:latin typeface="Arial"/>
+                <a:ea typeface="Arial"/>
+                <a:cs typeface="Arial"/>
+                <a:sym typeface="Arial"/>
+              </a:defRPr>
+            </a:lvl6pPr>
+            <a:lvl7pPr marR="0" lvl="6" algn="l" rtl="0">
+              <a:lnSpc>
+                <a:spcPct val="100000"/>
+              </a:lnSpc>
+              <a:spcBef>
+                <a:spcPts val="0"/>
+              </a:spcBef>
+              <a:spcAft>
+                <a:spcPts val="0"/>
+              </a:spcAft>
+              <a:buClr>
+                <a:srgbClr val="000000"/>
+              </a:buClr>
+              <a:buFont typeface="Arial"/>
+              <a:defRPr sz="1867" b="0" i="0" u="none" strike="noStrike" cap="none">
+                <a:solidFill>
+                  <a:srgbClr val="000000"/>
+                </a:solidFill>
+                <a:latin typeface="Arial"/>
+                <a:ea typeface="Arial"/>
+                <a:cs typeface="Arial"/>
+                <a:sym typeface="Arial"/>
+              </a:defRPr>
+            </a:lvl7pPr>
+            <a:lvl8pPr marR="0" lvl="7" algn="l" rtl="0">
+              <a:lnSpc>
+                <a:spcPct val="100000"/>
+              </a:lnSpc>
+              <a:spcBef>
+                <a:spcPts val="0"/>
+              </a:spcBef>
+              <a:spcAft>
+                <a:spcPts val="0"/>
+              </a:spcAft>
+              <a:buClr>
+                <a:srgbClr val="000000"/>
+              </a:buClr>
+              <a:buFont typeface="Arial"/>
+              <a:defRPr sz="1867" b="0" i="0" u="none" strike="noStrike" cap="none">
+                <a:solidFill>
+                  <a:srgbClr val="000000"/>
+                </a:solidFill>
+                <a:latin typeface="Arial"/>
+                <a:ea typeface="Arial"/>
+                <a:cs typeface="Arial"/>
+                <a:sym typeface="Arial"/>
+              </a:defRPr>
+            </a:lvl8pPr>
+            <a:lvl9pPr marR="0" lvl="8" algn="l" rtl="0">
+              <a:lnSpc>
+                <a:spcPct val="100000"/>
+              </a:lnSpc>
+              <a:spcBef>
+                <a:spcPts val="0"/>
+              </a:spcBef>
+              <a:spcAft>
+                <a:spcPts val="0"/>
+              </a:spcAft>
+              <a:buClr>
+                <a:srgbClr val="000000"/>
+              </a:buClr>
+              <a:buFont typeface="Arial"/>
+              <a:defRPr sz="1867" b="0" i="0" u="none" strike="noStrike" cap="none">
+                <a:solidFill>
+                  <a:srgbClr val="000000"/>
+                </a:solidFill>
+                <a:latin typeface="Arial"/>
+                <a:ea typeface="Arial"/>
+                <a:cs typeface="Arial"/>
+                <a:sym typeface="Arial"/>
+              </a:defRPr>
+            </a:lvl9pPr>
+          </a:lstStyle>
+          <a:p>
+            <a:r>
+              <a:rPr lang="en-US" sz="2800" u="sng" kern="0" dirty="0">
+                <a:solidFill>
+                  <a:schemeClr val="bg1"/>
+                </a:solidFill>
+              </a:rPr>
+              <a:t>Formulation</a:t>
+            </a:r>
+          </a:p>
+        </p:txBody>
+      </p:sp>
+      <p:sp>
+        <p:nvSpPr>
+          <p:cNvPr id="4" name="Google Shape;135;p23">
+            <a:extLst>
+              <a:ext uri="{FF2B5EF4-FFF2-40B4-BE49-F238E27FC236}">
+                <a16:creationId xmlns:a16="http://schemas.microsoft.com/office/drawing/2014/main" id="{0AAB1B82-31BD-4F30-AED7-A7A0DAC1A8EA}"/>
+              </a:ext>
+            </a:extLst>
+          </p:cNvPr>
+          <p:cNvSpPr txBox="1"/>
+          <p:nvPr/>
+        </p:nvSpPr>
+        <p:spPr>
+          <a:xfrm>
+            <a:off x="5736567" y="0"/>
+            <a:ext cx="6455200" cy="6858000"/>
+          </a:xfrm>
+          <a:prstGeom prst="rect">
+            <a:avLst/>
+          </a:prstGeom>
+          <a:solidFill>
+            <a:srgbClr val="FFFFFF"/>
+          </a:solidFill>
+          <a:ln>
+            <a:noFill/>
+          </a:ln>
+        </p:spPr>
+        <p:txBody>
+          <a:bodyPr spcFirstLastPara="1" wrap="square" lIns="121900" tIns="121900" rIns="121900" bIns="121900" anchor="t" anchorCtr="0">
+            <a:noAutofit/>
+          </a:bodyPr>
+          <a:lstStyle/>
+          <a:p>
+            <a:r>
+              <a:rPr lang="en" sz="2000" dirty="0">
+                <a:latin typeface="Arial" panose="020B0604020202020204" pitchFamily="34" charset="0"/>
+                <a:ea typeface="Roboto"/>
+                <a:cs typeface="Arial" panose="020B0604020202020204" pitchFamily="34" charset="0"/>
+                <a:sym typeface="Roboto"/>
+              </a:rPr>
+              <a:t>Indices : </a:t>
+            </a:r>
+            <a:endParaRPr sz="2000" dirty="0">
+              <a:latin typeface="Arial" panose="020B0604020202020204" pitchFamily="34" charset="0"/>
+              <a:ea typeface="Roboto"/>
+              <a:cs typeface="Arial" panose="020B0604020202020204" pitchFamily="34" charset="0"/>
+              <a:sym typeface="Roboto"/>
+            </a:endParaRPr>
+          </a:p>
+          <a:p>
+            <a:pPr marL="609585" indent="-423323">
+              <a:buSzPts val="1400"/>
+              <a:buFont typeface="Roboto"/>
+              <a:buChar char="●"/>
+            </a:pPr>
+            <a:r>
+              <a:rPr lang="en" sz="2000" dirty="0">
+                <a:latin typeface="Arial" panose="020B0604020202020204" pitchFamily="34" charset="0"/>
+                <a:ea typeface="Roboto"/>
+                <a:cs typeface="Arial" panose="020B0604020202020204" pitchFamily="34" charset="0"/>
+                <a:sym typeface="Roboto"/>
+              </a:rPr>
+              <a:t>u = {1,..,U}   : Users</a:t>
+            </a:r>
+            <a:endParaRPr sz="2000" dirty="0">
+              <a:highlight>
+                <a:srgbClr val="FFFFFF"/>
+              </a:highlight>
+              <a:latin typeface="Arial" panose="020B0604020202020204" pitchFamily="34" charset="0"/>
+              <a:ea typeface="Roboto"/>
+              <a:cs typeface="Arial" panose="020B0604020202020204" pitchFamily="34" charset="0"/>
+              <a:sym typeface="Roboto"/>
+            </a:endParaRPr>
+          </a:p>
+          <a:p>
+            <a:pPr marL="609585" indent="-423323">
+              <a:buSzPts val="1400"/>
+              <a:buFont typeface="Roboto"/>
+              <a:buChar char="●"/>
+            </a:pPr>
+            <a:r>
+              <a:rPr lang="en" sz="2000" dirty="0">
+                <a:latin typeface="Arial" panose="020B0604020202020204" pitchFamily="34" charset="0"/>
+                <a:ea typeface="Roboto"/>
+                <a:cs typeface="Arial" panose="020B0604020202020204" pitchFamily="34" charset="0"/>
+                <a:sym typeface="Roboto"/>
+              </a:rPr>
+              <a:t>n = {1,..,N, </a:t>
+            </a:r>
+            <a:r>
+              <a:rPr lang="en" sz="2000" dirty="0">
+                <a:latin typeface="Arial" panose="020B0604020202020204" pitchFamily="34" charset="0"/>
+                <a:ea typeface="Lobster"/>
+                <a:cs typeface="Arial" panose="020B0604020202020204" pitchFamily="34" charset="0"/>
+                <a:sym typeface="Lobster"/>
+              </a:rPr>
+              <a:t>l</a:t>
+            </a:r>
+            <a:r>
+              <a:rPr lang="en" sz="2000" dirty="0">
+                <a:latin typeface="Arial" panose="020B0604020202020204" pitchFamily="34" charset="0"/>
+                <a:ea typeface="Roboto"/>
+                <a:cs typeface="Arial" panose="020B0604020202020204" pitchFamily="34" charset="0"/>
+                <a:sym typeface="Roboto"/>
+              </a:rPr>
+              <a:t> } : Nodes, where l is the centralized cloud</a:t>
+            </a:r>
+            <a:endParaRPr sz="2000" dirty="0">
+              <a:latin typeface="Arial" panose="020B0604020202020204" pitchFamily="34" charset="0"/>
+              <a:ea typeface="Roboto"/>
+              <a:cs typeface="Arial" panose="020B0604020202020204" pitchFamily="34" charset="0"/>
+              <a:sym typeface="Roboto"/>
+            </a:endParaRPr>
+          </a:p>
+          <a:p>
+            <a:pPr marL="609585" indent="-423323">
+              <a:buSzPts val="1400"/>
+              <a:buFont typeface="Roboto"/>
+              <a:buChar char="●"/>
+            </a:pPr>
+            <a:r>
+              <a:rPr lang="en" sz="2000" dirty="0">
+                <a:latin typeface="Arial" panose="020B0604020202020204" pitchFamily="34" charset="0"/>
+                <a:ea typeface="Roboto"/>
+                <a:cs typeface="Arial" panose="020B0604020202020204" pitchFamily="34" charset="0"/>
+                <a:sym typeface="Roboto"/>
+              </a:rPr>
+              <a:t>e = {1,...,E} : links between nodes, directed</a:t>
+            </a:r>
+            <a:endParaRPr sz="2000" dirty="0">
+              <a:latin typeface="Arial" panose="020B0604020202020204" pitchFamily="34" charset="0"/>
+              <a:ea typeface="Roboto"/>
+              <a:cs typeface="Arial" panose="020B0604020202020204" pitchFamily="34" charset="0"/>
+              <a:sym typeface="Roboto"/>
+            </a:endParaRPr>
+          </a:p>
+          <a:p>
+            <a:r>
+              <a:rPr lang="en" sz="2000" dirty="0">
+                <a:latin typeface="Arial" panose="020B0604020202020204" pitchFamily="34" charset="0"/>
+                <a:ea typeface="Roboto"/>
+                <a:cs typeface="Arial" panose="020B0604020202020204" pitchFamily="34" charset="0"/>
+                <a:sym typeface="Roboto"/>
+              </a:rPr>
+              <a:t>Constants</a:t>
+            </a:r>
+            <a:endParaRPr sz="2000" dirty="0">
+              <a:highlight>
+                <a:srgbClr val="FFFFFF"/>
+              </a:highlight>
+              <a:latin typeface="Arial" panose="020B0604020202020204" pitchFamily="34" charset="0"/>
+              <a:ea typeface="Roboto"/>
+              <a:cs typeface="Arial" panose="020B0604020202020204" pitchFamily="34" charset="0"/>
+              <a:sym typeface="Roboto"/>
+            </a:endParaRPr>
+          </a:p>
+          <a:p>
+            <a:pPr marL="609585" indent="-423323">
+              <a:buSzPts val="1400"/>
+              <a:buFont typeface="Roboto"/>
+              <a:buChar char="●"/>
+            </a:pPr>
+            <a:r>
+              <a:rPr lang="en" sz="2000" dirty="0">
+                <a:latin typeface="Arial" panose="020B0604020202020204" pitchFamily="34" charset="0"/>
+                <a:ea typeface="Roboto"/>
+                <a:cs typeface="Arial" panose="020B0604020202020204" pitchFamily="34" charset="0"/>
+                <a:sym typeface="Roboto"/>
+              </a:rPr>
+              <a:t>c</a:t>
+            </a:r>
+            <a:r>
+              <a:rPr lang="en" sz="2000" baseline="-25000" dirty="0">
+                <a:latin typeface="Arial" panose="020B0604020202020204" pitchFamily="34" charset="0"/>
+                <a:ea typeface="Roboto"/>
+                <a:cs typeface="Arial" panose="020B0604020202020204" pitchFamily="34" charset="0"/>
+                <a:sym typeface="Roboto"/>
+              </a:rPr>
+              <a:t>e</a:t>
+            </a:r>
+            <a:r>
+              <a:rPr lang="en" sz="2000" dirty="0">
+                <a:latin typeface="Arial" panose="020B0604020202020204" pitchFamily="34" charset="0"/>
+                <a:ea typeface="Roboto"/>
+                <a:cs typeface="Arial" panose="020B0604020202020204" pitchFamily="34" charset="0"/>
+                <a:sym typeface="Roboto"/>
+              </a:rPr>
+              <a:t> : Capacity of link w</a:t>
+            </a:r>
+            <a:endParaRPr sz="2000" dirty="0">
+              <a:latin typeface="Arial" panose="020B0604020202020204" pitchFamily="34" charset="0"/>
+              <a:ea typeface="Roboto"/>
+              <a:cs typeface="Arial" panose="020B0604020202020204" pitchFamily="34" charset="0"/>
+              <a:sym typeface="Roboto"/>
+            </a:endParaRPr>
+          </a:p>
+          <a:p>
+            <a:pPr marL="609585" indent="-423323">
+              <a:buSzPts val="1400"/>
+              <a:buFont typeface="Roboto"/>
+              <a:buChar char="●"/>
+            </a:pPr>
+            <a:r>
+              <a:rPr lang="en" sz="2000" dirty="0">
+                <a:latin typeface="Arial" panose="020B0604020202020204" pitchFamily="34" charset="0"/>
+                <a:ea typeface="Roboto"/>
+                <a:cs typeface="Arial" panose="020B0604020202020204" pitchFamily="34" charset="0"/>
+                <a:sym typeface="Roboto"/>
+              </a:rPr>
+              <a:t>l</a:t>
+            </a:r>
+            <a:r>
+              <a:rPr lang="en" sz="2000" baseline="-25000" dirty="0">
+                <a:latin typeface="Arial" panose="020B0604020202020204" pitchFamily="34" charset="0"/>
+                <a:ea typeface="Roboto"/>
+                <a:cs typeface="Arial" panose="020B0604020202020204" pitchFamily="34" charset="0"/>
+                <a:sym typeface="Roboto"/>
+              </a:rPr>
+              <a:t>e</a:t>
+            </a:r>
+            <a:r>
+              <a:rPr lang="en" sz="2000" dirty="0">
+                <a:latin typeface="Arial" panose="020B0604020202020204" pitchFamily="34" charset="0"/>
+                <a:ea typeface="Roboto"/>
+                <a:cs typeface="Arial" panose="020B0604020202020204" pitchFamily="34" charset="0"/>
+                <a:sym typeface="Roboto"/>
+              </a:rPr>
+              <a:t> : latency introduced at link e, can be formulated as a function of load in future. 1/(c</a:t>
+            </a:r>
+            <a:r>
+              <a:rPr lang="en" sz="2000" baseline="-25000" dirty="0">
+                <a:latin typeface="Arial" panose="020B0604020202020204" pitchFamily="34" charset="0"/>
+                <a:ea typeface="Roboto"/>
+                <a:cs typeface="Arial" panose="020B0604020202020204" pitchFamily="34" charset="0"/>
+                <a:sym typeface="Roboto"/>
+              </a:rPr>
+              <a:t>e</a:t>
+            </a:r>
+            <a:r>
+              <a:rPr lang="en" sz="2000" dirty="0">
+                <a:latin typeface="Arial" panose="020B0604020202020204" pitchFamily="34" charset="0"/>
+                <a:ea typeface="Roboto"/>
+                <a:cs typeface="Arial" panose="020B0604020202020204" pitchFamily="34" charset="0"/>
+                <a:sym typeface="Roboto"/>
+              </a:rPr>
+              <a:t> - y</a:t>
+            </a:r>
+            <a:r>
+              <a:rPr lang="en" sz="2000" baseline="-25000" dirty="0">
+                <a:latin typeface="Arial" panose="020B0604020202020204" pitchFamily="34" charset="0"/>
+                <a:ea typeface="Roboto"/>
+                <a:cs typeface="Arial" panose="020B0604020202020204" pitchFamily="34" charset="0"/>
+                <a:sym typeface="Roboto"/>
+              </a:rPr>
+              <a:t>e</a:t>
+            </a:r>
+            <a:r>
+              <a:rPr lang="en" sz="2000" dirty="0">
+                <a:latin typeface="Arial" panose="020B0604020202020204" pitchFamily="34" charset="0"/>
+                <a:ea typeface="Roboto"/>
+                <a:cs typeface="Arial" panose="020B0604020202020204" pitchFamily="34" charset="0"/>
+                <a:sym typeface="Roboto"/>
+              </a:rPr>
+              <a:t>)</a:t>
+            </a:r>
+            <a:endParaRPr sz="2000" dirty="0">
+              <a:latin typeface="Arial" panose="020B0604020202020204" pitchFamily="34" charset="0"/>
+              <a:ea typeface="Roboto"/>
+              <a:cs typeface="Arial" panose="020B0604020202020204" pitchFamily="34" charset="0"/>
+              <a:sym typeface="Roboto"/>
+            </a:endParaRPr>
+          </a:p>
+          <a:p>
+            <a:pPr marL="609585" indent="-423323">
+              <a:buSzPts val="1400"/>
+              <a:buFont typeface="Roboto"/>
+              <a:buChar char="●"/>
+            </a:pPr>
+            <a:r>
+              <a:rPr lang="en" sz="2000" dirty="0">
+                <a:latin typeface="Arial" panose="020B0604020202020204" pitchFamily="34" charset="0"/>
+                <a:ea typeface="Roboto"/>
+                <a:cs typeface="Arial" panose="020B0604020202020204" pitchFamily="34" charset="0"/>
+                <a:sym typeface="Roboto"/>
+              </a:rPr>
+              <a:t>a</a:t>
+            </a:r>
+            <a:r>
+              <a:rPr lang="en" sz="2000" baseline="-25000" dirty="0">
+                <a:latin typeface="Arial" panose="020B0604020202020204" pitchFamily="34" charset="0"/>
+                <a:ea typeface="Roboto"/>
+                <a:cs typeface="Arial" panose="020B0604020202020204" pitchFamily="34" charset="0"/>
+                <a:sym typeface="Roboto"/>
+              </a:rPr>
+              <a:t>ev</a:t>
+            </a:r>
+            <a:r>
+              <a:rPr lang="en" sz="2000" dirty="0">
+                <a:latin typeface="Arial" panose="020B0604020202020204" pitchFamily="34" charset="0"/>
+                <a:ea typeface="Roboto"/>
+                <a:cs typeface="Arial" panose="020B0604020202020204" pitchFamily="34" charset="0"/>
+                <a:sym typeface="Roboto"/>
+              </a:rPr>
+              <a:t> = 1 if link e originates at node v; 0, otherwise</a:t>
+            </a:r>
+            <a:endParaRPr sz="2000" dirty="0">
+              <a:latin typeface="Arial" panose="020B0604020202020204" pitchFamily="34" charset="0"/>
+              <a:ea typeface="Roboto"/>
+              <a:cs typeface="Arial" panose="020B0604020202020204" pitchFamily="34" charset="0"/>
+              <a:sym typeface="Roboto"/>
+            </a:endParaRPr>
+          </a:p>
+          <a:p>
+            <a:pPr marL="609585" indent="-423323">
+              <a:buSzPts val="1400"/>
+              <a:buFont typeface="Roboto"/>
+              <a:buChar char="●"/>
+            </a:pPr>
+            <a:r>
+              <a:rPr lang="en" sz="2000" dirty="0">
+                <a:latin typeface="Arial" panose="020B0604020202020204" pitchFamily="34" charset="0"/>
+                <a:ea typeface="Roboto"/>
+                <a:cs typeface="Arial" panose="020B0604020202020204" pitchFamily="34" charset="0"/>
+                <a:sym typeface="Roboto"/>
+              </a:rPr>
+              <a:t>b</a:t>
+            </a:r>
+            <a:r>
+              <a:rPr lang="en" sz="2000" baseline="-25000" dirty="0">
+                <a:latin typeface="Arial" panose="020B0604020202020204" pitchFamily="34" charset="0"/>
+                <a:ea typeface="Roboto"/>
+                <a:cs typeface="Arial" panose="020B0604020202020204" pitchFamily="34" charset="0"/>
+                <a:sym typeface="Roboto"/>
+              </a:rPr>
+              <a:t>ev</a:t>
+            </a:r>
+            <a:r>
+              <a:rPr lang="en" sz="2000" dirty="0">
+                <a:latin typeface="Arial" panose="020B0604020202020204" pitchFamily="34" charset="0"/>
+                <a:ea typeface="Roboto"/>
+                <a:cs typeface="Arial" panose="020B0604020202020204" pitchFamily="34" charset="0"/>
+                <a:sym typeface="Roboto"/>
+              </a:rPr>
+              <a:t> = 1 if link e terminates at node v; 0, otherwise</a:t>
+            </a:r>
+            <a:endParaRPr sz="2000" dirty="0">
+              <a:latin typeface="Arial" panose="020B0604020202020204" pitchFamily="34" charset="0"/>
+              <a:ea typeface="Roboto"/>
+              <a:cs typeface="Arial" panose="020B0604020202020204" pitchFamily="34" charset="0"/>
+              <a:sym typeface="Roboto"/>
+            </a:endParaRPr>
+          </a:p>
+          <a:p>
+            <a:pPr marL="609585" indent="-423323">
+              <a:buSzPts val="1400"/>
+              <a:buFont typeface="Roboto"/>
+              <a:buChar char="●"/>
+            </a:pPr>
+            <a:r>
+              <a:rPr lang="en" sz="2000" dirty="0">
+                <a:latin typeface="Arial" panose="020B0604020202020204" pitchFamily="34" charset="0"/>
+                <a:ea typeface="Roboto"/>
+                <a:cs typeface="Arial" panose="020B0604020202020204" pitchFamily="34" charset="0"/>
+                <a:sym typeface="Roboto"/>
+              </a:rPr>
+              <a:t>W</a:t>
+            </a:r>
+            <a:r>
+              <a:rPr lang="en" sz="2000" baseline="-25000" dirty="0">
+                <a:latin typeface="Arial" panose="020B0604020202020204" pitchFamily="34" charset="0"/>
+                <a:ea typeface="Roboto"/>
+                <a:cs typeface="Arial" panose="020B0604020202020204" pitchFamily="34" charset="0"/>
+                <a:sym typeface="Roboto"/>
+              </a:rPr>
+              <a:t>s</a:t>
+            </a:r>
+            <a:r>
+              <a:rPr lang="en-US" sz="2000" baseline="-25000" dirty="0">
+                <a:latin typeface="Arial" panose="020B0604020202020204" pitchFamily="34" charset="0"/>
+                <a:ea typeface="Roboto"/>
+                <a:cs typeface="Arial" panose="020B0604020202020204" pitchFamily="34" charset="0"/>
+                <a:sym typeface="Roboto"/>
+              </a:rPr>
+              <a:t>u</a:t>
+            </a:r>
+            <a:r>
+              <a:rPr lang="en" sz="2000" dirty="0">
+                <a:latin typeface="Arial" panose="020B0604020202020204" pitchFamily="34" charset="0"/>
+                <a:ea typeface="Roboto"/>
+                <a:cs typeface="Arial" panose="020B0604020202020204" pitchFamily="34" charset="0"/>
+                <a:sym typeface="Roboto"/>
+              </a:rPr>
+              <a:t> = price of the service requested by user u</a:t>
+            </a:r>
+            <a:endParaRPr sz="2000" dirty="0">
+              <a:latin typeface="Arial" panose="020B0604020202020204" pitchFamily="34" charset="0"/>
+              <a:ea typeface="Roboto"/>
+              <a:cs typeface="Arial" panose="020B0604020202020204" pitchFamily="34" charset="0"/>
+              <a:sym typeface="Roboto"/>
+            </a:endParaRPr>
+          </a:p>
+          <a:p>
+            <a:r>
+              <a:rPr lang="en" sz="2000" dirty="0">
+                <a:latin typeface="Arial" panose="020B0604020202020204" pitchFamily="34" charset="0"/>
+                <a:ea typeface="Roboto"/>
+                <a:cs typeface="Arial" panose="020B0604020202020204" pitchFamily="34" charset="0"/>
+                <a:sym typeface="Roboto"/>
+              </a:rPr>
+              <a:t>Variables</a:t>
+            </a:r>
+            <a:endParaRPr sz="2000" dirty="0">
+              <a:latin typeface="Arial" panose="020B0604020202020204" pitchFamily="34" charset="0"/>
+              <a:ea typeface="Roboto"/>
+              <a:cs typeface="Arial" panose="020B0604020202020204" pitchFamily="34" charset="0"/>
+              <a:sym typeface="Roboto"/>
+            </a:endParaRPr>
+          </a:p>
+          <a:p>
+            <a:pPr marL="609585" indent="-423323">
+              <a:buSzPts val="1400"/>
+              <a:buFont typeface="Roboto"/>
+              <a:buChar char="●"/>
+            </a:pPr>
+            <a:r>
+              <a:rPr lang="en" sz="2000" dirty="0">
+                <a:latin typeface="Arial" panose="020B0604020202020204" pitchFamily="34" charset="0"/>
+                <a:ea typeface="Roboto"/>
+                <a:cs typeface="Arial" panose="020B0604020202020204" pitchFamily="34" charset="0"/>
+                <a:sym typeface="Roboto"/>
+              </a:rPr>
+              <a:t>x</a:t>
+            </a:r>
+            <a:r>
+              <a:rPr lang="en" sz="2000" baseline="-25000" dirty="0">
+                <a:latin typeface="Arial" panose="020B0604020202020204" pitchFamily="34" charset="0"/>
+                <a:ea typeface="Roboto"/>
+                <a:cs typeface="Arial" panose="020B0604020202020204" pitchFamily="34" charset="0"/>
+                <a:sym typeface="Roboto"/>
+              </a:rPr>
+              <a:t>nu</a:t>
+            </a:r>
+            <a:r>
+              <a:rPr lang="en" sz="2000" dirty="0">
+                <a:latin typeface="Arial" panose="020B0604020202020204" pitchFamily="34" charset="0"/>
+                <a:ea typeface="Roboto"/>
+                <a:cs typeface="Arial" panose="020B0604020202020204" pitchFamily="34" charset="0"/>
+                <a:sym typeface="Roboto"/>
+              </a:rPr>
+              <a:t> : binary variable. 1 if the request of user u is served at node n, 0 otherwise.</a:t>
+            </a:r>
+            <a:endParaRPr sz="2000" dirty="0">
+              <a:latin typeface="Arial" panose="020B0604020202020204" pitchFamily="34" charset="0"/>
+              <a:ea typeface="Roboto"/>
+              <a:cs typeface="Arial" panose="020B0604020202020204" pitchFamily="34" charset="0"/>
+              <a:sym typeface="Roboto"/>
+            </a:endParaRPr>
+          </a:p>
+          <a:p>
+            <a:pPr marL="609585" indent="-423323">
+              <a:buSzPts val="1400"/>
+              <a:buFont typeface="Roboto"/>
+              <a:buChar char="●"/>
+            </a:pPr>
+            <a:r>
+              <a:rPr lang="en" sz="2000" dirty="0">
+                <a:latin typeface="Arial" panose="020B0604020202020204" pitchFamily="34" charset="0"/>
+                <a:ea typeface="Roboto"/>
+                <a:cs typeface="Arial" panose="020B0604020202020204" pitchFamily="34" charset="0"/>
+                <a:sym typeface="Roboto"/>
+              </a:rPr>
+              <a:t>y</a:t>
+            </a:r>
+            <a:r>
+              <a:rPr lang="en" sz="2000" baseline="-25000" dirty="0">
+                <a:latin typeface="Arial" panose="020B0604020202020204" pitchFamily="34" charset="0"/>
+                <a:ea typeface="Roboto"/>
+                <a:cs typeface="Arial" panose="020B0604020202020204" pitchFamily="34" charset="0"/>
+                <a:sym typeface="Roboto"/>
+              </a:rPr>
+              <a:t>n’u</a:t>
+            </a:r>
+            <a:r>
+              <a:rPr lang="en" sz="2000" dirty="0">
+                <a:latin typeface="Arial" panose="020B0604020202020204" pitchFamily="34" charset="0"/>
+                <a:ea typeface="Roboto"/>
+                <a:cs typeface="Arial" panose="020B0604020202020204" pitchFamily="34" charset="0"/>
+                <a:sym typeface="Roboto"/>
+              </a:rPr>
+              <a:t> : binary variable. 1 if the user u access the network through node n’ where n’ ∈ N</a:t>
+            </a:r>
+            <a:r>
+              <a:rPr lang="en" sz="2000" baseline="-25000" dirty="0">
+                <a:latin typeface="Arial" panose="020B0604020202020204" pitchFamily="34" charset="0"/>
+                <a:ea typeface="Roboto"/>
+                <a:cs typeface="Arial" panose="020B0604020202020204" pitchFamily="34" charset="0"/>
+                <a:sym typeface="Roboto"/>
+              </a:rPr>
+              <a:t>u</a:t>
+            </a:r>
+            <a:r>
+              <a:rPr lang="en" sz="2000" dirty="0">
+                <a:latin typeface="Arial" panose="020B0604020202020204" pitchFamily="34" charset="0"/>
+                <a:ea typeface="Roboto"/>
+                <a:cs typeface="Arial" panose="020B0604020202020204" pitchFamily="34" charset="0"/>
+                <a:sym typeface="Roboto"/>
+              </a:rPr>
+              <a:t> , 0 otherwise</a:t>
+            </a:r>
+            <a:endParaRPr sz="2000" dirty="0">
+              <a:latin typeface="Arial" panose="020B0604020202020204" pitchFamily="34" charset="0"/>
+              <a:ea typeface="Roboto"/>
+              <a:cs typeface="Arial" panose="020B0604020202020204" pitchFamily="34" charset="0"/>
+              <a:sym typeface="Roboto"/>
+            </a:endParaRPr>
+          </a:p>
+          <a:p>
+            <a:pPr marL="609585" indent="-423323">
+              <a:buSzPts val="1400"/>
+              <a:buFont typeface="Roboto"/>
+              <a:buChar char="●"/>
+            </a:pPr>
+            <a:r>
+              <a:rPr lang="en" sz="2000" dirty="0">
+                <a:latin typeface="Arial" panose="020B0604020202020204" pitchFamily="34" charset="0"/>
+                <a:ea typeface="Roboto"/>
+                <a:cs typeface="Arial" panose="020B0604020202020204" pitchFamily="34" charset="0"/>
+                <a:sym typeface="Roboto"/>
+              </a:rPr>
+              <a:t>u</a:t>
+            </a:r>
+            <a:r>
+              <a:rPr lang="en" sz="2000" baseline="-25000" dirty="0">
+                <a:latin typeface="Arial" panose="020B0604020202020204" pitchFamily="34" charset="0"/>
+                <a:ea typeface="Roboto"/>
+                <a:cs typeface="Arial" panose="020B0604020202020204" pitchFamily="34" charset="0"/>
+                <a:sym typeface="Roboto"/>
+              </a:rPr>
+              <a:t>ue</a:t>
+            </a:r>
+            <a:r>
+              <a:rPr lang="en" sz="2000" dirty="0">
+                <a:latin typeface="Arial" panose="020B0604020202020204" pitchFamily="34" charset="0"/>
+                <a:ea typeface="Roboto"/>
+                <a:cs typeface="Arial" panose="020B0604020202020204" pitchFamily="34" charset="0"/>
+                <a:sym typeface="Roboto"/>
+              </a:rPr>
+              <a:t> : binary variable. 1 if the link e is used while serving the user u, 0 otherwise. (can be changed to volume if we want to allow flow splitting.)</a:t>
+            </a:r>
+            <a:endParaRPr sz="2000" dirty="0">
+              <a:latin typeface="Arial" panose="020B0604020202020204" pitchFamily="34" charset="0"/>
+              <a:ea typeface="Roboto"/>
+              <a:cs typeface="Arial" panose="020B0604020202020204" pitchFamily="34" charset="0"/>
+              <a:sym typeface="Roboto"/>
+            </a:endParaRPr>
+          </a:p>
+        </p:txBody>
+      </p:sp>
+      <p:sp>
+        <p:nvSpPr>
+          <p:cNvPr id="9" name="Google Shape;151;p25">
+            <a:extLst>
+              <a:ext uri="{FF2B5EF4-FFF2-40B4-BE49-F238E27FC236}">
+                <a16:creationId xmlns:a16="http://schemas.microsoft.com/office/drawing/2014/main" id="{1E664142-D4B9-44C2-AC47-8F7B7F0B2CB9}"/>
+              </a:ext>
+            </a:extLst>
+          </p:cNvPr>
+          <p:cNvSpPr txBox="1"/>
+          <p:nvPr/>
+        </p:nvSpPr>
+        <p:spPr>
+          <a:xfrm>
+            <a:off x="0" y="962100"/>
+            <a:ext cx="5475642" cy="4181400"/>
+          </a:xfrm>
+          <a:prstGeom prst="rect">
+            <a:avLst/>
+          </a:prstGeom>
+          <a:solidFill>
+            <a:srgbClr val="FFFFFF"/>
+          </a:solidFill>
+          <a:ln>
+            <a:noFill/>
+          </a:ln>
+        </p:spPr>
+        <p:txBody>
+          <a:bodyPr spcFirstLastPara="1" wrap="square" lIns="91425" tIns="91425" rIns="91425" bIns="91425" anchor="t" anchorCtr="0">
+            <a:noAutofit/>
+          </a:bodyPr>
+          <a:lstStyle/>
+          <a:p>
+            <a:pPr marL="0" lvl="0" indent="0" algn="l" rtl="0">
+              <a:spcBef>
+                <a:spcPts val="0"/>
+              </a:spcBef>
+              <a:spcAft>
+                <a:spcPts val="0"/>
+              </a:spcAft>
+              <a:buNone/>
+            </a:pPr>
+            <a:r>
+              <a:rPr lang="en" sz="2400" u="sng" dirty="0">
+                <a:latin typeface="Roboto"/>
+                <a:ea typeface="Roboto"/>
+                <a:cs typeface="Roboto"/>
+                <a:sym typeface="Roboto"/>
+              </a:rPr>
+              <a:t>Constraints</a:t>
+            </a:r>
+            <a:endParaRPr sz="2400" u="sng" dirty="0">
+              <a:latin typeface="Roboto"/>
+              <a:ea typeface="Roboto"/>
+              <a:cs typeface="Roboto"/>
+              <a:sym typeface="Roboto"/>
+            </a:endParaRPr>
+          </a:p>
+          <a:p>
+            <a:pPr marL="0" lvl="0" indent="0" algn="l" rtl="0">
+              <a:spcBef>
+                <a:spcPts val="0"/>
+              </a:spcBef>
+              <a:spcAft>
+                <a:spcPts val="0"/>
+              </a:spcAft>
+              <a:buNone/>
+            </a:pPr>
+            <a:r>
+              <a:rPr lang="en" sz="1800" dirty="0">
+                <a:latin typeface="Roboto"/>
+                <a:ea typeface="Roboto"/>
+                <a:cs typeface="Roboto"/>
+                <a:sym typeface="Roboto"/>
+              </a:rPr>
+              <a:t>1. </a:t>
+            </a:r>
+            <a:r>
+              <a:rPr lang="en" dirty="0">
+                <a:latin typeface="Roboto"/>
+                <a:ea typeface="Roboto"/>
+                <a:cs typeface="Roboto"/>
+                <a:sym typeface="Roboto"/>
+              </a:rPr>
+              <a:t>A user can be served at most one location or neglected:</a:t>
+            </a:r>
+            <a:endParaRPr dirty="0">
+              <a:latin typeface="Roboto"/>
+              <a:ea typeface="Roboto"/>
+              <a:cs typeface="Roboto"/>
+              <a:sym typeface="Roboto"/>
+            </a:endParaRPr>
+          </a:p>
+          <a:p>
+            <a:pPr marL="0" lvl="0" indent="0" algn="l" rtl="0">
+              <a:spcBef>
+                <a:spcPts val="0"/>
+              </a:spcBef>
+              <a:spcAft>
+                <a:spcPts val="0"/>
+              </a:spcAft>
+              <a:buNone/>
+            </a:pPr>
+            <a:endParaRPr dirty="0">
+              <a:latin typeface="Roboto"/>
+              <a:ea typeface="Roboto"/>
+              <a:cs typeface="Roboto"/>
+              <a:sym typeface="Roboto"/>
+            </a:endParaRPr>
+          </a:p>
+          <a:p>
+            <a:pPr marL="0" lvl="0" indent="0" algn="l" rtl="0">
+              <a:spcBef>
+                <a:spcPts val="0"/>
+              </a:spcBef>
+              <a:spcAft>
+                <a:spcPts val="0"/>
+              </a:spcAft>
+              <a:buNone/>
+            </a:pPr>
+            <a:endParaRPr sz="1800" dirty="0">
+              <a:latin typeface="Roboto"/>
+              <a:ea typeface="Roboto"/>
+              <a:cs typeface="Roboto"/>
+              <a:sym typeface="Roboto"/>
+            </a:endParaRPr>
+          </a:p>
+          <a:p>
+            <a:pPr marL="0" lvl="0" indent="0" algn="l" rtl="0">
+              <a:spcBef>
+                <a:spcPts val="0"/>
+              </a:spcBef>
+              <a:spcAft>
+                <a:spcPts val="0"/>
+              </a:spcAft>
+              <a:buNone/>
+            </a:pPr>
+            <a:endParaRPr sz="1800" dirty="0">
+              <a:latin typeface="Roboto"/>
+              <a:ea typeface="Roboto"/>
+              <a:cs typeface="Roboto"/>
+              <a:sym typeface="Roboto"/>
+            </a:endParaRPr>
+          </a:p>
+          <a:p>
+            <a:pPr marL="0" lvl="0" indent="0" algn="l" rtl="0">
+              <a:spcBef>
+                <a:spcPts val="0"/>
+              </a:spcBef>
+              <a:spcAft>
+                <a:spcPts val="0"/>
+              </a:spcAft>
+              <a:buNone/>
+            </a:pPr>
+            <a:endParaRPr lang="en-US" sz="1800" dirty="0">
+              <a:latin typeface="Roboto"/>
+              <a:ea typeface="Roboto"/>
+              <a:cs typeface="Roboto"/>
+              <a:sym typeface="Roboto"/>
+            </a:endParaRPr>
+          </a:p>
+          <a:p>
+            <a:pPr marL="0" lvl="0" indent="0" algn="l" rtl="0">
+              <a:spcBef>
+                <a:spcPts val="0"/>
+              </a:spcBef>
+              <a:spcAft>
+                <a:spcPts val="0"/>
+              </a:spcAft>
+              <a:buNone/>
+            </a:pPr>
+            <a:endParaRPr lang="en-US" dirty="0">
+              <a:latin typeface="Roboto"/>
+              <a:ea typeface="Roboto"/>
+              <a:cs typeface="Roboto"/>
+              <a:sym typeface="Roboto"/>
+            </a:endParaRPr>
+          </a:p>
+          <a:p>
+            <a:pPr marL="0" lvl="0" indent="0" algn="l" rtl="0">
+              <a:spcBef>
+                <a:spcPts val="0"/>
+              </a:spcBef>
+              <a:spcAft>
+                <a:spcPts val="0"/>
+              </a:spcAft>
+              <a:buNone/>
+            </a:pPr>
+            <a:endParaRPr sz="1800" dirty="0">
+              <a:latin typeface="Roboto"/>
+              <a:ea typeface="Roboto"/>
+              <a:cs typeface="Roboto"/>
+              <a:sym typeface="Roboto"/>
+            </a:endParaRPr>
+          </a:p>
+          <a:p>
+            <a:pPr marL="0" lvl="0" indent="0" algn="l" rtl="0">
+              <a:spcBef>
+                <a:spcPts val="0"/>
+              </a:spcBef>
+              <a:spcAft>
+                <a:spcPts val="0"/>
+              </a:spcAft>
+              <a:buNone/>
+            </a:pPr>
+            <a:r>
+              <a:rPr lang="en" sz="1800" dirty="0">
+                <a:latin typeface="Roboto"/>
+                <a:ea typeface="Roboto"/>
+                <a:cs typeface="Roboto"/>
+                <a:sym typeface="Roboto"/>
+              </a:rPr>
+              <a:t>2. </a:t>
+            </a:r>
+            <a:r>
+              <a:rPr lang="en" dirty="0">
+                <a:latin typeface="Roboto"/>
+                <a:ea typeface="Roboto"/>
+                <a:cs typeface="Roboto"/>
+                <a:sym typeface="Roboto"/>
+              </a:rPr>
+              <a:t>If a user is to be served the user needs to access the network through any of its access nodes, otherwise it shouldn’t access to the network and waste resources at access nodes:</a:t>
+            </a:r>
+            <a:endParaRPr sz="2400" dirty="0">
+              <a:latin typeface="Roboto"/>
+              <a:ea typeface="Roboto"/>
+              <a:cs typeface="Roboto"/>
+              <a:sym typeface="Roboto"/>
+            </a:endParaRPr>
+          </a:p>
+        </p:txBody>
+      </p:sp>
+      <p:pic>
+        <p:nvPicPr>
+          <p:cNvPr id="10" name="Google Shape;152;p25">
+            <a:extLst>
+              <a:ext uri="{FF2B5EF4-FFF2-40B4-BE49-F238E27FC236}">
+                <a16:creationId xmlns:a16="http://schemas.microsoft.com/office/drawing/2014/main" id="{3AC2215A-310F-494F-9C3B-ECC713B2CDB0}"/>
+              </a:ext>
+            </a:extLst>
+          </p:cNvPr>
+          <p:cNvPicPr preferRelativeResize="0"/>
+          <p:nvPr/>
+        </p:nvPicPr>
+        <p:blipFill>
+          <a:blip r:embed="rId3">
+            <a:alphaModFix/>
+          </a:blip>
+          <a:stretch>
+            <a:fillRect/>
+          </a:stretch>
+        </p:blipFill>
+        <p:spPr>
+          <a:xfrm>
+            <a:off x="633377" y="2245433"/>
+            <a:ext cx="3605136" cy="1012494"/>
+          </a:xfrm>
+          <a:prstGeom prst="rect">
+            <a:avLst/>
+          </a:prstGeom>
+          <a:noFill/>
+          <a:ln>
+            <a:noFill/>
+          </a:ln>
+        </p:spPr>
+      </p:pic>
+      <p:pic>
+        <p:nvPicPr>
+          <p:cNvPr id="11" name="Google Shape;153;p25">
+            <a:extLst>
+              <a:ext uri="{FF2B5EF4-FFF2-40B4-BE49-F238E27FC236}">
+                <a16:creationId xmlns:a16="http://schemas.microsoft.com/office/drawing/2014/main" id="{3B3B2B32-43E5-4620-8ECE-EEC36CAD7ECB}"/>
+              </a:ext>
+            </a:extLst>
+          </p:cNvPr>
+          <p:cNvPicPr preferRelativeResize="0"/>
+          <p:nvPr/>
+        </p:nvPicPr>
+        <p:blipFill>
+          <a:blip r:embed="rId4">
+            <a:alphaModFix/>
+          </a:blip>
+          <a:stretch>
+            <a:fillRect/>
+          </a:stretch>
+        </p:blipFill>
+        <p:spPr>
+          <a:xfrm>
+            <a:off x="275276" y="5143500"/>
+            <a:ext cx="4925089" cy="1152121"/>
+          </a:xfrm>
+          <a:prstGeom prst="rect">
+            <a:avLst/>
+          </a:prstGeom>
+          <a:noFill/>
+          <a:ln>
+            <a:noFill/>
+          </a:ln>
+        </p:spPr>
+      </p:pic>
+    </p:spTree>
+    <p:extLst>
+      <p:ext uri="{BB962C8B-B14F-4D97-AF65-F5344CB8AC3E}">
+        <p14:creationId xmlns:p14="http://schemas.microsoft.com/office/powerpoint/2010/main" val="2271738301"/>
+      </p:ext>
+    </p:extLst>
+  </p:cSld>
+  <p:clrMapOvr>
+    <a:masterClrMapping/>
+  </p:clrMapOvr>
+  <mc:AlternateContent xmlns:mc="http://schemas.openxmlformats.org/markup-compatibility/2006" xmlns:p14="http://schemas.microsoft.com/office/powerpoint/2010/main">
+    <mc:Choice Requires="p14">
+      <p:transition spd="slow" p14:dur="2000" advTm="23193"/>
+    </mc:Choice>
+    <mc:Fallback xmlns="">
+      <p:transition spd="slow" advTm="23193"/>
+    </mc:Fallback>
+  </mc:AlternateContent>
+</p:sld>
+</file>
+
+<file path=ppt/slides/slide11.xml><?xml version="1.0" encoding="utf-8"?>
+<p:sld xmlns:a="http://schemas.openxmlformats.org/drawingml/2006/main" xmlns:r="http://schemas.openxmlformats.org/officeDocument/2006/relationships" xmlns:p="http://schemas.openxmlformats.org/presentationml/2006/main">
+  <p:cSld>
+    <p:spTree>
+      <p:nvGrpSpPr>
+        <p:cNvPr id="1" name=""/>
+        <p:cNvGrpSpPr/>
+        <p:nvPr/>
+      </p:nvGrpSpPr>
+      <p:grpSpPr>
+        <a:xfrm>
+          <a:off x="0" y="0"/>
+          <a:ext cx="0" cy="0"/>
+          <a:chOff x="0" y="0"/>
+          <a:chExt cx="0" cy="0"/>
+        </a:xfrm>
+      </p:grpSpPr>
+      <p:sp>
+        <p:nvSpPr>
+          <p:cNvPr id="5" name="Slide Number Placeholder 4">
+            <a:extLst>
+              <a:ext uri="{FF2B5EF4-FFF2-40B4-BE49-F238E27FC236}">
+                <a16:creationId xmlns:a16="http://schemas.microsoft.com/office/drawing/2014/main" id="{708D6854-4091-4CEA-A681-39B1305E1A61}"/>
+              </a:ext>
+            </a:extLst>
+          </p:cNvPr>
+          <p:cNvSpPr>
+            <a:spLocks noGrp="1"/>
+          </p:cNvSpPr>
+          <p:nvPr>
+            <p:ph type="sldNum" idx="12"/>
+          </p:nvPr>
+        </p:nvSpPr>
+        <p:spPr/>
+        <p:txBody>
+          <a:bodyPr/>
+          <a:lstStyle/>
+          <a:p>
+            <a:pPr defTabSz="1219170"/>
+            <a:fld id="{00000000-1234-1234-1234-123412341234}" type="slidenum">
+              <a:rPr lang="en-US" kern="0"/>
+              <a:pPr defTabSz="1219170"/>
+              <a:t>11</a:t>
             </a:fld>
             <a:endParaRPr lang="en-US" kern="0" dirty="0"/>
           </a:p>
@@ -11924,7 +12039,7 @@
 </p:sld>
 </file>
 
-<file path=ppt/slides/slide11.xml><?xml version="1.0" encoding="utf-8"?>
+<file path=ppt/slides/slide12.xml><?xml version="1.0" encoding="utf-8"?>
 <p:sld xmlns:a="http://schemas.openxmlformats.org/drawingml/2006/main" xmlns:r="http://schemas.openxmlformats.org/officeDocument/2006/relationships" xmlns:p="http://schemas.openxmlformats.org/presentationml/2006/main">
   <p:cSld>
     <p:spTree>
@@ -11966,7 +12081,7 @@
             <a:fld id="{00000000-1234-1234-1234-123412341234}" type="slidenum">
               <a:rPr lang="en-US" kern="0"/>
               <a:pPr defTabSz="1219170"/>
-              <a:t>11</a:t>
+              <a:t>12</a:t>
             </a:fld>
             <a:endParaRPr lang="en-US" kern="0" dirty="0"/>
           </a:p>
@@ -13144,7 +13259,7 @@
 </p:sld>
 </file>
 
-<file path=ppt/slides/slide12.xml><?xml version="1.0" encoding="utf-8"?>
+<file path=ppt/slides/slide13.xml><?xml version="1.0" encoding="utf-8"?>
 <p:sld xmlns:a="http://schemas.openxmlformats.org/drawingml/2006/main" xmlns:r="http://schemas.openxmlformats.org/officeDocument/2006/relationships" xmlns:p="http://schemas.openxmlformats.org/presentationml/2006/main">
   <p:cSld>
     <p:spTree>
@@ -13186,7 +13301,7 @@
             <a:fld id="{00000000-1234-1234-1234-123412341234}" type="slidenum">
               <a:rPr lang="en-US" kern="0"/>
               <a:pPr defTabSz="1219170"/>
-              <a:t>12</a:t>
+              <a:t>13</a:t>
             </a:fld>
             <a:endParaRPr lang="en-US" kern="0" dirty="0"/>
           </a:p>
@@ -14253,7 +14368,7 @@
 </p:sld>
 </file>
 
-<file path=ppt/slides/slide13.xml><?xml version="1.0" encoding="utf-8"?>
+<file path=ppt/slides/slide14.xml><?xml version="1.0" encoding="utf-8"?>
 <p:sld xmlns:a="http://schemas.openxmlformats.org/drawingml/2006/main" xmlns:r="http://schemas.openxmlformats.org/officeDocument/2006/relationships" xmlns:p="http://schemas.openxmlformats.org/presentationml/2006/main">
   <p:cSld>
     <p:spTree>
@@ -15067,7 +15182,7 @@
 </p:sld>
 </file>
 
-<file path=ppt/slides/slide14.xml><?xml version="1.0" encoding="utf-8"?>
+<file path=ppt/slides/slide15.xml><?xml version="1.0" encoding="utf-8"?>
 <p:sld xmlns:a="http://schemas.openxmlformats.org/drawingml/2006/main" xmlns:r="http://schemas.openxmlformats.org/officeDocument/2006/relationships" xmlns:p="http://schemas.openxmlformats.org/presentationml/2006/main">
   <p:cSld>
     <p:spTree>
@@ -15109,7 +15224,7 @@
             <a:fld id="{00000000-1234-1234-1234-123412341234}" type="slidenum">
               <a:rPr lang="en-US" kern="0"/>
               <a:pPr defTabSz="1219170"/>
-              <a:t>14</a:t>
+              <a:t>15</a:t>
             </a:fld>
             <a:endParaRPr lang="en-US" kern="0" dirty="0"/>
           </a:p>
@@ -15197,7 +15312,7 @@
 </p:sld>
 </file>
 
-<file path=ppt/slides/slide15.xml><?xml version="1.0" encoding="utf-8"?>
+<file path=ppt/slides/slide16.xml><?xml version="1.0" encoding="utf-8"?>
 <p:sld xmlns:a="http://schemas.openxmlformats.org/drawingml/2006/main" xmlns:r="http://schemas.openxmlformats.org/officeDocument/2006/relationships" xmlns:p="http://schemas.openxmlformats.org/presentationml/2006/main">
   <p:cSld>
     <p:spTree>
@@ -15266,7 +15381,7 @@
             <a:fld id="{00000000-1234-1234-1234-123412341234}" type="slidenum">
               <a:rPr lang="en-US" smtClean="0"/>
               <a:pPr/>
-              <a:t>15</a:t>
+              <a:t>16</a:t>
             </a:fld>
             <a:endParaRPr lang="en-US"/>
           </a:p>
@@ -15455,7 +15570,7 @@
 </p:sld>
 </file>
 
-<file path=ppt/slides/slide16.xml><?xml version="1.0" encoding="utf-8"?>
+<file path=ppt/slides/slide17.xml><?xml version="1.0" encoding="utf-8"?>
 <p:sld xmlns:a="http://schemas.openxmlformats.org/drawingml/2006/main" xmlns:r="http://schemas.openxmlformats.org/officeDocument/2006/relationships" xmlns:p="http://schemas.openxmlformats.org/presentationml/2006/main">
   <p:cSld>
     <p:spTree>
@@ -15525,7 +15640,7 @@
             <a:fld id="{00000000-1234-1234-1234-123412341234}" type="slidenum">
               <a:rPr lang="en-US" smtClean="0"/>
               <a:pPr/>
-              <a:t>16</a:t>
+              <a:t>17</a:t>
             </a:fld>
             <a:endParaRPr lang="en-US"/>
           </a:p>
@@ -15944,7 +16059,7 @@
 </p:sld>
 </file>
 
-<file path=ppt/slides/slide17.xml><?xml version="1.0" encoding="utf-8"?>
+<file path=ppt/slides/slide18.xml><?xml version="1.0" encoding="utf-8"?>
 <p:sld xmlns:a="http://schemas.openxmlformats.org/drawingml/2006/main" xmlns:r="http://schemas.openxmlformats.org/officeDocument/2006/relationships" xmlns:p="http://schemas.openxmlformats.org/presentationml/2006/main">
   <p:cSld>
     <p:spTree>
@@ -16045,7 +16160,7 @@
             <a:fld id="{00000000-1234-1234-1234-123412341234}" type="slidenum">
               <a:rPr lang="en-US" smtClean="0"/>
               <a:pPr/>
-              <a:t>17</a:t>
+              <a:t>18</a:t>
             </a:fld>
             <a:endParaRPr lang="en-US"/>
           </a:p>
@@ -16513,7 +16628,7 @@
 </p:sld>
 </file>
 
-<file path=ppt/slides/slide18.xml><?xml version="1.0" encoding="utf-8"?>
+<file path=ppt/slides/slide19.xml><?xml version="1.0" encoding="utf-8"?>
 <p:sld xmlns:a="http://schemas.openxmlformats.org/drawingml/2006/main" xmlns:r="http://schemas.openxmlformats.org/officeDocument/2006/relationships" xmlns:p="http://schemas.openxmlformats.org/presentationml/2006/main">
   <p:cSld>
     <p:spTree>
@@ -16653,7 +16768,7 @@
             <a:fld id="{00000000-1234-1234-1234-123412341234}" type="slidenum">
               <a:rPr lang="en-US" smtClean="0"/>
               <a:pPr/>
-              <a:t>18</a:t>
+              <a:t>19</a:t>
             </a:fld>
             <a:endParaRPr lang="en-US" dirty="0"/>
           </a:p>
@@ -16680,7 +16795,469 @@
 </p:sld>
 </file>
 
-<file path=ppt/slides/slide19.xml><?xml version="1.0" encoding="utf-8"?>
+<file path=ppt/slides/slide2.xml><?xml version="1.0" encoding="utf-8"?>
+<p:sld xmlns:a="http://schemas.openxmlformats.org/drawingml/2006/main" xmlns:r="http://schemas.openxmlformats.org/officeDocument/2006/relationships" xmlns:p="http://schemas.openxmlformats.org/presentationml/2006/main">
+  <p:cSld>
+    <p:spTree>
+      <p:nvGrpSpPr>
+        <p:cNvPr id="1" name="Shape 71"/>
+        <p:cNvGrpSpPr/>
+        <p:nvPr/>
+      </p:nvGrpSpPr>
+      <p:grpSpPr>
+        <a:xfrm>
+          <a:off x="0" y="0"/>
+          <a:ext cx="0" cy="0"/>
+          <a:chOff x="0" y="0"/>
+          <a:chExt cx="0" cy="0"/>
+        </a:xfrm>
+      </p:grpSpPr>
+      <p:sp>
+        <p:nvSpPr>
+          <p:cNvPr id="72" name="Google Shape;72;p9"/>
+          <p:cNvSpPr txBox="1">
+            <a:spLocks noGrp="1"/>
+          </p:cNvSpPr>
+          <p:nvPr>
+            <p:ph type="body" idx="1"/>
+          </p:nvPr>
+        </p:nvSpPr>
+        <p:spPr>
+          <a:xfrm>
+            <a:off x="331193" y="932318"/>
+            <a:ext cx="11776952" cy="5400333"/>
+          </a:xfrm>
+          <a:prstGeom prst="rect">
+            <a:avLst/>
+          </a:prstGeom>
+          <a:noFill/>
+          <a:ln>
+            <a:noFill/>
+          </a:ln>
+        </p:spPr>
+        <p:txBody>
+          <a:bodyPr spcFirstLastPara="1" wrap="square" lIns="0" tIns="0" rIns="0" bIns="0" anchor="t" anchorCtr="0">
+            <a:noAutofit/>
+          </a:bodyPr>
+          <a:lstStyle/>
+          <a:p>
+            <a:pPr marL="0" indent="0">
+              <a:buClr>
+                <a:schemeClr val="dk1"/>
+              </a:buClr>
+              <a:buSzPts val="1800"/>
+              <a:buFont typeface="Arial"/>
+              <a:buChar char="•"/>
+            </a:pPr>
+            <a:r>
+              <a:rPr lang="en-US" sz="2800" dirty="0"/>
+              <a:t>Motivation</a:t>
+            </a:r>
+            <a:endParaRPr sz="2800" dirty="0"/>
+          </a:p>
+          <a:p>
+            <a:pPr marL="838179" lvl="1" indent="-228594">
+              <a:buChar char="•"/>
+            </a:pPr>
+            <a:r>
+              <a:rPr lang="en-US" sz="2000" dirty="0"/>
+              <a:t>Achieving </a:t>
+            </a:r>
+            <a:r>
+              <a:rPr lang="en-US" sz="2000" b="1" dirty="0"/>
+              <a:t>U</a:t>
+            </a:r>
+            <a:r>
+              <a:rPr lang="en-US" sz="2000" dirty="0"/>
+              <a:t>ltra </a:t>
+            </a:r>
+            <a:r>
+              <a:rPr lang="en-US" sz="2000" b="1" dirty="0"/>
+              <a:t>R</a:t>
+            </a:r>
+            <a:r>
+              <a:rPr lang="en-US" sz="2000" dirty="0"/>
+              <a:t>eliable </a:t>
+            </a:r>
+            <a:r>
+              <a:rPr lang="en-US" sz="2000" b="1" dirty="0"/>
+              <a:t>L</a:t>
+            </a:r>
+            <a:r>
+              <a:rPr lang="en-US" sz="2000" dirty="0"/>
+              <a:t>ow </a:t>
+            </a:r>
+            <a:r>
+              <a:rPr lang="en-US" sz="2000" b="1" dirty="0"/>
+              <a:t>L</a:t>
+            </a:r>
+            <a:r>
+              <a:rPr lang="en-US" sz="2000" dirty="0"/>
+              <a:t>atency </a:t>
+            </a:r>
+            <a:r>
+              <a:rPr lang="en-US" sz="2000" b="1" dirty="0"/>
+              <a:t>C</a:t>
+            </a:r>
+            <a:r>
+              <a:rPr lang="en-US" sz="2000" dirty="0"/>
+              <a:t>ommunications (URLLC)</a:t>
+            </a:r>
+            <a:endParaRPr sz="2000" dirty="0"/>
+          </a:p>
+          <a:p>
+            <a:pPr indent="-609585">
+              <a:buClr>
+                <a:schemeClr val="dk1"/>
+              </a:buClr>
+              <a:buSzPts val="1800"/>
+              <a:buChar char="•"/>
+            </a:pPr>
+            <a:r>
+              <a:rPr lang="en-US" sz="2400" dirty="0"/>
+              <a:t>Key enablers of 5G networking</a:t>
+            </a:r>
+            <a:endParaRPr sz="2400" dirty="0"/>
+          </a:p>
+          <a:p>
+            <a:pPr marL="838179" lvl="1" indent="-228594">
+              <a:buChar char="•"/>
+            </a:pPr>
+            <a:r>
+              <a:rPr lang="en-US" sz="2000" b="1" dirty="0"/>
+              <a:t>M</a:t>
+            </a:r>
+            <a:r>
+              <a:rPr lang="en-US" sz="2000" dirty="0"/>
+              <a:t>obile </a:t>
+            </a:r>
+            <a:r>
+              <a:rPr lang="en-US" sz="2000" b="1" dirty="0"/>
+              <a:t>E</a:t>
+            </a:r>
+            <a:r>
+              <a:rPr lang="en-US" sz="2000" dirty="0"/>
+              <a:t>dge </a:t>
+            </a:r>
+            <a:r>
+              <a:rPr lang="en-US" sz="2000" b="1" dirty="0"/>
+              <a:t>C</a:t>
+            </a:r>
+            <a:r>
+              <a:rPr lang="en-US" sz="2000" dirty="0"/>
+              <a:t>omputing (MEC)</a:t>
+            </a:r>
+            <a:endParaRPr sz="2000" dirty="0"/>
+          </a:p>
+          <a:p>
+            <a:pPr marL="838179" lvl="1" indent="-228594">
+              <a:buChar char="•"/>
+            </a:pPr>
+            <a:r>
+              <a:rPr lang="en-US" sz="2000" b="1" dirty="0"/>
+              <a:t>N</a:t>
+            </a:r>
+            <a:r>
+              <a:rPr lang="en-US" sz="2000" dirty="0"/>
+              <a:t>etwork </a:t>
+            </a:r>
+            <a:r>
+              <a:rPr lang="en-US" sz="2000" b="1" dirty="0"/>
+              <a:t>F</a:t>
+            </a:r>
+            <a:r>
+              <a:rPr lang="en-US" sz="2000" dirty="0"/>
+              <a:t>unction </a:t>
+            </a:r>
+            <a:r>
+              <a:rPr lang="en-US" sz="2000" b="1" dirty="0"/>
+              <a:t>V</a:t>
+            </a:r>
+            <a:r>
+              <a:rPr lang="en-US" sz="2000" dirty="0"/>
+              <a:t>irtualization (NFV)</a:t>
+            </a:r>
+            <a:endParaRPr sz="2000" dirty="0"/>
+          </a:p>
+          <a:p>
+            <a:pPr marL="838179" lvl="1" indent="-228594">
+              <a:buChar char="•"/>
+            </a:pPr>
+            <a:r>
+              <a:rPr lang="en-US" sz="2000" b="1" dirty="0"/>
+              <a:t>S</a:t>
+            </a:r>
+            <a:r>
+              <a:rPr lang="en-US" sz="2000" dirty="0"/>
+              <a:t>oftware </a:t>
+            </a:r>
+            <a:r>
+              <a:rPr lang="en-US" sz="2000" b="1" dirty="0"/>
+              <a:t>D</a:t>
+            </a:r>
+            <a:r>
+              <a:rPr lang="en-US" sz="2000" dirty="0"/>
+              <a:t>efined </a:t>
+            </a:r>
+            <a:r>
+              <a:rPr lang="en-US" sz="2000" b="1" dirty="0"/>
+              <a:t>N</a:t>
+            </a:r>
+            <a:r>
+              <a:rPr lang="en-US" sz="2000" dirty="0"/>
+              <a:t>etworks (SDN) </a:t>
+            </a:r>
+            <a:endParaRPr sz="2000" dirty="0"/>
+          </a:p>
+          <a:p>
+            <a:pPr indent="-609585">
+              <a:buClr>
+                <a:schemeClr val="dk1"/>
+              </a:buClr>
+              <a:buSzPts val="1800"/>
+              <a:buChar char="•"/>
+            </a:pPr>
+            <a:r>
+              <a:rPr lang="en-US" sz="2400" dirty="0"/>
+              <a:t>Issues, Problems</a:t>
+            </a:r>
+            <a:endParaRPr sz="2400" dirty="0"/>
+          </a:p>
+          <a:p>
+            <a:pPr marL="838179" lvl="1" indent="-228594">
+              <a:buChar char="•"/>
+            </a:pPr>
+            <a:r>
+              <a:rPr lang="en-US" sz="2000" dirty="0"/>
+              <a:t>MEC resources are limited, distributed -&gt; constraints on storage, computational power, bandwidth</a:t>
+            </a:r>
+            <a:endParaRPr sz="2000" dirty="0"/>
+          </a:p>
+          <a:p>
+            <a:pPr marL="838179" lvl="1" indent="-228594">
+              <a:buChar char="•"/>
+            </a:pPr>
+            <a:r>
+              <a:rPr lang="en-US" sz="2000" dirty="0"/>
+              <a:t>Varying wireless links</a:t>
+            </a:r>
+            <a:endParaRPr sz="2000" dirty="0"/>
+          </a:p>
+          <a:p>
+            <a:pPr marL="838179" lvl="1" indent="-228594">
+              <a:buChar char="•"/>
+            </a:pPr>
+            <a:r>
+              <a:rPr lang="en-US" sz="2000" dirty="0"/>
+              <a:t>Coupled functions</a:t>
+            </a:r>
+          </a:p>
+          <a:p>
+            <a:pPr marL="838179" lvl="1" indent="-228594">
+              <a:buChar char="•"/>
+            </a:pPr>
+            <a:r>
+              <a:rPr lang="en-US" sz="2000" dirty="0"/>
+              <a:t>Delay Limited Services</a:t>
+            </a:r>
+          </a:p>
+          <a:p>
+            <a:pPr indent="-609585">
+              <a:buClr>
+                <a:schemeClr val="dk1"/>
+              </a:buClr>
+              <a:buSzPts val="1800"/>
+              <a:buChar char="•"/>
+            </a:pPr>
+            <a:r>
+              <a:rPr lang="en-US" sz="2400" dirty="0"/>
+              <a:t>Possible Solutions</a:t>
+            </a:r>
+            <a:endParaRPr sz="2400" dirty="0"/>
+          </a:p>
+          <a:p>
+            <a:pPr marL="838179" lvl="1" indent="-228594">
+              <a:buChar char="•"/>
+            </a:pPr>
+            <a:r>
+              <a:rPr lang="en-US" sz="2000" dirty="0"/>
+              <a:t>Optimization framework to allocate services and functionalities while satisfying service requirements </a:t>
+            </a:r>
+            <a:endParaRPr sz="2000" dirty="0"/>
+          </a:p>
+          <a:p>
+            <a:pPr marL="1447764" lvl="2" indent="-228594"/>
+            <a:r>
+              <a:rPr lang="en-US" sz="2000" dirty="0"/>
+              <a:t>virtualization of network functions based on physical constraints of the network.</a:t>
+            </a:r>
+            <a:endParaRPr sz="2000" dirty="0"/>
+          </a:p>
+          <a:p>
+            <a:pPr indent="-609585">
+              <a:buClr>
+                <a:schemeClr val="dk1"/>
+              </a:buClr>
+              <a:buSzPts val="1800"/>
+              <a:buChar char="•"/>
+            </a:pPr>
+            <a:r>
+              <a:rPr lang="en-US" sz="2400" dirty="0"/>
+              <a:t>Benefits</a:t>
+            </a:r>
+            <a:endParaRPr sz="2400" dirty="0"/>
+          </a:p>
+          <a:p>
+            <a:pPr marL="838179" lvl="1" indent="-228594">
+              <a:buChar char="•"/>
+            </a:pPr>
+            <a:r>
+              <a:rPr lang="en-US" sz="2000" dirty="0"/>
+              <a:t>Proof of achievability of services with tight quality of service (QoS) requirements</a:t>
+            </a:r>
+            <a:endParaRPr sz="2000" dirty="0"/>
+          </a:p>
+          <a:p>
+            <a:pPr marL="0" indent="0"/>
+            <a:endParaRPr sz="1800" dirty="0"/>
+          </a:p>
+          <a:p>
+            <a:pPr marL="838179" indent="0">
+              <a:buClr>
+                <a:schemeClr val="dk1"/>
+              </a:buClr>
+              <a:buSzPts val="1100"/>
+            </a:pPr>
+            <a:endParaRPr sz="1600" dirty="0"/>
+          </a:p>
+          <a:p>
+            <a:pPr marL="838179" indent="0"/>
+            <a:endParaRPr sz="1600" dirty="0"/>
+          </a:p>
+        </p:txBody>
+      </p:sp>
+      <p:sp>
+        <p:nvSpPr>
+          <p:cNvPr id="73" name="Google Shape;73;p9"/>
+          <p:cNvSpPr txBox="1">
+            <a:spLocks noGrp="1"/>
+          </p:cNvSpPr>
+          <p:nvPr>
+            <p:ph type="sldNum" idx="12"/>
+          </p:nvPr>
+        </p:nvSpPr>
+        <p:spPr>
+          <a:prstGeom prst="rect">
+            <a:avLst/>
+          </a:prstGeom>
+          <a:noFill/>
+          <a:ln>
+            <a:noFill/>
+          </a:ln>
+        </p:spPr>
+        <p:txBody>
+          <a:bodyPr spcFirstLastPara="1" wrap="square" lIns="121900" tIns="60933" rIns="121900" bIns="60933" anchor="ctr" anchorCtr="0">
+            <a:noAutofit/>
+          </a:bodyPr>
+          <a:lstStyle/>
+          <a:p>
+            <a:fld id="{00000000-1234-1234-1234-123412341234}" type="slidenum">
+              <a:rPr lang="en-US"/>
+              <a:pPr/>
+              <a:t>2</a:t>
+            </a:fld>
+            <a:endParaRPr/>
+          </a:p>
+        </p:txBody>
+      </p:sp>
+      <p:sp>
+        <p:nvSpPr>
+          <p:cNvPr id="75" name="Google Shape;75;p9"/>
+          <p:cNvSpPr txBox="1">
+            <a:spLocks noGrp="1"/>
+          </p:cNvSpPr>
+          <p:nvPr>
+            <p:ph type="title"/>
+          </p:nvPr>
+        </p:nvSpPr>
+        <p:spPr>
+          <a:prstGeom prst="rect">
+            <a:avLst/>
+          </a:prstGeom>
+          <a:noFill/>
+          <a:ln>
+            <a:noFill/>
+          </a:ln>
+        </p:spPr>
+        <p:txBody>
+          <a:bodyPr spcFirstLastPara="1" wrap="square" lIns="121900" tIns="60933" rIns="121900" bIns="60933" anchor="ctr" anchorCtr="0">
+            <a:noAutofit/>
+          </a:bodyPr>
+          <a:lstStyle/>
+          <a:p>
+            <a:r>
+              <a:rPr lang="en-US" sz="3200" b="1" dirty="0">
+                <a:solidFill>
+                  <a:schemeClr val="bg1"/>
+                </a:solidFill>
+              </a:rPr>
+              <a:t>Overview</a:t>
+            </a:r>
+            <a:endParaRPr sz="3200" b="1" dirty="0">
+              <a:solidFill>
+                <a:schemeClr val="bg1"/>
+              </a:solidFill>
+            </a:endParaRPr>
+          </a:p>
+        </p:txBody>
+      </p:sp>
+      <p:sp>
+        <p:nvSpPr>
+          <p:cNvPr id="74" name="Google Shape;74;p9"/>
+          <p:cNvSpPr txBox="1"/>
+          <p:nvPr/>
+        </p:nvSpPr>
+        <p:spPr>
+          <a:xfrm>
+            <a:off x="2560515" y="190269"/>
+            <a:ext cx="7318308" cy="551780"/>
+          </a:xfrm>
+          <a:prstGeom prst="rect">
+            <a:avLst/>
+          </a:prstGeom>
+          <a:noFill/>
+          <a:ln>
+            <a:noFill/>
+          </a:ln>
+        </p:spPr>
+        <p:txBody>
+          <a:bodyPr spcFirstLastPara="1" wrap="square" lIns="121900" tIns="60933" rIns="121900" bIns="60933" anchor="ctr" anchorCtr="0">
+            <a:noAutofit/>
+          </a:bodyPr>
+          <a:lstStyle/>
+          <a:p>
+            <a:pPr algn="ctr"/>
+            <a:endParaRPr sz="2667" b="1">
+              <a:solidFill>
+                <a:schemeClr val="lt1"/>
+              </a:solidFill>
+              <a:latin typeface="Arial"/>
+              <a:ea typeface="Arial"/>
+              <a:cs typeface="Arial"/>
+              <a:sym typeface="Arial"/>
+            </a:endParaRPr>
+          </a:p>
+        </p:txBody>
+      </p:sp>
+    </p:spTree>
+  </p:cSld>
+  <p:clrMapOvr>
+    <a:masterClrMapping/>
+  </p:clrMapOvr>
+</p:sld>
+</file>
+
+<file path=ppt/slides/slide20.xml><?xml version="1.0" encoding="utf-8"?>
 <p:sld xmlns:a="http://schemas.openxmlformats.org/drawingml/2006/main" xmlns:r="http://schemas.openxmlformats.org/officeDocument/2006/relationships" xmlns:p="http://schemas.openxmlformats.org/presentationml/2006/main">
   <p:cSld>
     <p:spTree>
@@ -17317,417 +17894,7 @@
 </p:sld>
 </file>
 
-<file path=ppt/slides/slide2.xml><?xml version="1.0" encoding="utf-8"?>
-<p:sld xmlns:a="http://schemas.openxmlformats.org/drawingml/2006/main" xmlns:r="http://schemas.openxmlformats.org/officeDocument/2006/relationships" xmlns:p="http://schemas.openxmlformats.org/presentationml/2006/main">
-  <p:cSld>
-    <p:spTree>
-      <p:nvGrpSpPr>
-        <p:cNvPr id="1" name="Shape 79"/>
-        <p:cNvGrpSpPr/>
-        <p:nvPr/>
-      </p:nvGrpSpPr>
-      <p:grpSpPr>
-        <a:xfrm>
-          <a:off x="0" y="0"/>
-          <a:ext cx="0" cy="0"/>
-          <a:chOff x="0" y="0"/>
-          <a:chExt cx="0" cy="0"/>
-        </a:xfrm>
-      </p:grpSpPr>
-      <p:sp>
-        <p:nvSpPr>
-          <p:cNvPr id="81" name="Google Shape;81;p10"/>
-          <p:cNvSpPr txBox="1">
-            <a:spLocks noGrp="1"/>
-          </p:cNvSpPr>
-          <p:nvPr>
-            <p:ph type="title"/>
-          </p:nvPr>
-        </p:nvSpPr>
-        <p:spPr>
-          <a:xfrm>
-            <a:off x="582507" y="0"/>
-            <a:ext cx="10972800" cy="812800"/>
-          </a:xfrm>
-          <a:prstGeom prst="rect">
-            <a:avLst/>
-          </a:prstGeom>
-          <a:noFill/>
-          <a:ln>
-            <a:noFill/>
-          </a:ln>
-        </p:spPr>
-        <p:txBody>
-          <a:bodyPr spcFirstLastPara="1" wrap="square" lIns="121900" tIns="60933" rIns="121900" bIns="60933" anchor="ctr" anchorCtr="0">
-            <a:noAutofit/>
-          </a:bodyPr>
-          <a:lstStyle/>
-          <a:p>
-            <a:r>
-              <a:rPr lang="en-US" sz="3200" b="1" dirty="0">
-                <a:solidFill>
-                  <a:schemeClr val="bg1"/>
-                </a:solidFill>
-              </a:rPr>
-              <a:t>Motivation</a:t>
-            </a:r>
-            <a:endParaRPr sz="3200" b="1" dirty="0">
-              <a:solidFill>
-                <a:schemeClr val="bg1"/>
-              </a:solidFill>
-            </a:endParaRPr>
-          </a:p>
-        </p:txBody>
-      </p:sp>
-      <p:sp>
-        <p:nvSpPr>
-          <p:cNvPr id="80" name="Google Shape;80;p10"/>
-          <p:cNvSpPr txBox="1">
-            <a:spLocks noGrp="1"/>
-          </p:cNvSpPr>
-          <p:nvPr>
-            <p:ph type="sldNum" idx="12"/>
-          </p:nvPr>
-        </p:nvSpPr>
-        <p:spPr>
-          <a:xfrm>
-            <a:off x="9347200" y="6477848"/>
-            <a:ext cx="2844800" cy="366000"/>
-          </a:xfrm>
-          <a:prstGeom prst="rect">
-            <a:avLst/>
-          </a:prstGeom>
-          <a:noFill/>
-          <a:ln>
-            <a:noFill/>
-          </a:ln>
-        </p:spPr>
-        <p:txBody>
-          <a:bodyPr spcFirstLastPara="1" wrap="square" lIns="121900" tIns="60933" rIns="121900" bIns="60933" anchor="ctr" anchorCtr="0">
-            <a:noAutofit/>
-          </a:bodyPr>
-          <a:lstStyle/>
-          <a:p>
-            <a:fld id="{00000000-1234-1234-1234-123412341234}" type="slidenum">
-              <a:rPr lang="en-US"/>
-              <a:pPr/>
-              <a:t>2</a:t>
-            </a:fld>
-            <a:endParaRPr/>
-          </a:p>
-        </p:txBody>
-      </p:sp>
-      <p:sp>
-        <p:nvSpPr>
-          <p:cNvPr id="82" name="Google Shape;82;p10"/>
-          <p:cNvSpPr txBox="1"/>
-          <p:nvPr/>
-        </p:nvSpPr>
-        <p:spPr>
-          <a:xfrm>
-            <a:off x="546500" y="962633"/>
-            <a:ext cx="11020400" cy="685600"/>
-          </a:xfrm>
-          <a:prstGeom prst="rect">
-            <a:avLst/>
-          </a:prstGeom>
-          <a:noFill/>
-          <a:ln>
-            <a:noFill/>
-          </a:ln>
-        </p:spPr>
-        <p:txBody>
-          <a:bodyPr spcFirstLastPara="1" wrap="square" lIns="121900" tIns="60933" rIns="121900" bIns="60933" anchor="t" anchorCtr="0">
-            <a:noAutofit/>
-          </a:bodyPr>
-          <a:lstStyle/>
-          <a:p>
-            <a:pPr marL="457189" indent="-457189"/>
-            <a:r>
-              <a:rPr lang="en-US" sz="3200">
-                <a:solidFill>
-                  <a:schemeClr val="dk1"/>
-                </a:solidFill>
-              </a:rPr>
-              <a:t>Applications requiring ultra reliability and/or low latency</a:t>
-            </a:r>
-            <a:endParaRPr sz="2400">
-              <a:solidFill>
-                <a:schemeClr val="dk1"/>
-              </a:solidFill>
-            </a:endParaRPr>
-          </a:p>
-          <a:p>
-            <a:pPr marL="457189" indent="-457189">
-              <a:spcBef>
-                <a:spcPts val="640"/>
-              </a:spcBef>
-            </a:pPr>
-            <a:endParaRPr sz="3200">
-              <a:solidFill>
-                <a:schemeClr val="dk1"/>
-              </a:solidFill>
-              <a:latin typeface="Arial"/>
-              <a:ea typeface="Arial"/>
-              <a:cs typeface="Arial"/>
-              <a:sym typeface="Arial"/>
-            </a:endParaRPr>
-          </a:p>
-        </p:txBody>
-      </p:sp>
-      <p:pic>
-        <p:nvPicPr>
-          <p:cNvPr id="83" name="Google Shape;83;p10"/>
-          <p:cNvPicPr preferRelativeResize="0"/>
-          <p:nvPr/>
-        </p:nvPicPr>
-        <p:blipFill>
-          <a:blip r:embed="rId3">
-            <a:alphaModFix/>
-          </a:blip>
-          <a:stretch>
-            <a:fillRect/>
-          </a:stretch>
-        </p:blipFill>
-        <p:spPr>
-          <a:xfrm>
-            <a:off x="1768865" y="1648133"/>
-            <a:ext cx="2499468" cy="1540200"/>
-          </a:xfrm>
-          <a:prstGeom prst="rect">
-            <a:avLst/>
-          </a:prstGeom>
-          <a:noFill/>
-          <a:ln>
-            <a:noFill/>
-          </a:ln>
-        </p:spPr>
-      </p:pic>
-      <p:sp>
-        <p:nvSpPr>
-          <p:cNvPr id="84" name="Google Shape;84;p10"/>
-          <p:cNvSpPr txBox="1"/>
-          <p:nvPr/>
-        </p:nvSpPr>
-        <p:spPr>
-          <a:xfrm>
-            <a:off x="1700100" y="3287000"/>
-            <a:ext cx="2568400" cy="434000"/>
-          </a:xfrm>
-          <a:prstGeom prst="rect">
-            <a:avLst/>
-          </a:prstGeom>
-          <a:noFill/>
-          <a:ln>
-            <a:noFill/>
-          </a:ln>
-        </p:spPr>
-        <p:txBody>
-          <a:bodyPr spcFirstLastPara="1" wrap="square" lIns="121900" tIns="121900" rIns="121900" bIns="121900" anchor="t" anchorCtr="0">
-            <a:noAutofit/>
-          </a:bodyPr>
-          <a:lstStyle/>
-          <a:p>
-            <a:r>
-              <a:rPr lang="en-US" sz="2400"/>
-              <a:t>Augmented Reality (AR) Applications</a:t>
-            </a:r>
-            <a:endParaRPr sz="2400"/>
-          </a:p>
-        </p:txBody>
-      </p:sp>
-      <p:pic>
-        <p:nvPicPr>
-          <p:cNvPr id="85" name="Google Shape;85;p10"/>
-          <p:cNvPicPr preferRelativeResize="0"/>
-          <p:nvPr/>
-        </p:nvPicPr>
-        <p:blipFill>
-          <a:blip r:embed="rId4">
-            <a:alphaModFix/>
-          </a:blip>
-          <a:stretch>
-            <a:fillRect/>
-          </a:stretch>
-        </p:blipFill>
-        <p:spPr>
-          <a:xfrm>
-            <a:off x="6706733" y="1648134"/>
-            <a:ext cx="2735720" cy="1540199"/>
-          </a:xfrm>
-          <a:prstGeom prst="rect">
-            <a:avLst/>
-          </a:prstGeom>
-          <a:noFill/>
-          <a:ln>
-            <a:noFill/>
-          </a:ln>
-        </p:spPr>
-      </p:pic>
-      <p:sp>
-        <p:nvSpPr>
-          <p:cNvPr id="86" name="Google Shape;86;p10"/>
-          <p:cNvSpPr txBox="1"/>
-          <p:nvPr/>
-        </p:nvSpPr>
-        <p:spPr>
-          <a:xfrm>
-            <a:off x="6678500" y="3287000"/>
-            <a:ext cx="3813400" cy="801534"/>
-          </a:xfrm>
-          <a:prstGeom prst="rect">
-            <a:avLst/>
-          </a:prstGeom>
-          <a:noFill/>
-          <a:ln>
-            <a:noFill/>
-          </a:ln>
-        </p:spPr>
-        <p:txBody>
-          <a:bodyPr spcFirstLastPara="1" wrap="square" lIns="121900" tIns="121900" rIns="121900" bIns="121900" anchor="t" anchorCtr="0">
-            <a:noAutofit/>
-          </a:bodyPr>
-          <a:lstStyle/>
-          <a:p>
-            <a:r>
-              <a:rPr lang="en-US" sz="2400" dirty="0"/>
-              <a:t>Virtual Reality (VR) Applications</a:t>
-            </a:r>
-            <a:endParaRPr sz="2400" dirty="0"/>
-          </a:p>
-        </p:txBody>
-      </p:sp>
-      <p:pic>
-        <p:nvPicPr>
-          <p:cNvPr id="87" name="Google Shape;87;p10"/>
-          <p:cNvPicPr preferRelativeResize="0"/>
-          <p:nvPr/>
-        </p:nvPicPr>
-        <p:blipFill>
-          <a:blip r:embed="rId5">
-            <a:alphaModFix/>
-          </a:blip>
-          <a:stretch>
-            <a:fillRect/>
-          </a:stretch>
-        </p:blipFill>
-        <p:spPr>
-          <a:xfrm>
-            <a:off x="1768867" y="4216785"/>
-            <a:ext cx="2568400" cy="1664016"/>
-          </a:xfrm>
-          <a:prstGeom prst="rect">
-            <a:avLst/>
-          </a:prstGeom>
-          <a:noFill/>
-          <a:ln>
-            <a:noFill/>
-          </a:ln>
-        </p:spPr>
-      </p:pic>
-      <p:sp>
-        <p:nvSpPr>
-          <p:cNvPr id="88" name="Google Shape;88;p10"/>
-          <p:cNvSpPr txBox="1"/>
-          <p:nvPr/>
-        </p:nvSpPr>
-        <p:spPr>
-          <a:xfrm>
-            <a:off x="1700100" y="6030200"/>
-            <a:ext cx="2568400" cy="434000"/>
-          </a:xfrm>
-          <a:prstGeom prst="rect">
-            <a:avLst/>
-          </a:prstGeom>
-          <a:noFill/>
-          <a:ln>
-            <a:noFill/>
-          </a:ln>
-        </p:spPr>
-        <p:txBody>
-          <a:bodyPr spcFirstLastPara="1" wrap="square" lIns="121900" tIns="121900" rIns="121900" bIns="121900" anchor="t" anchorCtr="0">
-            <a:noAutofit/>
-          </a:bodyPr>
-          <a:lstStyle/>
-          <a:p>
-            <a:r>
-              <a:rPr lang="en-US" sz="2400"/>
-              <a:t>Remote Control</a:t>
-            </a:r>
-            <a:endParaRPr sz="2400"/>
-          </a:p>
-        </p:txBody>
-      </p:sp>
-      <p:pic>
-        <p:nvPicPr>
-          <p:cNvPr id="89" name="Google Shape;89;p10"/>
-          <p:cNvPicPr preferRelativeResize="0"/>
-          <p:nvPr/>
-        </p:nvPicPr>
-        <p:blipFill>
-          <a:blip r:embed="rId6">
-            <a:alphaModFix/>
-          </a:blip>
-          <a:stretch>
-            <a:fillRect/>
-          </a:stretch>
-        </p:blipFill>
-        <p:spPr>
-          <a:xfrm>
-            <a:off x="6594833" y="4088534"/>
-            <a:ext cx="2735731" cy="1694863"/>
-          </a:xfrm>
-          <a:prstGeom prst="rect">
-            <a:avLst/>
-          </a:prstGeom>
-          <a:noFill/>
-          <a:ln>
-            <a:noFill/>
-          </a:ln>
-        </p:spPr>
-      </p:pic>
-      <p:sp>
-        <p:nvSpPr>
-          <p:cNvPr id="90" name="Google Shape;90;p10"/>
-          <p:cNvSpPr txBox="1"/>
-          <p:nvPr/>
-        </p:nvSpPr>
-        <p:spPr>
-          <a:xfrm>
-            <a:off x="6678500" y="5928600"/>
-            <a:ext cx="2568400" cy="434000"/>
-          </a:xfrm>
-          <a:prstGeom prst="rect">
-            <a:avLst/>
-          </a:prstGeom>
-          <a:noFill/>
-          <a:ln>
-            <a:noFill/>
-          </a:ln>
-        </p:spPr>
-        <p:txBody>
-          <a:bodyPr spcFirstLastPara="1" wrap="square" lIns="121900" tIns="121900" rIns="121900" bIns="121900" anchor="t" anchorCtr="0">
-            <a:noAutofit/>
-          </a:bodyPr>
-          <a:lstStyle/>
-          <a:p>
-            <a:r>
-              <a:rPr lang="en-US" sz="2400"/>
-              <a:t>Autonomous Driving</a:t>
-            </a:r>
-            <a:endParaRPr sz="2400"/>
-          </a:p>
-        </p:txBody>
-      </p:sp>
-    </p:spTree>
-  </p:cSld>
-  <p:clrMapOvr>
-    <a:masterClrMapping/>
-  </p:clrMapOvr>
-</p:sld>
-</file>
-
-<file path=ppt/slides/slide20.xml><?xml version="1.0" encoding="utf-8"?>
+<file path=ppt/slides/slide21.xml><?xml version="1.0" encoding="utf-8"?>
 <p:sld xmlns:a="http://schemas.openxmlformats.org/drawingml/2006/main" xmlns:r="http://schemas.openxmlformats.org/officeDocument/2006/relationships" xmlns:p="http://schemas.openxmlformats.org/presentationml/2006/main">
   <p:cSld>
     <p:spTree>
@@ -17831,7 +17998,7 @@
             <a:fld id="{00000000-1234-1234-1234-123412341234}" type="slidenum">
               <a:rPr lang="en-US" smtClean="0"/>
               <a:pPr/>
-              <a:t>20</a:t>
+              <a:t>21</a:t>
             </a:fld>
             <a:endParaRPr lang="en-US"/>
           </a:p>
@@ -17918,7 +18085,7 @@
 </p:sld>
 </file>
 
-<file path=ppt/slides/slide21.xml><?xml version="1.0" encoding="utf-8"?>
+<file path=ppt/slides/slide22.xml><?xml version="1.0" encoding="utf-8"?>
 <p:sld xmlns:a="http://schemas.openxmlformats.org/drawingml/2006/main" xmlns:r="http://schemas.openxmlformats.org/officeDocument/2006/relationships" xmlns:p="http://schemas.openxmlformats.org/presentationml/2006/main">
   <p:cSld>
     <p:spTree>
@@ -18081,7 +18248,7 @@
             <a:fld id="{00000000-1234-1234-1234-123412341234}" type="slidenum">
               <a:rPr lang="en-US" smtClean="0"/>
               <a:pPr/>
-              <a:t>21</a:t>
+              <a:t>22</a:t>
             </a:fld>
             <a:endParaRPr lang="en-US"/>
           </a:p>
@@ -18108,7 +18275,7 @@
 </p:sld>
 </file>
 
-<file path=ppt/slides/slide22.xml><?xml version="1.0" encoding="utf-8"?>
+<file path=ppt/slides/slide23.xml><?xml version="1.0" encoding="utf-8"?>
 <p:sld xmlns:a="http://schemas.openxmlformats.org/drawingml/2006/main" xmlns:r="http://schemas.openxmlformats.org/officeDocument/2006/relationships" xmlns:p="http://schemas.openxmlformats.org/presentationml/2006/main">
   <p:cSld>
     <p:spTree>
@@ -18198,7 +18365,7 @@
             <a:fld id="{00000000-1234-1234-1234-123412341234}" type="slidenum">
               <a:rPr lang="en-US" smtClean="0"/>
               <a:pPr/>
-              <a:t>22</a:t>
+              <a:t>23</a:t>
             </a:fld>
             <a:endParaRPr lang="en-US"/>
           </a:p>
@@ -18218,6 +18385,416 @@
 </file>
 
 <file path=ppt/slides/slide3.xml><?xml version="1.0" encoding="utf-8"?>
+<p:sld xmlns:a="http://schemas.openxmlformats.org/drawingml/2006/main" xmlns:r="http://schemas.openxmlformats.org/officeDocument/2006/relationships" xmlns:p="http://schemas.openxmlformats.org/presentationml/2006/main">
+  <p:cSld>
+    <p:spTree>
+      <p:nvGrpSpPr>
+        <p:cNvPr id="1" name="Shape 79"/>
+        <p:cNvGrpSpPr/>
+        <p:nvPr/>
+      </p:nvGrpSpPr>
+      <p:grpSpPr>
+        <a:xfrm>
+          <a:off x="0" y="0"/>
+          <a:ext cx="0" cy="0"/>
+          <a:chOff x="0" y="0"/>
+          <a:chExt cx="0" cy="0"/>
+        </a:xfrm>
+      </p:grpSpPr>
+      <p:sp>
+        <p:nvSpPr>
+          <p:cNvPr id="81" name="Google Shape;81;p10"/>
+          <p:cNvSpPr txBox="1">
+            <a:spLocks noGrp="1"/>
+          </p:cNvSpPr>
+          <p:nvPr>
+            <p:ph type="title"/>
+          </p:nvPr>
+        </p:nvSpPr>
+        <p:spPr>
+          <a:xfrm>
+            <a:off x="582507" y="0"/>
+            <a:ext cx="10972800" cy="812800"/>
+          </a:xfrm>
+          <a:prstGeom prst="rect">
+            <a:avLst/>
+          </a:prstGeom>
+          <a:noFill/>
+          <a:ln>
+            <a:noFill/>
+          </a:ln>
+        </p:spPr>
+        <p:txBody>
+          <a:bodyPr spcFirstLastPara="1" wrap="square" lIns="121900" tIns="60933" rIns="121900" bIns="60933" anchor="ctr" anchorCtr="0">
+            <a:noAutofit/>
+          </a:bodyPr>
+          <a:lstStyle/>
+          <a:p>
+            <a:r>
+              <a:rPr lang="en-US" sz="3200" b="1" dirty="0">
+                <a:solidFill>
+                  <a:schemeClr val="bg1"/>
+                </a:solidFill>
+              </a:rPr>
+              <a:t>Motivation</a:t>
+            </a:r>
+            <a:endParaRPr sz="3200" b="1" dirty="0">
+              <a:solidFill>
+                <a:schemeClr val="bg1"/>
+              </a:solidFill>
+            </a:endParaRPr>
+          </a:p>
+        </p:txBody>
+      </p:sp>
+      <p:sp>
+        <p:nvSpPr>
+          <p:cNvPr id="80" name="Google Shape;80;p10"/>
+          <p:cNvSpPr txBox="1">
+            <a:spLocks noGrp="1"/>
+          </p:cNvSpPr>
+          <p:nvPr>
+            <p:ph type="sldNum" idx="12"/>
+          </p:nvPr>
+        </p:nvSpPr>
+        <p:spPr>
+          <a:xfrm>
+            <a:off x="9347200" y="6477848"/>
+            <a:ext cx="2844800" cy="366000"/>
+          </a:xfrm>
+          <a:prstGeom prst="rect">
+            <a:avLst/>
+          </a:prstGeom>
+          <a:noFill/>
+          <a:ln>
+            <a:noFill/>
+          </a:ln>
+        </p:spPr>
+        <p:txBody>
+          <a:bodyPr spcFirstLastPara="1" wrap="square" lIns="121900" tIns="60933" rIns="121900" bIns="60933" anchor="ctr" anchorCtr="0">
+            <a:noAutofit/>
+          </a:bodyPr>
+          <a:lstStyle/>
+          <a:p>
+            <a:fld id="{00000000-1234-1234-1234-123412341234}" type="slidenum">
+              <a:rPr lang="en-US"/>
+              <a:pPr/>
+              <a:t>3</a:t>
+            </a:fld>
+            <a:endParaRPr/>
+          </a:p>
+        </p:txBody>
+      </p:sp>
+      <p:sp>
+        <p:nvSpPr>
+          <p:cNvPr id="82" name="Google Shape;82;p10"/>
+          <p:cNvSpPr txBox="1"/>
+          <p:nvPr/>
+        </p:nvSpPr>
+        <p:spPr>
+          <a:xfrm>
+            <a:off x="546500" y="962633"/>
+            <a:ext cx="11020400" cy="685600"/>
+          </a:xfrm>
+          <a:prstGeom prst="rect">
+            <a:avLst/>
+          </a:prstGeom>
+          <a:noFill/>
+          <a:ln>
+            <a:noFill/>
+          </a:ln>
+        </p:spPr>
+        <p:txBody>
+          <a:bodyPr spcFirstLastPara="1" wrap="square" lIns="121900" tIns="60933" rIns="121900" bIns="60933" anchor="t" anchorCtr="0">
+            <a:noAutofit/>
+          </a:bodyPr>
+          <a:lstStyle/>
+          <a:p>
+            <a:pPr marL="457189" indent="-457189"/>
+            <a:r>
+              <a:rPr lang="en-US" sz="3200">
+                <a:solidFill>
+                  <a:schemeClr val="dk1"/>
+                </a:solidFill>
+              </a:rPr>
+              <a:t>Applications requiring ultra reliability and/or low latency</a:t>
+            </a:r>
+            <a:endParaRPr sz="2400">
+              <a:solidFill>
+                <a:schemeClr val="dk1"/>
+              </a:solidFill>
+            </a:endParaRPr>
+          </a:p>
+          <a:p>
+            <a:pPr marL="457189" indent="-457189">
+              <a:spcBef>
+                <a:spcPts val="640"/>
+              </a:spcBef>
+            </a:pPr>
+            <a:endParaRPr sz="3200">
+              <a:solidFill>
+                <a:schemeClr val="dk1"/>
+              </a:solidFill>
+              <a:latin typeface="Arial"/>
+              <a:ea typeface="Arial"/>
+              <a:cs typeface="Arial"/>
+              <a:sym typeface="Arial"/>
+            </a:endParaRPr>
+          </a:p>
+        </p:txBody>
+      </p:sp>
+      <p:pic>
+        <p:nvPicPr>
+          <p:cNvPr id="83" name="Google Shape;83;p10"/>
+          <p:cNvPicPr preferRelativeResize="0"/>
+          <p:nvPr/>
+        </p:nvPicPr>
+        <p:blipFill>
+          <a:blip r:embed="rId3">
+            <a:alphaModFix/>
+          </a:blip>
+          <a:stretch>
+            <a:fillRect/>
+          </a:stretch>
+        </p:blipFill>
+        <p:spPr>
+          <a:xfrm>
+            <a:off x="1768865" y="1648133"/>
+            <a:ext cx="2499468" cy="1540200"/>
+          </a:xfrm>
+          <a:prstGeom prst="rect">
+            <a:avLst/>
+          </a:prstGeom>
+          <a:noFill/>
+          <a:ln>
+            <a:noFill/>
+          </a:ln>
+        </p:spPr>
+      </p:pic>
+      <p:sp>
+        <p:nvSpPr>
+          <p:cNvPr id="84" name="Google Shape;84;p10"/>
+          <p:cNvSpPr txBox="1"/>
+          <p:nvPr/>
+        </p:nvSpPr>
+        <p:spPr>
+          <a:xfrm>
+            <a:off x="1700100" y="3287000"/>
+            <a:ext cx="2568400" cy="434000"/>
+          </a:xfrm>
+          <a:prstGeom prst="rect">
+            <a:avLst/>
+          </a:prstGeom>
+          <a:noFill/>
+          <a:ln>
+            <a:noFill/>
+          </a:ln>
+        </p:spPr>
+        <p:txBody>
+          <a:bodyPr spcFirstLastPara="1" wrap="square" lIns="121900" tIns="121900" rIns="121900" bIns="121900" anchor="t" anchorCtr="0">
+            <a:noAutofit/>
+          </a:bodyPr>
+          <a:lstStyle/>
+          <a:p>
+            <a:r>
+              <a:rPr lang="en-US" sz="2400"/>
+              <a:t>Augmented Reality (AR) Applications</a:t>
+            </a:r>
+            <a:endParaRPr sz="2400"/>
+          </a:p>
+        </p:txBody>
+      </p:sp>
+      <p:pic>
+        <p:nvPicPr>
+          <p:cNvPr id="85" name="Google Shape;85;p10"/>
+          <p:cNvPicPr preferRelativeResize="0"/>
+          <p:nvPr/>
+        </p:nvPicPr>
+        <p:blipFill>
+          <a:blip r:embed="rId4">
+            <a:alphaModFix/>
+          </a:blip>
+          <a:stretch>
+            <a:fillRect/>
+          </a:stretch>
+        </p:blipFill>
+        <p:spPr>
+          <a:xfrm>
+            <a:off x="6706733" y="1648134"/>
+            <a:ext cx="2735720" cy="1540199"/>
+          </a:xfrm>
+          <a:prstGeom prst="rect">
+            <a:avLst/>
+          </a:prstGeom>
+          <a:noFill/>
+          <a:ln>
+            <a:noFill/>
+          </a:ln>
+        </p:spPr>
+      </p:pic>
+      <p:sp>
+        <p:nvSpPr>
+          <p:cNvPr id="86" name="Google Shape;86;p10"/>
+          <p:cNvSpPr txBox="1"/>
+          <p:nvPr/>
+        </p:nvSpPr>
+        <p:spPr>
+          <a:xfrm>
+            <a:off x="6678500" y="3287000"/>
+            <a:ext cx="3813400" cy="801534"/>
+          </a:xfrm>
+          <a:prstGeom prst="rect">
+            <a:avLst/>
+          </a:prstGeom>
+          <a:noFill/>
+          <a:ln>
+            <a:noFill/>
+          </a:ln>
+        </p:spPr>
+        <p:txBody>
+          <a:bodyPr spcFirstLastPara="1" wrap="square" lIns="121900" tIns="121900" rIns="121900" bIns="121900" anchor="t" anchorCtr="0">
+            <a:noAutofit/>
+          </a:bodyPr>
+          <a:lstStyle/>
+          <a:p>
+            <a:r>
+              <a:rPr lang="en-US" sz="2400" dirty="0"/>
+              <a:t>Virtual Reality (VR) Applications</a:t>
+            </a:r>
+            <a:endParaRPr sz="2400" dirty="0"/>
+          </a:p>
+        </p:txBody>
+      </p:sp>
+      <p:pic>
+        <p:nvPicPr>
+          <p:cNvPr id="87" name="Google Shape;87;p10"/>
+          <p:cNvPicPr preferRelativeResize="0"/>
+          <p:nvPr/>
+        </p:nvPicPr>
+        <p:blipFill>
+          <a:blip r:embed="rId5">
+            <a:alphaModFix/>
+          </a:blip>
+          <a:stretch>
+            <a:fillRect/>
+          </a:stretch>
+        </p:blipFill>
+        <p:spPr>
+          <a:xfrm>
+            <a:off x="1768867" y="4216785"/>
+            <a:ext cx="2568400" cy="1664016"/>
+          </a:xfrm>
+          <a:prstGeom prst="rect">
+            <a:avLst/>
+          </a:prstGeom>
+          <a:noFill/>
+          <a:ln>
+            <a:noFill/>
+          </a:ln>
+        </p:spPr>
+      </p:pic>
+      <p:sp>
+        <p:nvSpPr>
+          <p:cNvPr id="88" name="Google Shape;88;p10"/>
+          <p:cNvSpPr txBox="1"/>
+          <p:nvPr/>
+        </p:nvSpPr>
+        <p:spPr>
+          <a:xfrm>
+            <a:off x="1700100" y="6030200"/>
+            <a:ext cx="2568400" cy="434000"/>
+          </a:xfrm>
+          <a:prstGeom prst="rect">
+            <a:avLst/>
+          </a:prstGeom>
+          <a:noFill/>
+          <a:ln>
+            <a:noFill/>
+          </a:ln>
+        </p:spPr>
+        <p:txBody>
+          <a:bodyPr spcFirstLastPara="1" wrap="square" lIns="121900" tIns="121900" rIns="121900" bIns="121900" anchor="t" anchorCtr="0">
+            <a:noAutofit/>
+          </a:bodyPr>
+          <a:lstStyle/>
+          <a:p>
+            <a:r>
+              <a:rPr lang="en-US" sz="2400"/>
+              <a:t>Remote Control</a:t>
+            </a:r>
+            <a:endParaRPr sz="2400"/>
+          </a:p>
+        </p:txBody>
+      </p:sp>
+      <p:pic>
+        <p:nvPicPr>
+          <p:cNvPr id="89" name="Google Shape;89;p10"/>
+          <p:cNvPicPr preferRelativeResize="0"/>
+          <p:nvPr/>
+        </p:nvPicPr>
+        <p:blipFill>
+          <a:blip r:embed="rId6">
+            <a:alphaModFix/>
+          </a:blip>
+          <a:stretch>
+            <a:fillRect/>
+          </a:stretch>
+        </p:blipFill>
+        <p:spPr>
+          <a:xfrm>
+            <a:off x="6594833" y="4088534"/>
+            <a:ext cx="2735731" cy="1694863"/>
+          </a:xfrm>
+          <a:prstGeom prst="rect">
+            <a:avLst/>
+          </a:prstGeom>
+          <a:noFill/>
+          <a:ln>
+            <a:noFill/>
+          </a:ln>
+        </p:spPr>
+      </p:pic>
+      <p:sp>
+        <p:nvSpPr>
+          <p:cNvPr id="90" name="Google Shape;90;p10"/>
+          <p:cNvSpPr txBox="1"/>
+          <p:nvPr/>
+        </p:nvSpPr>
+        <p:spPr>
+          <a:xfrm>
+            <a:off x="6678500" y="5928600"/>
+            <a:ext cx="2568400" cy="434000"/>
+          </a:xfrm>
+          <a:prstGeom prst="rect">
+            <a:avLst/>
+          </a:prstGeom>
+          <a:noFill/>
+          <a:ln>
+            <a:noFill/>
+          </a:ln>
+        </p:spPr>
+        <p:txBody>
+          <a:bodyPr spcFirstLastPara="1" wrap="square" lIns="121900" tIns="121900" rIns="121900" bIns="121900" anchor="t" anchorCtr="0">
+            <a:noAutofit/>
+          </a:bodyPr>
+          <a:lstStyle/>
+          <a:p>
+            <a:r>
+              <a:rPr lang="en-US" sz="2400"/>
+              <a:t>Autonomous Driving</a:t>
+            </a:r>
+            <a:endParaRPr sz="2400"/>
+          </a:p>
+        </p:txBody>
+      </p:sp>
+    </p:spTree>
+  </p:cSld>
+  <p:clrMapOvr>
+    <a:masterClrMapping/>
+  </p:clrMapOvr>
+</p:sld>
+</file>
+
+<file path=ppt/slides/slide4.xml><?xml version="1.0" encoding="utf-8"?>
 <p:sld xmlns:a="http://schemas.openxmlformats.org/drawingml/2006/main" xmlns:r="http://schemas.openxmlformats.org/officeDocument/2006/relationships" xmlns:p="http://schemas.openxmlformats.org/presentationml/2006/main">
   <p:cSld>
     <p:spTree>
@@ -18319,7 +18896,7 @@
             <a:fld id="{00000000-1234-1234-1234-123412341234}" type="slidenum">
               <a:rPr lang="en-US"/>
               <a:pPr/>
-              <a:t>3</a:t>
+              <a:t>4</a:t>
             </a:fld>
             <a:endParaRPr/>
           </a:p>
@@ -18774,7 +19351,7 @@
 </p:sld>
 </file>
 
-<file path=ppt/slides/slide4.xml><?xml version="1.0" encoding="utf-8"?>
+<file path=ppt/slides/slide5.xml><?xml version="1.0" encoding="utf-8"?>
 <p:sld xmlns:a="http://schemas.openxmlformats.org/drawingml/2006/main" xmlns:r="http://schemas.openxmlformats.org/officeDocument/2006/relationships" xmlns:p="http://schemas.openxmlformats.org/presentationml/2006/main">
   <p:cSld>
     <p:spTree>
@@ -18868,7 +19445,7 @@
             <a:fld id="{00000000-1234-1234-1234-123412341234}" type="slidenum">
               <a:rPr lang="en-US"/>
               <a:pPr/>
-              <a:t>4</a:t>
+              <a:t>5</a:t>
             </a:fld>
             <a:endParaRPr/>
           </a:p>
@@ -19207,7 +19784,7 @@
 </p:sld>
 </file>
 
-<file path=ppt/slides/slide5.xml><?xml version="1.0" encoding="utf-8"?>
+<file path=ppt/slides/slide6.xml><?xml version="1.0" encoding="utf-8"?>
 <p:sld xmlns:a="http://schemas.openxmlformats.org/drawingml/2006/main" xmlns:r="http://schemas.openxmlformats.org/officeDocument/2006/relationships" xmlns:p="http://schemas.openxmlformats.org/presentationml/2006/main">
   <p:cSld>
     <p:spTree>
@@ -19301,7 +19878,7 @@
             <a:fld id="{00000000-1234-1234-1234-123412341234}" type="slidenum">
               <a:rPr lang="en-US"/>
               <a:pPr/>
-              <a:t>5</a:t>
+              <a:t>6</a:t>
             </a:fld>
             <a:endParaRPr/>
           </a:p>
@@ -19787,7 +20364,7 @@
 </p:sld>
 </file>
 
-<file path=ppt/slides/slide6.xml><?xml version="1.0" encoding="utf-8"?>
+<file path=ppt/slides/slide7.xml><?xml version="1.0" encoding="utf-8"?>
 <p:sld xmlns:a="http://schemas.openxmlformats.org/drawingml/2006/main" xmlns:r="http://schemas.openxmlformats.org/officeDocument/2006/relationships" xmlns:p="http://schemas.openxmlformats.org/presentationml/2006/main">
   <p:cSld>
     <p:spTree>
@@ -19829,7 +20406,7 @@
             <a:fld id="{00000000-1234-1234-1234-123412341234}" type="slidenum">
               <a:rPr lang="en-US" kern="0"/>
               <a:pPr defTabSz="1219170"/>
-              <a:t>6</a:t>
+              <a:t>7</a:t>
             </a:fld>
             <a:endParaRPr lang="en-US" kern="0" dirty="0"/>
           </a:p>
@@ -21041,7 +21618,7 @@
 </p:sld>
 </file>
 
-<file path=ppt/slides/slide7.xml><?xml version="1.0" encoding="utf-8"?>
+<file path=ppt/slides/slide8.xml><?xml version="1.0" encoding="utf-8"?>
 <p:sld xmlns:a="http://schemas.openxmlformats.org/drawingml/2006/main" xmlns:r="http://schemas.openxmlformats.org/officeDocument/2006/relationships" xmlns:p="http://schemas.openxmlformats.org/presentationml/2006/main">
   <p:cSld>
     <p:spTree>
@@ -21083,7 +21660,7 @@
             <a:fld id="{00000000-1234-1234-1234-123412341234}" type="slidenum">
               <a:rPr lang="en-US" kern="0"/>
               <a:pPr defTabSz="1219170"/>
-              <a:t>7</a:t>
+              <a:t>8</a:t>
             </a:fld>
             <a:endParaRPr lang="en-US" kern="0" dirty="0"/>
           </a:p>
@@ -21970,1167 +22547,6 @@
 </p:sld>
 </file>
 
-<file path=ppt/slides/slide8.xml><?xml version="1.0" encoding="utf-8"?>
-<p:sld xmlns:a="http://schemas.openxmlformats.org/drawingml/2006/main" xmlns:r="http://schemas.openxmlformats.org/officeDocument/2006/relationships" xmlns:p="http://schemas.openxmlformats.org/presentationml/2006/main">
-  <p:cSld>
-    <p:spTree>
-      <p:nvGrpSpPr>
-        <p:cNvPr id="1" name=""/>
-        <p:cNvGrpSpPr/>
-        <p:nvPr/>
-      </p:nvGrpSpPr>
-      <p:grpSpPr>
-        <a:xfrm>
-          <a:off x="0" y="0"/>
-          <a:ext cx="0" cy="0"/>
-          <a:chOff x="0" y="0"/>
-          <a:chExt cx="0" cy="0"/>
-        </a:xfrm>
-      </p:grpSpPr>
-      <p:sp>
-        <p:nvSpPr>
-          <p:cNvPr id="5" name="Slide Number Placeholder 4">
-            <a:extLst>
-              <a:ext uri="{FF2B5EF4-FFF2-40B4-BE49-F238E27FC236}">
-                <a16:creationId xmlns:a16="http://schemas.microsoft.com/office/drawing/2014/main" id="{708D6854-4091-4CEA-A681-39B1305E1A61}"/>
-              </a:ext>
-            </a:extLst>
-          </p:cNvPr>
-          <p:cNvSpPr>
-            <a:spLocks noGrp="1"/>
-          </p:cNvSpPr>
-          <p:nvPr>
-            <p:ph type="sldNum" idx="12"/>
-          </p:nvPr>
-        </p:nvSpPr>
-        <p:spPr/>
-        <p:txBody>
-          <a:bodyPr/>
-          <a:lstStyle/>
-          <a:p>
-            <a:pPr defTabSz="1219170"/>
-            <a:fld id="{00000000-1234-1234-1234-123412341234}" type="slidenum">
-              <a:rPr lang="en-US" kern="0"/>
-              <a:pPr defTabSz="1219170"/>
-              <a:t>8</a:t>
-            </a:fld>
-            <a:endParaRPr lang="en-US" kern="0" dirty="0"/>
-          </a:p>
-        </p:txBody>
-      </p:sp>
-      <p:sp>
-        <p:nvSpPr>
-          <p:cNvPr id="3" name="Google Shape;133;p23">
-            <a:extLst>
-              <a:ext uri="{FF2B5EF4-FFF2-40B4-BE49-F238E27FC236}">
-                <a16:creationId xmlns:a16="http://schemas.microsoft.com/office/drawing/2014/main" id="{AB16ADAF-6C9B-4117-9F0A-F912437DDE02}"/>
-              </a:ext>
-            </a:extLst>
-          </p:cNvPr>
-          <p:cNvSpPr txBox="1">
-            <a:spLocks/>
-          </p:cNvSpPr>
-          <p:nvPr/>
-        </p:nvSpPr>
-        <p:spPr>
-          <a:xfrm>
-            <a:off x="2885377" y="-139848"/>
-            <a:ext cx="3522595" cy="970156"/>
-          </a:xfrm>
-          <a:prstGeom prst="rect">
-            <a:avLst/>
-          </a:prstGeom>
-        </p:spPr>
-        <p:txBody>
-          <a:bodyPr spcFirstLastPara="1" wrap="square" lIns="121900" tIns="121900" rIns="121900" bIns="121900" anchor="b" anchorCtr="0">
-            <a:noAutofit/>
-          </a:bodyPr>
-          <a:lstStyle>
-            <a:defPPr marR="0" lvl="0" algn="l" rtl="0">
-              <a:lnSpc>
-                <a:spcPct val="100000"/>
-              </a:lnSpc>
-              <a:spcBef>
-                <a:spcPts val="0"/>
-              </a:spcBef>
-              <a:spcAft>
-                <a:spcPts val="0"/>
-              </a:spcAft>
-            </a:defPPr>
-            <a:lvl1pPr marR="0" lvl="0" algn="l" rtl="0">
-              <a:lnSpc>
-                <a:spcPct val="100000"/>
-              </a:lnSpc>
-              <a:spcBef>
-                <a:spcPts val="0"/>
-              </a:spcBef>
-              <a:spcAft>
-                <a:spcPts val="0"/>
-              </a:spcAft>
-              <a:buClr>
-                <a:srgbClr val="000000"/>
-              </a:buClr>
-              <a:buFont typeface="Arial"/>
-              <a:defRPr sz="1867" b="0" i="0" u="none" strike="noStrike" cap="none">
-                <a:solidFill>
-                  <a:srgbClr val="000000"/>
-                </a:solidFill>
-                <a:latin typeface="Arial"/>
-                <a:ea typeface="Arial"/>
-                <a:cs typeface="Arial"/>
-                <a:sym typeface="Arial"/>
-              </a:defRPr>
-            </a:lvl1pPr>
-            <a:lvl2pPr marR="0" lvl="1" algn="l" rtl="0">
-              <a:lnSpc>
-                <a:spcPct val="100000"/>
-              </a:lnSpc>
-              <a:spcBef>
-                <a:spcPts val="0"/>
-              </a:spcBef>
-              <a:spcAft>
-                <a:spcPts val="0"/>
-              </a:spcAft>
-              <a:buClr>
-                <a:srgbClr val="000000"/>
-              </a:buClr>
-              <a:buFont typeface="Arial"/>
-              <a:defRPr sz="1867" b="0" i="0" u="none" strike="noStrike" cap="none">
-                <a:solidFill>
-                  <a:srgbClr val="000000"/>
-                </a:solidFill>
-                <a:latin typeface="Arial"/>
-                <a:ea typeface="Arial"/>
-                <a:cs typeface="Arial"/>
-                <a:sym typeface="Arial"/>
-              </a:defRPr>
-            </a:lvl2pPr>
-            <a:lvl3pPr marR="0" lvl="2" algn="l" rtl="0">
-              <a:lnSpc>
-                <a:spcPct val="100000"/>
-              </a:lnSpc>
-              <a:spcBef>
-                <a:spcPts val="0"/>
-              </a:spcBef>
-              <a:spcAft>
-                <a:spcPts val="0"/>
-              </a:spcAft>
-              <a:buClr>
-                <a:srgbClr val="000000"/>
-              </a:buClr>
-              <a:buFont typeface="Arial"/>
-              <a:defRPr sz="1867" b="0" i="0" u="none" strike="noStrike" cap="none">
-                <a:solidFill>
-                  <a:srgbClr val="000000"/>
-                </a:solidFill>
-                <a:latin typeface="Arial"/>
-                <a:ea typeface="Arial"/>
-                <a:cs typeface="Arial"/>
-                <a:sym typeface="Arial"/>
-              </a:defRPr>
-            </a:lvl3pPr>
-            <a:lvl4pPr marR="0" lvl="3" algn="l" rtl="0">
-              <a:lnSpc>
-                <a:spcPct val="100000"/>
-              </a:lnSpc>
-              <a:spcBef>
-                <a:spcPts val="0"/>
-              </a:spcBef>
-              <a:spcAft>
-                <a:spcPts val="0"/>
-              </a:spcAft>
-              <a:buClr>
-                <a:srgbClr val="000000"/>
-              </a:buClr>
-              <a:buFont typeface="Arial"/>
-              <a:defRPr sz="1867" b="0" i="0" u="none" strike="noStrike" cap="none">
-                <a:solidFill>
-                  <a:srgbClr val="000000"/>
-                </a:solidFill>
-                <a:latin typeface="Arial"/>
-                <a:ea typeface="Arial"/>
-                <a:cs typeface="Arial"/>
-                <a:sym typeface="Arial"/>
-              </a:defRPr>
-            </a:lvl4pPr>
-            <a:lvl5pPr marR="0" lvl="4" algn="l" rtl="0">
-              <a:lnSpc>
-                <a:spcPct val="100000"/>
-              </a:lnSpc>
-              <a:spcBef>
-                <a:spcPts val="0"/>
-              </a:spcBef>
-              <a:spcAft>
-                <a:spcPts val="0"/>
-              </a:spcAft>
-              <a:buClr>
-                <a:srgbClr val="000000"/>
-              </a:buClr>
-              <a:buFont typeface="Arial"/>
-              <a:defRPr sz="1867" b="0" i="0" u="none" strike="noStrike" cap="none">
-                <a:solidFill>
-                  <a:srgbClr val="000000"/>
-                </a:solidFill>
-                <a:latin typeface="Arial"/>
-                <a:ea typeface="Arial"/>
-                <a:cs typeface="Arial"/>
-                <a:sym typeface="Arial"/>
-              </a:defRPr>
-            </a:lvl5pPr>
-            <a:lvl6pPr marR="0" lvl="5" algn="l" rtl="0">
-              <a:lnSpc>
-                <a:spcPct val="100000"/>
-              </a:lnSpc>
-              <a:spcBef>
-                <a:spcPts val="0"/>
-              </a:spcBef>
-              <a:spcAft>
-                <a:spcPts val="0"/>
-              </a:spcAft>
-              <a:buClr>
-                <a:srgbClr val="000000"/>
-              </a:buClr>
-              <a:buFont typeface="Arial"/>
-              <a:defRPr sz="1867" b="0" i="0" u="none" strike="noStrike" cap="none">
-                <a:solidFill>
-                  <a:srgbClr val="000000"/>
-                </a:solidFill>
-                <a:latin typeface="Arial"/>
-                <a:ea typeface="Arial"/>
-                <a:cs typeface="Arial"/>
-                <a:sym typeface="Arial"/>
-              </a:defRPr>
-            </a:lvl6pPr>
-            <a:lvl7pPr marR="0" lvl="6" algn="l" rtl="0">
-              <a:lnSpc>
-                <a:spcPct val="100000"/>
-              </a:lnSpc>
-              <a:spcBef>
-                <a:spcPts val="0"/>
-              </a:spcBef>
-              <a:spcAft>
-                <a:spcPts val="0"/>
-              </a:spcAft>
-              <a:buClr>
-                <a:srgbClr val="000000"/>
-              </a:buClr>
-              <a:buFont typeface="Arial"/>
-              <a:defRPr sz="1867" b="0" i="0" u="none" strike="noStrike" cap="none">
-                <a:solidFill>
-                  <a:srgbClr val="000000"/>
-                </a:solidFill>
-                <a:latin typeface="Arial"/>
-                <a:ea typeface="Arial"/>
-                <a:cs typeface="Arial"/>
-                <a:sym typeface="Arial"/>
-              </a:defRPr>
-            </a:lvl7pPr>
-            <a:lvl8pPr marR="0" lvl="7" algn="l" rtl="0">
-              <a:lnSpc>
-                <a:spcPct val="100000"/>
-              </a:lnSpc>
-              <a:spcBef>
-                <a:spcPts val="0"/>
-              </a:spcBef>
-              <a:spcAft>
-                <a:spcPts val="0"/>
-              </a:spcAft>
-              <a:buClr>
-                <a:srgbClr val="000000"/>
-              </a:buClr>
-              <a:buFont typeface="Arial"/>
-              <a:defRPr sz="1867" b="0" i="0" u="none" strike="noStrike" cap="none">
-                <a:solidFill>
-                  <a:srgbClr val="000000"/>
-                </a:solidFill>
-                <a:latin typeface="Arial"/>
-                <a:ea typeface="Arial"/>
-                <a:cs typeface="Arial"/>
-                <a:sym typeface="Arial"/>
-              </a:defRPr>
-            </a:lvl8pPr>
-            <a:lvl9pPr marR="0" lvl="8" algn="l" rtl="0">
-              <a:lnSpc>
-                <a:spcPct val="100000"/>
-              </a:lnSpc>
-              <a:spcBef>
-                <a:spcPts val="0"/>
-              </a:spcBef>
-              <a:spcAft>
-                <a:spcPts val="0"/>
-              </a:spcAft>
-              <a:buClr>
-                <a:srgbClr val="000000"/>
-              </a:buClr>
-              <a:buFont typeface="Arial"/>
-              <a:defRPr sz="1867" b="0" i="0" u="none" strike="noStrike" cap="none">
-                <a:solidFill>
-                  <a:srgbClr val="000000"/>
-                </a:solidFill>
-                <a:latin typeface="Arial"/>
-                <a:ea typeface="Arial"/>
-                <a:cs typeface="Arial"/>
-                <a:sym typeface="Arial"/>
-              </a:defRPr>
-            </a:lvl9pPr>
-          </a:lstStyle>
-          <a:p>
-            <a:r>
-              <a:rPr lang="en-US" sz="2800" u="sng" kern="0" dirty="0">
-                <a:solidFill>
-                  <a:schemeClr val="bg1"/>
-                </a:solidFill>
-              </a:rPr>
-              <a:t>Formulation</a:t>
-            </a:r>
-          </a:p>
-        </p:txBody>
-      </p:sp>
-      <p:sp>
-        <p:nvSpPr>
-          <p:cNvPr id="4" name="Google Shape;135;p23">
-            <a:extLst>
-              <a:ext uri="{FF2B5EF4-FFF2-40B4-BE49-F238E27FC236}">
-                <a16:creationId xmlns:a16="http://schemas.microsoft.com/office/drawing/2014/main" id="{0AAB1B82-31BD-4F30-AED7-A7A0DAC1A8EA}"/>
-              </a:ext>
-            </a:extLst>
-          </p:cNvPr>
-          <p:cNvSpPr txBox="1"/>
-          <p:nvPr/>
-        </p:nvSpPr>
-        <p:spPr>
-          <a:xfrm>
-            <a:off x="5736567" y="0"/>
-            <a:ext cx="6455200" cy="6858000"/>
-          </a:xfrm>
-          <a:prstGeom prst="rect">
-            <a:avLst/>
-          </a:prstGeom>
-          <a:solidFill>
-            <a:srgbClr val="FFFFFF"/>
-          </a:solidFill>
-          <a:ln>
-            <a:noFill/>
-          </a:ln>
-        </p:spPr>
-        <p:txBody>
-          <a:bodyPr spcFirstLastPara="1" wrap="square" lIns="121900" tIns="121900" rIns="121900" bIns="121900" anchor="t" anchorCtr="0">
-            <a:noAutofit/>
-          </a:bodyPr>
-          <a:lstStyle/>
-          <a:p>
-            <a:r>
-              <a:rPr lang="en" sz="2000" dirty="0">
-                <a:latin typeface="Arial" panose="020B0604020202020204" pitchFamily="34" charset="0"/>
-                <a:ea typeface="Roboto"/>
-                <a:cs typeface="Arial" panose="020B0604020202020204" pitchFamily="34" charset="0"/>
-                <a:sym typeface="Roboto"/>
-              </a:rPr>
-              <a:t>Indices : </a:t>
-            </a:r>
-            <a:endParaRPr sz="2000" dirty="0">
-              <a:latin typeface="Arial" panose="020B0604020202020204" pitchFamily="34" charset="0"/>
-              <a:ea typeface="Roboto"/>
-              <a:cs typeface="Arial" panose="020B0604020202020204" pitchFamily="34" charset="0"/>
-              <a:sym typeface="Roboto"/>
-            </a:endParaRPr>
-          </a:p>
-          <a:p>
-            <a:pPr marL="609585" indent="-423323">
-              <a:buSzPts val="1400"/>
-              <a:buFont typeface="Roboto"/>
-              <a:buChar char="●"/>
-            </a:pPr>
-            <a:r>
-              <a:rPr lang="en" sz="2000" dirty="0">
-                <a:latin typeface="Arial" panose="020B0604020202020204" pitchFamily="34" charset="0"/>
-                <a:ea typeface="Roboto"/>
-                <a:cs typeface="Arial" panose="020B0604020202020204" pitchFamily="34" charset="0"/>
-                <a:sym typeface="Roboto"/>
-              </a:rPr>
-              <a:t>u = {1,..,U}   : Users</a:t>
-            </a:r>
-            <a:endParaRPr sz="2000" dirty="0">
-              <a:highlight>
-                <a:srgbClr val="FFFFFF"/>
-              </a:highlight>
-              <a:latin typeface="Arial" panose="020B0604020202020204" pitchFamily="34" charset="0"/>
-              <a:ea typeface="Roboto"/>
-              <a:cs typeface="Arial" panose="020B0604020202020204" pitchFamily="34" charset="0"/>
-              <a:sym typeface="Roboto"/>
-            </a:endParaRPr>
-          </a:p>
-          <a:p>
-            <a:pPr marL="609585" indent="-423323">
-              <a:buSzPts val="1400"/>
-              <a:buFont typeface="Roboto"/>
-              <a:buChar char="●"/>
-            </a:pPr>
-            <a:r>
-              <a:rPr lang="en" sz="2000" dirty="0">
-                <a:latin typeface="Arial" panose="020B0604020202020204" pitchFamily="34" charset="0"/>
-                <a:ea typeface="Roboto"/>
-                <a:cs typeface="Arial" panose="020B0604020202020204" pitchFamily="34" charset="0"/>
-                <a:sym typeface="Roboto"/>
-              </a:rPr>
-              <a:t>n = {1,..,N, </a:t>
-            </a:r>
-            <a:r>
-              <a:rPr lang="en" sz="2000" dirty="0">
-                <a:latin typeface="Arial" panose="020B0604020202020204" pitchFamily="34" charset="0"/>
-                <a:ea typeface="Lobster"/>
-                <a:cs typeface="Arial" panose="020B0604020202020204" pitchFamily="34" charset="0"/>
-                <a:sym typeface="Lobster"/>
-              </a:rPr>
-              <a:t>l</a:t>
-            </a:r>
-            <a:r>
-              <a:rPr lang="en" sz="2000" dirty="0">
-                <a:latin typeface="Arial" panose="020B0604020202020204" pitchFamily="34" charset="0"/>
-                <a:ea typeface="Roboto"/>
-                <a:cs typeface="Arial" panose="020B0604020202020204" pitchFamily="34" charset="0"/>
-                <a:sym typeface="Roboto"/>
-              </a:rPr>
-              <a:t> } : Nodes, where l is the centralized cloud</a:t>
-            </a:r>
-            <a:endParaRPr sz="2000" dirty="0">
-              <a:latin typeface="Arial" panose="020B0604020202020204" pitchFamily="34" charset="0"/>
-              <a:ea typeface="Roboto"/>
-              <a:cs typeface="Arial" panose="020B0604020202020204" pitchFamily="34" charset="0"/>
-              <a:sym typeface="Roboto"/>
-            </a:endParaRPr>
-          </a:p>
-          <a:p>
-            <a:pPr marL="609585" indent="-423323">
-              <a:buSzPts val="1400"/>
-              <a:buFont typeface="Roboto"/>
-              <a:buChar char="●"/>
-            </a:pPr>
-            <a:r>
-              <a:rPr lang="en" sz="2000" dirty="0">
-                <a:latin typeface="Arial" panose="020B0604020202020204" pitchFamily="34" charset="0"/>
-                <a:ea typeface="Roboto"/>
-                <a:cs typeface="Arial" panose="020B0604020202020204" pitchFamily="34" charset="0"/>
-                <a:sym typeface="Roboto"/>
-              </a:rPr>
-              <a:t>e = {1,...,E} : links between nodes, directed</a:t>
-            </a:r>
-            <a:endParaRPr sz="2000" dirty="0">
-              <a:latin typeface="Arial" panose="020B0604020202020204" pitchFamily="34" charset="0"/>
-              <a:ea typeface="Roboto"/>
-              <a:cs typeface="Arial" panose="020B0604020202020204" pitchFamily="34" charset="0"/>
-              <a:sym typeface="Roboto"/>
-            </a:endParaRPr>
-          </a:p>
-          <a:p>
-            <a:r>
-              <a:rPr lang="en" sz="2000" dirty="0">
-                <a:latin typeface="Arial" panose="020B0604020202020204" pitchFamily="34" charset="0"/>
-                <a:ea typeface="Roboto"/>
-                <a:cs typeface="Arial" panose="020B0604020202020204" pitchFamily="34" charset="0"/>
-                <a:sym typeface="Roboto"/>
-              </a:rPr>
-              <a:t>Constants</a:t>
-            </a:r>
-            <a:endParaRPr sz="2000" dirty="0">
-              <a:highlight>
-                <a:srgbClr val="FFFFFF"/>
-              </a:highlight>
-              <a:latin typeface="Arial" panose="020B0604020202020204" pitchFamily="34" charset="0"/>
-              <a:ea typeface="Roboto"/>
-              <a:cs typeface="Arial" panose="020B0604020202020204" pitchFamily="34" charset="0"/>
-              <a:sym typeface="Roboto"/>
-            </a:endParaRPr>
-          </a:p>
-          <a:p>
-            <a:pPr marL="609585" indent="-423323">
-              <a:buSzPts val="1400"/>
-              <a:buFont typeface="Roboto"/>
-              <a:buChar char="●"/>
-            </a:pPr>
-            <a:r>
-              <a:rPr lang="en" sz="2000" dirty="0">
-                <a:latin typeface="Arial" panose="020B0604020202020204" pitchFamily="34" charset="0"/>
-                <a:ea typeface="Roboto"/>
-                <a:cs typeface="Arial" panose="020B0604020202020204" pitchFamily="34" charset="0"/>
-                <a:sym typeface="Roboto"/>
-              </a:rPr>
-              <a:t>c</a:t>
-            </a:r>
-            <a:r>
-              <a:rPr lang="en" sz="2000" baseline="-25000" dirty="0">
-                <a:latin typeface="Arial" panose="020B0604020202020204" pitchFamily="34" charset="0"/>
-                <a:ea typeface="Roboto"/>
-                <a:cs typeface="Arial" panose="020B0604020202020204" pitchFamily="34" charset="0"/>
-                <a:sym typeface="Roboto"/>
-              </a:rPr>
-              <a:t>e</a:t>
-            </a:r>
-            <a:r>
-              <a:rPr lang="en" sz="2000" dirty="0">
-                <a:latin typeface="Arial" panose="020B0604020202020204" pitchFamily="34" charset="0"/>
-                <a:ea typeface="Roboto"/>
-                <a:cs typeface="Arial" panose="020B0604020202020204" pitchFamily="34" charset="0"/>
-                <a:sym typeface="Roboto"/>
-              </a:rPr>
-              <a:t> : Capacity of link w</a:t>
-            </a:r>
-            <a:endParaRPr sz="2000" dirty="0">
-              <a:latin typeface="Arial" panose="020B0604020202020204" pitchFamily="34" charset="0"/>
-              <a:ea typeface="Roboto"/>
-              <a:cs typeface="Arial" panose="020B0604020202020204" pitchFamily="34" charset="0"/>
-              <a:sym typeface="Roboto"/>
-            </a:endParaRPr>
-          </a:p>
-          <a:p>
-            <a:pPr marL="609585" indent="-423323">
-              <a:buSzPts val="1400"/>
-              <a:buFont typeface="Roboto"/>
-              <a:buChar char="●"/>
-            </a:pPr>
-            <a:r>
-              <a:rPr lang="en" sz="2000" dirty="0">
-                <a:latin typeface="Arial" panose="020B0604020202020204" pitchFamily="34" charset="0"/>
-                <a:ea typeface="Roboto"/>
-                <a:cs typeface="Arial" panose="020B0604020202020204" pitchFamily="34" charset="0"/>
-                <a:sym typeface="Roboto"/>
-              </a:rPr>
-              <a:t>l</a:t>
-            </a:r>
-            <a:r>
-              <a:rPr lang="en" sz="2000" baseline="-25000" dirty="0">
-                <a:latin typeface="Arial" panose="020B0604020202020204" pitchFamily="34" charset="0"/>
-                <a:ea typeface="Roboto"/>
-                <a:cs typeface="Arial" panose="020B0604020202020204" pitchFamily="34" charset="0"/>
-                <a:sym typeface="Roboto"/>
-              </a:rPr>
-              <a:t>e</a:t>
-            </a:r>
-            <a:r>
-              <a:rPr lang="en" sz="2000" dirty="0">
-                <a:latin typeface="Arial" panose="020B0604020202020204" pitchFamily="34" charset="0"/>
-                <a:ea typeface="Roboto"/>
-                <a:cs typeface="Arial" panose="020B0604020202020204" pitchFamily="34" charset="0"/>
-                <a:sym typeface="Roboto"/>
-              </a:rPr>
-              <a:t> : latency introduced at link e, can be formulated as a function of load in future. 1/(c</a:t>
-            </a:r>
-            <a:r>
-              <a:rPr lang="en" sz="2000" baseline="-25000" dirty="0">
-                <a:latin typeface="Arial" panose="020B0604020202020204" pitchFamily="34" charset="0"/>
-                <a:ea typeface="Roboto"/>
-                <a:cs typeface="Arial" panose="020B0604020202020204" pitchFamily="34" charset="0"/>
-                <a:sym typeface="Roboto"/>
-              </a:rPr>
-              <a:t>e</a:t>
-            </a:r>
-            <a:r>
-              <a:rPr lang="en" sz="2000" dirty="0">
-                <a:latin typeface="Arial" panose="020B0604020202020204" pitchFamily="34" charset="0"/>
-                <a:ea typeface="Roboto"/>
-                <a:cs typeface="Arial" panose="020B0604020202020204" pitchFamily="34" charset="0"/>
-                <a:sym typeface="Roboto"/>
-              </a:rPr>
-              <a:t> - y</a:t>
-            </a:r>
-            <a:r>
-              <a:rPr lang="en" sz="2000" baseline="-25000" dirty="0">
-                <a:latin typeface="Arial" panose="020B0604020202020204" pitchFamily="34" charset="0"/>
-                <a:ea typeface="Roboto"/>
-                <a:cs typeface="Arial" panose="020B0604020202020204" pitchFamily="34" charset="0"/>
-                <a:sym typeface="Roboto"/>
-              </a:rPr>
-              <a:t>e</a:t>
-            </a:r>
-            <a:r>
-              <a:rPr lang="en" sz="2000" dirty="0">
-                <a:latin typeface="Arial" panose="020B0604020202020204" pitchFamily="34" charset="0"/>
-                <a:ea typeface="Roboto"/>
-                <a:cs typeface="Arial" panose="020B0604020202020204" pitchFamily="34" charset="0"/>
-                <a:sym typeface="Roboto"/>
-              </a:rPr>
-              <a:t>)</a:t>
-            </a:r>
-            <a:endParaRPr sz="2000" dirty="0">
-              <a:latin typeface="Arial" panose="020B0604020202020204" pitchFamily="34" charset="0"/>
-              <a:ea typeface="Roboto"/>
-              <a:cs typeface="Arial" panose="020B0604020202020204" pitchFamily="34" charset="0"/>
-              <a:sym typeface="Roboto"/>
-            </a:endParaRPr>
-          </a:p>
-          <a:p>
-            <a:pPr marL="609585" indent="-423323">
-              <a:buSzPts val="1400"/>
-              <a:buFont typeface="Roboto"/>
-              <a:buChar char="●"/>
-            </a:pPr>
-            <a:r>
-              <a:rPr lang="en" sz="2000" dirty="0">
-                <a:latin typeface="Arial" panose="020B0604020202020204" pitchFamily="34" charset="0"/>
-                <a:ea typeface="Roboto"/>
-                <a:cs typeface="Arial" panose="020B0604020202020204" pitchFamily="34" charset="0"/>
-                <a:sym typeface="Roboto"/>
-              </a:rPr>
-              <a:t>a</a:t>
-            </a:r>
-            <a:r>
-              <a:rPr lang="en" sz="2000" baseline="-25000" dirty="0">
-                <a:latin typeface="Arial" panose="020B0604020202020204" pitchFamily="34" charset="0"/>
-                <a:ea typeface="Roboto"/>
-                <a:cs typeface="Arial" panose="020B0604020202020204" pitchFamily="34" charset="0"/>
-                <a:sym typeface="Roboto"/>
-              </a:rPr>
-              <a:t>ev</a:t>
-            </a:r>
-            <a:r>
-              <a:rPr lang="en" sz="2000" dirty="0">
-                <a:latin typeface="Arial" panose="020B0604020202020204" pitchFamily="34" charset="0"/>
-                <a:ea typeface="Roboto"/>
-                <a:cs typeface="Arial" panose="020B0604020202020204" pitchFamily="34" charset="0"/>
-                <a:sym typeface="Roboto"/>
-              </a:rPr>
-              <a:t> = 1 if link e originates at node v; 0, otherwise</a:t>
-            </a:r>
-            <a:endParaRPr sz="2000" dirty="0">
-              <a:latin typeface="Arial" panose="020B0604020202020204" pitchFamily="34" charset="0"/>
-              <a:ea typeface="Roboto"/>
-              <a:cs typeface="Arial" panose="020B0604020202020204" pitchFamily="34" charset="0"/>
-              <a:sym typeface="Roboto"/>
-            </a:endParaRPr>
-          </a:p>
-          <a:p>
-            <a:pPr marL="609585" indent="-423323">
-              <a:buSzPts val="1400"/>
-              <a:buFont typeface="Roboto"/>
-              <a:buChar char="●"/>
-            </a:pPr>
-            <a:r>
-              <a:rPr lang="en" sz="2000" dirty="0">
-                <a:latin typeface="Arial" panose="020B0604020202020204" pitchFamily="34" charset="0"/>
-                <a:ea typeface="Roboto"/>
-                <a:cs typeface="Arial" panose="020B0604020202020204" pitchFamily="34" charset="0"/>
-                <a:sym typeface="Roboto"/>
-              </a:rPr>
-              <a:t>b</a:t>
-            </a:r>
-            <a:r>
-              <a:rPr lang="en" sz="2000" baseline="-25000" dirty="0">
-                <a:latin typeface="Arial" panose="020B0604020202020204" pitchFamily="34" charset="0"/>
-                <a:ea typeface="Roboto"/>
-                <a:cs typeface="Arial" panose="020B0604020202020204" pitchFamily="34" charset="0"/>
-                <a:sym typeface="Roboto"/>
-              </a:rPr>
-              <a:t>ev</a:t>
-            </a:r>
-            <a:r>
-              <a:rPr lang="en" sz="2000" dirty="0">
-                <a:latin typeface="Arial" panose="020B0604020202020204" pitchFamily="34" charset="0"/>
-                <a:ea typeface="Roboto"/>
-                <a:cs typeface="Arial" panose="020B0604020202020204" pitchFamily="34" charset="0"/>
-                <a:sym typeface="Roboto"/>
-              </a:rPr>
-              <a:t> = 1 if link e terminates at node v; 0, otherwise</a:t>
-            </a:r>
-            <a:endParaRPr sz="2000" dirty="0">
-              <a:latin typeface="Arial" panose="020B0604020202020204" pitchFamily="34" charset="0"/>
-              <a:ea typeface="Roboto"/>
-              <a:cs typeface="Arial" panose="020B0604020202020204" pitchFamily="34" charset="0"/>
-              <a:sym typeface="Roboto"/>
-            </a:endParaRPr>
-          </a:p>
-          <a:p>
-            <a:pPr marL="609585" indent="-423323">
-              <a:buSzPts val="1400"/>
-              <a:buFont typeface="Roboto"/>
-              <a:buChar char="●"/>
-            </a:pPr>
-            <a:r>
-              <a:rPr lang="en" sz="2000" dirty="0">
-                <a:latin typeface="Arial" panose="020B0604020202020204" pitchFamily="34" charset="0"/>
-                <a:ea typeface="Roboto"/>
-                <a:cs typeface="Arial" panose="020B0604020202020204" pitchFamily="34" charset="0"/>
-                <a:sym typeface="Roboto"/>
-              </a:rPr>
-              <a:t>W</a:t>
-            </a:r>
-            <a:r>
-              <a:rPr lang="en" sz="2000" baseline="-25000" dirty="0">
-                <a:latin typeface="Arial" panose="020B0604020202020204" pitchFamily="34" charset="0"/>
-                <a:ea typeface="Roboto"/>
-                <a:cs typeface="Arial" panose="020B0604020202020204" pitchFamily="34" charset="0"/>
-                <a:sym typeface="Roboto"/>
-              </a:rPr>
-              <a:t>s</a:t>
-            </a:r>
-            <a:r>
-              <a:rPr lang="en-US" sz="2000" baseline="-25000" dirty="0">
-                <a:latin typeface="Arial" panose="020B0604020202020204" pitchFamily="34" charset="0"/>
-                <a:ea typeface="Roboto"/>
-                <a:cs typeface="Arial" panose="020B0604020202020204" pitchFamily="34" charset="0"/>
-                <a:sym typeface="Roboto"/>
-              </a:rPr>
-              <a:t>u</a:t>
-            </a:r>
-            <a:r>
-              <a:rPr lang="en" sz="2000" dirty="0">
-                <a:latin typeface="Arial" panose="020B0604020202020204" pitchFamily="34" charset="0"/>
-                <a:ea typeface="Roboto"/>
-                <a:cs typeface="Arial" panose="020B0604020202020204" pitchFamily="34" charset="0"/>
-                <a:sym typeface="Roboto"/>
-              </a:rPr>
-              <a:t> = price of the service requested by user u</a:t>
-            </a:r>
-            <a:endParaRPr sz="2000" dirty="0">
-              <a:latin typeface="Arial" panose="020B0604020202020204" pitchFamily="34" charset="0"/>
-              <a:ea typeface="Roboto"/>
-              <a:cs typeface="Arial" panose="020B0604020202020204" pitchFamily="34" charset="0"/>
-              <a:sym typeface="Roboto"/>
-            </a:endParaRPr>
-          </a:p>
-          <a:p>
-            <a:r>
-              <a:rPr lang="en" sz="2000" dirty="0">
-                <a:latin typeface="Arial" panose="020B0604020202020204" pitchFamily="34" charset="0"/>
-                <a:ea typeface="Roboto"/>
-                <a:cs typeface="Arial" panose="020B0604020202020204" pitchFamily="34" charset="0"/>
-                <a:sym typeface="Roboto"/>
-              </a:rPr>
-              <a:t>Variables</a:t>
-            </a:r>
-            <a:endParaRPr sz="2000" dirty="0">
-              <a:latin typeface="Arial" panose="020B0604020202020204" pitchFamily="34" charset="0"/>
-              <a:ea typeface="Roboto"/>
-              <a:cs typeface="Arial" panose="020B0604020202020204" pitchFamily="34" charset="0"/>
-              <a:sym typeface="Roboto"/>
-            </a:endParaRPr>
-          </a:p>
-          <a:p>
-            <a:pPr marL="609585" indent="-423323">
-              <a:buSzPts val="1400"/>
-              <a:buFont typeface="Roboto"/>
-              <a:buChar char="●"/>
-            </a:pPr>
-            <a:r>
-              <a:rPr lang="en" sz="2000" dirty="0">
-                <a:latin typeface="Arial" panose="020B0604020202020204" pitchFamily="34" charset="0"/>
-                <a:ea typeface="Roboto"/>
-                <a:cs typeface="Arial" panose="020B0604020202020204" pitchFamily="34" charset="0"/>
-                <a:sym typeface="Roboto"/>
-              </a:rPr>
-              <a:t>x</a:t>
-            </a:r>
-            <a:r>
-              <a:rPr lang="en" sz="2000" baseline="-25000" dirty="0">
-                <a:latin typeface="Arial" panose="020B0604020202020204" pitchFamily="34" charset="0"/>
-                <a:ea typeface="Roboto"/>
-                <a:cs typeface="Arial" panose="020B0604020202020204" pitchFamily="34" charset="0"/>
-                <a:sym typeface="Roboto"/>
-              </a:rPr>
-              <a:t>nu</a:t>
-            </a:r>
-            <a:r>
-              <a:rPr lang="en" sz="2000" dirty="0">
-                <a:latin typeface="Arial" panose="020B0604020202020204" pitchFamily="34" charset="0"/>
-                <a:ea typeface="Roboto"/>
-                <a:cs typeface="Arial" panose="020B0604020202020204" pitchFamily="34" charset="0"/>
-                <a:sym typeface="Roboto"/>
-              </a:rPr>
-              <a:t> : binary variable. 1 if the request of user u is served at node n, 0 otherwise.</a:t>
-            </a:r>
-            <a:endParaRPr sz="2000" dirty="0">
-              <a:latin typeface="Arial" panose="020B0604020202020204" pitchFamily="34" charset="0"/>
-              <a:ea typeface="Roboto"/>
-              <a:cs typeface="Arial" panose="020B0604020202020204" pitchFamily="34" charset="0"/>
-              <a:sym typeface="Roboto"/>
-            </a:endParaRPr>
-          </a:p>
-          <a:p>
-            <a:pPr marL="609585" indent="-423323">
-              <a:buSzPts val="1400"/>
-              <a:buFont typeface="Roboto"/>
-              <a:buChar char="●"/>
-            </a:pPr>
-            <a:r>
-              <a:rPr lang="en" sz="2000" dirty="0">
-                <a:latin typeface="Arial" panose="020B0604020202020204" pitchFamily="34" charset="0"/>
-                <a:ea typeface="Roboto"/>
-                <a:cs typeface="Arial" panose="020B0604020202020204" pitchFamily="34" charset="0"/>
-                <a:sym typeface="Roboto"/>
-              </a:rPr>
-              <a:t>y</a:t>
-            </a:r>
-            <a:r>
-              <a:rPr lang="en" sz="2000" baseline="-25000" dirty="0">
-                <a:latin typeface="Arial" panose="020B0604020202020204" pitchFamily="34" charset="0"/>
-                <a:ea typeface="Roboto"/>
-                <a:cs typeface="Arial" panose="020B0604020202020204" pitchFamily="34" charset="0"/>
-                <a:sym typeface="Roboto"/>
-              </a:rPr>
-              <a:t>n’u</a:t>
-            </a:r>
-            <a:r>
-              <a:rPr lang="en" sz="2000" dirty="0">
-                <a:latin typeface="Arial" panose="020B0604020202020204" pitchFamily="34" charset="0"/>
-                <a:ea typeface="Roboto"/>
-                <a:cs typeface="Arial" panose="020B0604020202020204" pitchFamily="34" charset="0"/>
-                <a:sym typeface="Roboto"/>
-              </a:rPr>
-              <a:t> : binary variable. 1 if the user u access the network through node n’ where n’ ∈ N</a:t>
-            </a:r>
-            <a:r>
-              <a:rPr lang="en" sz="2000" baseline="-25000" dirty="0">
-                <a:latin typeface="Arial" panose="020B0604020202020204" pitchFamily="34" charset="0"/>
-                <a:ea typeface="Roboto"/>
-                <a:cs typeface="Arial" panose="020B0604020202020204" pitchFamily="34" charset="0"/>
-                <a:sym typeface="Roboto"/>
-              </a:rPr>
-              <a:t>u</a:t>
-            </a:r>
-            <a:r>
-              <a:rPr lang="en" sz="2000" dirty="0">
-                <a:latin typeface="Arial" panose="020B0604020202020204" pitchFamily="34" charset="0"/>
-                <a:ea typeface="Roboto"/>
-                <a:cs typeface="Arial" panose="020B0604020202020204" pitchFamily="34" charset="0"/>
-                <a:sym typeface="Roboto"/>
-              </a:rPr>
-              <a:t> , 0 otherwise</a:t>
-            </a:r>
-            <a:endParaRPr sz="2000" dirty="0">
-              <a:latin typeface="Arial" panose="020B0604020202020204" pitchFamily="34" charset="0"/>
-              <a:ea typeface="Roboto"/>
-              <a:cs typeface="Arial" panose="020B0604020202020204" pitchFamily="34" charset="0"/>
-              <a:sym typeface="Roboto"/>
-            </a:endParaRPr>
-          </a:p>
-          <a:p>
-            <a:pPr marL="609585" indent="-423323">
-              <a:buSzPts val="1400"/>
-              <a:buFont typeface="Roboto"/>
-              <a:buChar char="●"/>
-            </a:pPr>
-            <a:r>
-              <a:rPr lang="en" sz="2000" dirty="0">
-                <a:latin typeface="Arial" panose="020B0604020202020204" pitchFamily="34" charset="0"/>
-                <a:ea typeface="Roboto"/>
-                <a:cs typeface="Arial" panose="020B0604020202020204" pitchFamily="34" charset="0"/>
-                <a:sym typeface="Roboto"/>
-              </a:rPr>
-              <a:t>u</a:t>
-            </a:r>
-            <a:r>
-              <a:rPr lang="en" sz="2000" baseline="-25000" dirty="0">
-                <a:latin typeface="Arial" panose="020B0604020202020204" pitchFamily="34" charset="0"/>
-                <a:ea typeface="Roboto"/>
-                <a:cs typeface="Arial" panose="020B0604020202020204" pitchFamily="34" charset="0"/>
-                <a:sym typeface="Roboto"/>
-              </a:rPr>
-              <a:t>ue</a:t>
-            </a:r>
-            <a:r>
-              <a:rPr lang="en" sz="2000" dirty="0">
-                <a:latin typeface="Arial" panose="020B0604020202020204" pitchFamily="34" charset="0"/>
-                <a:ea typeface="Roboto"/>
-                <a:cs typeface="Arial" panose="020B0604020202020204" pitchFamily="34" charset="0"/>
-                <a:sym typeface="Roboto"/>
-              </a:rPr>
-              <a:t> : binary variable. 1 if the link e is used while serving the user u, 0 otherwise. (can be changed to volume if we want to allow flow splitting.)</a:t>
-            </a:r>
-            <a:endParaRPr sz="2000" dirty="0">
-              <a:latin typeface="Arial" panose="020B0604020202020204" pitchFamily="34" charset="0"/>
-              <a:ea typeface="Roboto"/>
-              <a:cs typeface="Arial" panose="020B0604020202020204" pitchFamily="34" charset="0"/>
-              <a:sym typeface="Roboto"/>
-            </a:endParaRPr>
-          </a:p>
-        </p:txBody>
-      </p:sp>
-      <p:sp>
-        <p:nvSpPr>
-          <p:cNvPr id="6" name="Google Shape;142;p24">
-            <a:extLst>
-              <a:ext uri="{FF2B5EF4-FFF2-40B4-BE49-F238E27FC236}">
-                <a16:creationId xmlns:a16="http://schemas.microsoft.com/office/drawing/2014/main" id="{17731A19-D62A-4400-8504-E1DDF180B58B}"/>
-              </a:ext>
-            </a:extLst>
-          </p:cNvPr>
-          <p:cNvSpPr txBox="1"/>
-          <p:nvPr/>
-        </p:nvSpPr>
-        <p:spPr>
-          <a:xfrm>
-            <a:off x="0" y="962100"/>
-            <a:ext cx="5530470" cy="4181400"/>
-          </a:xfrm>
-          <a:prstGeom prst="rect">
-            <a:avLst/>
-          </a:prstGeom>
-          <a:solidFill>
-            <a:srgbClr val="FFFFFF"/>
-          </a:solidFill>
-          <a:ln>
-            <a:noFill/>
-          </a:ln>
-        </p:spPr>
-        <p:txBody>
-          <a:bodyPr spcFirstLastPara="1" wrap="square" lIns="91425" tIns="91425" rIns="91425" bIns="91425" anchor="t" anchorCtr="0">
-            <a:noAutofit/>
-          </a:bodyPr>
-          <a:lstStyle/>
-          <a:p>
-            <a:pPr marL="0" lvl="0" indent="0" algn="l" rtl="0">
-              <a:spcBef>
-                <a:spcPts val="0"/>
-              </a:spcBef>
-              <a:spcAft>
-                <a:spcPts val="0"/>
-              </a:spcAft>
-              <a:buNone/>
-            </a:pPr>
-            <a:r>
-              <a:rPr lang="en" sz="2400" u="sng" dirty="0">
-                <a:latin typeface="Roboto"/>
-                <a:ea typeface="Roboto"/>
-                <a:cs typeface="Roboto"/>
-                <a:sym typeface="Roboto"/>
-              </a:rPr>
-              <a:t>Objective Function</a:t>
-            </a:r>
-            <a:endParaRPr sz="2400" u="sng" dirty="0">
-              <a:latin typeface="Roboto"/>
-              <a:ea typeface="Roboto"/>
-              <a:cs typeface="Roboto"/>
-              <a:sym typeface="Roboto"/>
-            </a:endParaRPr>
-          </a:p>
-          <a:p>
-            <a:pPr marL="0" lvl="0" indent="0" algn="l" rtl="0">
-              <a:spcBef>
-                <a:spcPts val="0"/>
-              </a:spcBef>
-              <a:spcAft>
-                <a:spcPts val="0"/>
-              </a:spcAft>
-              <a:buNone/>
-            </a:pPr>
-            <a:r>
-              <a:rPr lang="en" sz="1800" dirty="0">
-                <a:latin typeface="Roboto"/>
-                <a:ea typeface="Roboto"/>
-                <a:cs typeface="Roboto"/>
-                <a:sym typeface="Roboto"/>
-              </a:rPr>
-              <a:t>Two possible design choices</a:t>
-            </a:r>
-            <a:endParaRPr sz="1800" dirty="0">
-              <a:latin typeface="Roboto"/>
-              <a:ea typeface="Roboto"/>
-              <a:cs typeface="Roboto"/>
-              <a:sym typeface="Roboto"/>
-            </a:endParaRPr>
-          </a:p>
-          <a:p>
-            <a:pPr marL="457200" lvl="0" indent="-342900" algn="l" rtl="0">
-              <a:spcBef>
-                <a:spcPts val="0"/>
-              </a:spcBef>
-              <a:spcAft>
-                <a:spcPts val="0"/>
-              </a:spcAft>
-              <a:buSzPts val="1800"/>
-              <a:buFont typeface="Roboto"/>
-              <a:buAutoNum type="arabicPeriod"/>
-            </a:pPr>
-            <a:r>
-              <a:rPr lang="en" sz="1800" dirty="0">
-                <a:latin typeface="Roboto"/>
-                <a:ea typeface="Roboto"/>
-                <a:cs typeface="Roboto"/>
-                <a:sym typeface="Roboto"/>
-              </a:rPr>
-              <a:t>Minimize the network operation &amp; installation cost for given user-service paris.</a:t>
-            </a:r>
-            <a:endParaRPr sz="1800" dirty="0">
-              <a:latin typeface="Roboto"/>
-              <a:ea typeface="Roboto"/>
-              <a:cs typeface="Roboto"/>
-              <a:sym typeface="Roboto"/>
-            </a:endParaRPr>
-          </a:p>
-          <a:p>
-            <a:pPr marL="457200" lvl="0" indent="-342900" algn="l" rtl="0">
-              <a:spcBef>
-                <a:spcPts val="0"/>
-              </a:spcBef>
-              <a:spcAft>
-                <a:spcPts val="0"/>
-              </a:spcAft>
-              <a:buSzPts val="1800"/>
-              <a:buFont typeface="Roboto"/>
-              <a:buAutoNum type="arabicPeriod"/>
-            </a:pPr>
-            <a:r>
-              <a:rPr lang="en" sz="1800" dirty="0">
-                <a:latin typeface="Roboto"/>
-                <a:ea typeface="Roboto"/>
-                <a:cs typeface="Roboto"/>
-                <a:sym typeface="Roboto"/>
-              </a:rPr>
-              <a:t>Maximize the number of served user-service paris for a given network configuration. </a:t>
-            </a:r>
-            <a:endParaRPr sz="1800" dirty="0">
-              <a:latin typeface="Roboto"/>
-              <a:ea typeface="Roboto"/>
-              <a:cs typeface="Roboto"/>
-              <a:sym typeface="Roboto"/>
-            </a:endParaRPr>
-          </a:p>
-          <a:p>
-            <a:pPr marL="914400" lvl="0" indent="0" algn="l" rtl="0">
-              <a:spcBef>
-                <a:spcPts val="0"/>
-              </a:spcBef>
-              <a:spcAft>
-                <a:spcPts val="0"/>
-              </a:spcAft>
-              <a:buNone/>
-            </a:pPr>
-            <a:endParaRPr sz="1800" dirty="0">
-              <a:latin typeface="Roboto"/>
-              <a:ea typeface="Roboto"/>
-              <a:cs typeface="Roboto"/>
-              <a:sym typeface="Roboto"/>
-            </a:endParaRPr>
-          </a:p>
-          <a:p>
-            <a:pPr marL="0" lvl="0" indent="0" algn="l" rtl="0">
-              <a:spcBef>
-                <a:spcPts val="0"/>
-              </a:spcBef>
-              <a:spcAft>
-                <a:spcPts val="0"/>
-              </a:spcAft>
-              <a:buNone/>
-            </a:pPr>
-            <a:endParaRPr sz="2400" dirty="0">
-              <a:latin typeface="Roboto"/>
-              <a:ea typeface="Roboto"/>
-              <a:cs typeface="Roboto"/>
-              <a:sym typeface="Roboto"/>
-            </a:endParaRPr>
-          </a:p>
-        </p:txBody>
-      </p:sp>
-      <p:sp>
-        <p:nvSpPr>
-          <p:cNvPr id="7" name="Google Shape;144;p24">
-            <a:extLst>
-              <a:ext uri="{FF2B5EF4-FFF2-40B4-BE49-F238E27FC236}">
-                <a16:creationId xmlns:a16="http://schemas.microsoft.com/office/drawing/2014/main" id="{8EF1DEE7-0C8B-4264-B04A-4556069D24FB}"/>
-              </a:ext>
-            </a:extLst>
-          </p:cNvPr>
-          <p:cNvSpPr txBox="1"/>
-          <p:nvPr/>
-        </p:nvSpPr>
-        <p:spPr>
-          <a:xfrm>
-            <a:off x="119374" y="5060492"/>
-            <a:ext cx="5411096" cy="1765619"/>
-          </a:xfrm>
-          <a:prstGeom prst="rect">
-            <a:avLst/>
-          </a:prstGeom>
-          <a:solidFill>
-            <a:srgbClr val="FFFFFF"/>
-          </a:solidFill>
-          <a:ln>
-            <a:noFill/>
-          </a:ln>
-        </p:spPr>
-        <p:txBody>
-          <a:bodyPr spcFirstLastPara="1" wrap="square" lIns="91425" tIns="91425" rIns="91425" bIns="91425" anchor="t" anchorCtr="0">
-            <a:noAutofit/>
-          </a:bodyPr>
-          <a:lstStyle/>
-          <a:p>
-            <a:pPr marL="0" lvl="0" indent="0" algn="l" rtl="0">
-              <a:spcBef>
-                <a:spcPts val="0"/>
-              </a:spcBef>
-              <a:spcAft>
-                <a:spcPts val="0"/>
-              </a:spcAft>
-              <a:buNone/>
-            </a:pPr>
-            <a:r>
-              <a:rPr lang="en" sz="1800" dirty="0">
-                <a:latin typeface="Roboto"/>
-                <a:ea typeface="Roboto"/>
-                <a:cs typeface="Roboto"/>
-                <a:sym typeface="Roboto"/>
-              </a:rPr>
-              <a:t>Generate the largest possible revenue from a centralized cloud server and a MEC network topology pair.</a:t>
-            </a:r>
-            <a:endParaRPr sz="1800" dirty="0">
-              <a:latin typeface="Roboto"/>
-              <a:ea typeface="Roboto"/>
-              <a:cs typeface="Roboto"/>
-              <a:sym typeface="Roboto"/>
-            </a:endParaRPr>
-          </a:p>
-        </p:txBody>
-      </p:sp>
-      <p:pic>
-        <p:nvPicPr>
-          <p:cNvPr id="2" name="Resim 1">
-            <a:extLst>
-              <a:ext uri="{FF2B5EF4-FFF2-40B4-BE49-F238E27FC236}">
-                <a16:creationId xmlns:a16="http://schemas.microsoft.com/office/drawing/2014/main" id="{6EC99701-0FEE-4ACE-9BCB-0065C79EAE72}"/>
-              </a:ext>
-            </a:extLst>
-          </p:cNvPr>
-          <p:cNvPicPr>
-            <a:picLocks noChangeAspect="1"/>
-          </p:cNvPicPr>
-          <p:nvPr/>
-        </p:nvPicPr>
-        <p:blipFill>
-          <a:blip r:embed="rId3"/>
-          <a:stretch>
-            <a:fillRect/>
-          </a:stretch>
-        </p:blipFill>
-        <p:spPr>
-          <a:xfrm>
-            <a:off x="119375" y="3377882"/>
-            <a:ext cx="5411096" cy="1110574"/>
-          </a:xfrm>
-          <a:prstGeom prst="rect">
-            <a:avLst/>
-          </a:prstGeom>
-        </p:spPr>
-      </p:pic>
-    </p:spTree>
-    <p:extLst>
-      <p:ext uri="{BB962C8B-B14F-4D97-AF65-F5344CB8AC3E}">
-        <p14:creationId xmlns:p14="http://schemas.microsoft.com/office/powerpoint/2010/main" val="1899999590"/>
-      </p:ext>
-    </p:extLst>
-  </p:cSld>
-  <p:clrMapOvr>
-    <a:masterClrMapping/>
-  </p:clrMapOvr>
-  <mc:AlternateContent xmlns:mc="http://schemas.openxmlformats.org/markup-compatibility/2006" xmlns:p14="http://schemas.microsoft.com/office/powerpoint/2010/main">
-    <mc:Choice Requires="p14">
-      <p:transition spd="slow" p14:dur="2000" advTm="23193"/>
-    </mc:Choice>
-    <mc:Fallback xmlns="">
-      <p:transition spd="slow" advTm="23193"/>
-    </mc:Fallback>
-  </mc:AlternateContent>
-</p:sld>
-</file>
-
 <file path=ppt/slides/slide9.xml><?xml version="1.0" encoding="utf-8"?>
 <p:sld xmlns:a="http://schemas.openxmlformats.org/drawingml/2006/main" xmlns:r="http://schemas.openxmlformats.org/officeDocument/2006/relationships" xmlns:p="http://schemas.openxmlformats.org/presentationml/2006/main">
   <p:cSld>
@@ -24007,10 +23423,10 @@
       </p:sp>
       <p:sp>
         <p:nvSpPr>
-          <p:cNvPr id="9" name="Google Shape;151;p25">
+          <p:cNvPr id="6" name="Google Shape;142;p24">
             <a:extLst>
               <a:ext uri="{FF2B5EF4-FFF2-40B4-BE49-F238E27FC236}">
-                <a16:creationId xmlns:a16="http://schemas.microsoft.com/office/drawing/2014/main" id="{1E664142-D4B9-44C2-AC47-8F7B7F0B2CB9}"/>
+                <a16:creationId xmlns:a16="http://schemas.microsoft.com/office/drawing/2014/main" id="{17731A19-D62A-4400-8504-E1DDF180B58B}"/>
               </a:ext>
             </a:extLst>
           </p:cNvPr>
@@ -24020,7 +23436,7 @@
         <p:spPr>
           <a:xfrm>
             <a:off x="0" y="962100"/>
-            <a:ext cx="5475642" cy="4181400"/>
+            <a:ext cx="5530470" cy="4181400"/>
           </a:xfrm>
           <a:prstGeom prst="rect">
             <a:avLst/>
@@ -24054,7 +23470,7 @@
                 <a:cs typeface="Roboto"/>
                 <a:sym typeface="Roboto"/>
               </a:rPr>
-              <a:t>Constraints</a:t>
+              <a:t>Objective Function</a:t>
             </a:r>
             <a:endParaRPr sz="2400" u="sng" dirty="0">
               <a:latin typeface="Roboto"/>
@@ -24080,18 +23496,9 @@
                 <a:cs typeface="Roboto"/>
                 <a:sym typeface="Roboto"/>
               </a:rPr>
-              <a:t>1. </a:t>
-            </a:r>
-            <a:r>
-              <a:rPr lang="en" dirty="0">
-                <a:latin typeface="Roboto"/>
-                <a:ea typeface="Roboto"/>
-                <a:cs typeface="Roboto"/>
-                <a:sym typeface="Roboto"/>
-              </a:rPr>
-              <a:t>A user can be served at most one location or neglected:</a:t>
-            </a:r>
-            <a:endParaRPr dirty="0">
+              <a:t>Two possible design choices</a:t>
+            </a:r>
+            <a:endParaRPr sz="1800" dirty="0">
               <a:latin typeface="Roboto"/>
               <a:ea typeface="Roboto"/>
               <a:cs typeface="Roboto"/>
@@ -24099,16 +23506,27 @@
             </a:endParaRPr>
           </a:p>
           <a:p>
-            <a:pPr marL="0" lvl="0" indent="0" algn="l" rtl="0">
-              <a:spcBef>
-                <a:spcPts val="0"/>
-              </a:spcBef>
-              <a:spcAft>
-                <a:spcPts val="0"/>
-              </a:spcAft>
-              <a:buNone/>
+            <a:pPr marL="457200" lvl="0" indent="-342900" algn="l" rtl="0">
+              <a:spcBef>
+                <a:spcPts val="0"/>
+              </a:spcBef>
+              <a:spcAft>
+                <a:spcPts val="0"/>
+              </a:spcAft>
+              <a:buSzPts val="1800"/>
+              <a:buFont typeface="Roboto"/>
+              <a:buAutoNum type="arabicPeriod"/>
             </a:pPr>
-            <a:endParaRPr dirty="0">
+            <a:r>
+              <a:rPr lang="en" sz="1800" dirty="0">
+                <a:latin typeface="Roboto"/>
+                <a:ea typeface="Roboto"/>
+                <a:cs typeface="Roboto"/>
+                <a:sym typeface="Roboto"/>
+              </a:rPr>
+              <a:t>Minimize the network operation &amp; installation cost for given user-service paris.</a:t>
+            </a:r>
+            <a:endParaRPr sz="1800" dirty="0">
               <a:latin typeface="Roboto"/>
               <a:ea typeface="Roboto"/>
               <a:cs typeface="Roboto"/>
@@ -24116,7 +23534,35 @@
             </a:endParaRPr>
           </a:p>
           <a:p>
-            <a:pPr marL="0" lvl="0" indent="0" algn="l" rtl="0">
+            <a:pPr marL="457200" lvl="0" indent="-342900" algn="l" rtl="0">
+              <a:spcBef>
+                <a:spcPts val="0"/>
+              </a:spcBef>
+              <a:spcAft>
+                <a:spcPts val="0"/>
+              </a:spcAft>
+              <a:buSzPts val="1800"/>
+              <a:buFont typeface="Roboto"/>
+              <a:buAutoNum type="arabicPeriod"/>
+            </a:pPr>
+            <a:r>
+              <a:rPr lang="en" sz="1800" dirty="0">
+                <a:latin typeface="Roboto"/>
+                <a:ea typeface="Roboto"/>
+                <a:cs typeface="Roboto"/>
+                <a:sym typeface="Roboto"/>
+              </a:rPr>
+              <a:t>Maximize the number of served user-service paris for a given network configuration. </a:t>
+            </a:r>
+            <a:endParaRPr sz="1800" dirty="0">
+              <a:latin typeface="Roboto"/>
+              <a:ea typeface="Roboto"/>
+              <a:cs typeface="Roboto"/>
+              <a:sym typeface="Roboto"/>
+            </a:endParaRPr>
+          </a:p>
+          <a:p>
+            <a:pPr marL="914400" lvl="0" indent="0" algn="l" rtl="0">
               <a:spcBef>
                 <a:spcPts val="0"/>
               </a:spcBef>
@@ -24142,6 +23588,66 @@
               </a:spcAft>
               <a:buNone/>
             </a:pPr>
+            <a:endParaRPr sz="2400" dirty="0">
+              <a:latin typeface="Roboto"/>
+              <a:ea typeface="Roboto"/>
+              <a:cs typeface="Roboto"/>
+              <a:sym typeface="Roboto"/>
+            </a:endParaRPr>
+          </a:p>
+        </p:txBody>
+      </p:sp>
+      <p:sp>
+        <p:nvSpPr>
+          <p:cNvPr id="7" name="Google Shape;144;p24">
+            <a:extLst>
+              <a:ext uri="{FF2B5EF4-FFF2-40B4-BE49-F238E27FC236}">
+                <a16:creationId xmlns:a16="http://schemas.microsoft.com/office/drawing/2014/main" id="{8EF1DEE7-0C8B-4264-B04A-4556069D24FB}"/>
+              </a:ext>
+            </a:extLst>
+          </p:cNvPr>
+          <p:cNvSpPr txBox="1"/>
+          <p:nvPr/>
+        </p:nvSpPr>
+        <p:spPr>
+          <a:xfrm>
+            <a:off x="119374" y="5060492"/>
+            <a:ext cx="5411096" cy="1765619"/>
+          </a:xfrm>
+          <a:prstGeom prst="rect">
+            <a:avLst/>
+          </a:prstGeom>
+          <a:solidFill>
+            <a:srgbClr val="FFFFFF"/>
+          </a:solidFill>
+          <a:ln>
+            <a:noFill/>
+          </a:ln>
+        </p:spPr>
+        <p:txBody>
+          <a:bodyPr spcFirstLastPara="1" wrap="square" lIns="91425" tIns="91425" rIns="91425" bIns="91425" anchor="t" anchorCtr="0">
+            <a:noAutofit/>
+          </a:bodyPr>
+          <a:lstStyle/>
+          <a:p>
+            <a:pPr marL="0" lvl="0" indent="0" algn="l" rtl="0">
+              <a:spcBef>
+                <a:spcPts val="0"/>
+              </a:spcBef>
+              <a:spcAft>
+                <a:spcPts val="0"/>
+              </a:spcAft>
+              <a:buNone/>
+            </a:pPr>
+            <a:r>
+              <a:rPr lang="en" sz="1800" dirty="0">
+                <a:latin typeface="Roboto"/>
+                <a:ea typeface="Roboto"/>
+                <a:cs typeface="Roboto"/>
+                <a:sym typeface="Roboto"/>
+              </a:rPr>
+              <a:t>Generate the largest possible revenue from a centralized cloud server and a MEC network topology pair.</a:t>
+            </a:r>
             <a:endParaRPr sz="1800" dirty="0">
               <a:latin typeface="Roboto"/>
               <a:ea typeface="Roboto"/>
@@ -24149,166 +23655,42 @@
               <a:sym typeface="Roboto"/>
             </a:endParaRPr>
           </a:p>
-          <a:p>
-            <a:pPr marL="0" lvl="0" indent="0" algn="l" rtl="0">
-              <a:spcBef>
-                <a:spcPts val="0"/>
-              </a:spcBef>
-              <a:spcAft>
-                <a:spcPts val="0"/>
-              </a:spcAft>
-              <a:buNone/>
-            </a:pPr>
-            <a:endParaRPr lang="en-US" sz="1800" dirty="0">
-              <a:latin typeface="Roboto"/>
-              <a:ea typeface="Roboto"/>
-              <a:cs typeface="Roboto"/>
-              <a:sym typeface="Roboto"/>
-            </a:endParaRPr>
-          </a:p>
-          <a:p>
-            <a:pPr marL="0" lvl="0" indent="0" algn="l" rtl="0">
-              <a:spcBef>
-                <a:spcPts val="0"/>
-              </a:spcBef>
-              <a:spcAft>
-                <a:spcPts val="0"/>
-              </a:spcAft>
-              <a:buNone/>
-            </a:pPr>
-            <a:endParaRPr lang="en-US" dirty="0">
-              <a:latin typeface="Roboto"/>
-              <a:ea typeface="Roboto"/>
-              <a:cs typeface="Roboto"/>
-              <a:sym typeface="Roboto"/>
-            </a:endParaRPr>
-          </a:p>
-          <a:p>
-            <a:pPr marL="0" lvl="0" indent="0" algn="l" rtl="0">
-              <a:spcBef>
-                <a:spcPts val="0"/>
-              </a:spcBef>
-              <a:spcAft>
-                <a:spcPts val="0"/>
-              </a:spcAft>
-              <a:buNone/>
-            </a:pPr>
-            <a:endParaRPr sz="1800" dirty="0">
-              <a:latin typeface="Roboto"/>
-              <a:ea typeface="Roboto"/>
-              <a:cs typeface="Roboto"/>
-              <a:sym typeface="Roboto"/>
-            </a:endParaRPr>
-          </a:p>
-          <a:p>
-            <a:pPr marL="0" lvl="0" indent="0" algn="l" rtl="0">
-              <a:spcBef>
-                <a:spcPts val="0"/>
-              </a:spcBef>
-              <a:spcAft>
-                <a:spcPts val="0"/>
-              </a:spcAft>
-              <a:buNone/>
-            </a:pPr>
-            <a:r>
-              <a:rPr lang="en" sz="1800" dirty="0">
-                <a:latin typeface="Roboto"/>
-                <a:ea typeface="Roboto"/>
-                <a:cs typeface="Roboto"/>
-                <a:sym typeface="Roboto"/>
-              </a:rPr>
-              <a:t>2. </a:t>
-            </a:r>
-            <a:r>
-              <a:rPr lang="en" dirty="0">
-                <a:latin typeface="Roboto"/>
-                <a:ea typeface="Roboto"/>
-                <a:cs typeface="Roboto"/>
-                <a:sym typeface="Roboto"/>
-              </a:rPr>
-              <a:t>If a user is to be served the user needs to access the network through any of its access nodes, otherwise it shouldn’t access to the network and waste resources at access nodes:</a:t>
-            </a:r>
-            <a:endParaRPr sz="2400" dirty="0">
-              <a:latin typeface="Roboto"/>
-              <a:ea typeface="Roboto"/>
-              <a:cs typeface="Roboto"/>
-              <a:sym typeface="Roboto"/>
-            </a:endParaRPr>
-          </a:p>
         </p:txBody>
       </p:sp>
       <p:pic>
         <p:nvPicPr>
-          <p:cNvPr id="10" name="Google Shape;152;p25">
+          <p:cNvPr id="2" name="Resim 1">
             <a:extLst>
               <a:ext uri="{FF2B5EF4-FFF2-40B4-BE49-F238E27FC236}">
-                <a16:creationId xmlns:a16="http://schemas.microsoft.com/office/drawing/2014/main" id="{3AC2215A-310F-494F-9C3B-ECC713B2CDB0}"/>
+                <a16:creationId xmlns:a16="http://schemas.microsoft.com/office/drawing/2014/main" id="{6EC99701-0FEE-4ACE-9BCB-0065C79EAE72}"/>
               </a:ext>
             </a:extLst>
           </p:cNvPr>
-          <p:cNvPicPr preferRelativeResize="0"/>
+          <p:cNvPicPr>
+            <a:picLocks noChangeAspect="1"/>
+          </p:cNvPicPr>
           <p:nvPr/>
         </p:nvPicPr>
         <p:blipFill>
-          <a:blip r:embed="rId3">
-            <a:alphaModFix/>
-          </a:blip>
+          <a:blip r:embed="rId3"/>
           <a:stretch>
             <a:fillRect/>
           </a:stretch>
         </p:blipFill>
         <p:spPr>
           <a:xfrm>
-            <a:off x="633377" y="2245433"/>
-            <a:ext cx="3605136" cy="1012494"/>
+            <a:off x="119375" y="3377882"/>
+            <a:ext cx="5411096" cy="1110574"/>
           </a:xfrm>
           <a:prstGeom prst="rect">
             <a:avLst/>
           </a:prstGeom>
-          <a:noFill/>
-          <a:ln>
-            <a:noFill/>
-          </a:ln>
-        </p:spPr>
-      </p:pic>
-      <p:pic>
-        <p:nvPicPr>
-          <p:cNvPr id="11" name="Google Shape;153;p25">
-            <a:extLst>
-              <a:ext uri="{FF2B5EF4-FFF2-40B4-BE49-F238E27FC236}">
-                <a16:creationId xmlns:a16="http://schemas.microsoft.com/office/drawing/2014/main" id="{3B3B2B32-43E5-4620-8ECE-EEC36CAD7ECB}"/>
-              </a:ext>
-            </a:extLst>
-          </p:cNvPr>
-          <p:cNvPicPr preferRelativeResize="0"/>
-          <p:nvPr/>
-        </p:nvPicPr>
-        <p:blipFill>
-          <a:blip r:embed="rId4">
-            <a:alphaModFix/>
-          </a:blip>
-          <a:stretch>
-            <a:fillRect/>
-          </a:stretch>
-        </p:blipFill>
-        <p:spPr>
-          <a:xfrm>
-            <a:off x="275276" y="5143500"/>
-            <a:ext cx="4925089" cy="1152121"/>
-          </a:xfrm>
-          <a:prstGeom prst="rect">
-            <a:avLst/>
-          </a:prstGeom>
-          <a:noFill/>
-          <a:ln>
-            <a:noFill/>
-          </a:ln>
         </p:spPr>
       </p:pic>
     </p:spTree>
     <p:extLst>
       <p:ext uri="{BB962C8B-B14F-4D97-AF65-F5344CB8AC3E}">
-        <p14:creationId xmlns:p14="http://schemas.microsoft.com/office/powerpoint/2010/main" val="2271738301"/>
+        <p14:creationId xmlns:p14="http://schemas.microsoft.com/office/powerpoint/2010/main" val="1899999590"/>
       </p:ext>
     </p:extLst>
   </p:cSld>
